--- a/CrossTheRoad.pptx
+++ b/CrossTheRoad.pptx
@@ -18840,36 +18840,6 @@
           <a:chExt cx="0" cy="0"/>
         </a:xfrm>
       </p:grpSpPr>
-      <p:pic>
-        <p:nvPicPr>
-          <p:cNvPr id="26" name="Picture 25">
-            <a:extLst>
-              <a:ext uri="{FF2B5EF4-FFF2-40B4-BE49-F238E27FC236}">
-                <a16:creationId xmlns:a16="http://schemas.microsoft.com/office/drawing/2014/main" id="{A4F6C742-00A4-4589-9637-F302F359A540}"/>
-              </a:ext>
-            </a:extLst>
-          </p:cNvPr>
-          <p:cNvPicPr>
-            <a:picLocks noChangeAspect="1"/>
-          </p:cNvPicPr>
-          <p:nvPr/>
-        </p:nvPicPr>
-        <p:blipFill>
-          <a:blip r:embed="rId3"/>
-          <a:stretch>
-            <a:fillRect/>
-          </a:stretch>
-        </p:blipFill>
-        <p:spPr>
-          <a:xfrm>
-            <a:off x="0" y="1423164"/>
-            <a:ext cx="9144000" cy="3720335"/>
-          </a:xfrm>
-          <a:prstGeom prst="rect">
-            <a:avLst/>
-          </a:prstGeom>
-        </p:spPr>
-      </p:pic>
       <p:sp>
         <p:nvSpPr>
           <p:cNvPr id="28" name="Google Shape;330;p29">
@@ -19505,6 +19475,42 @@
           </a:p>
         </p:txBody>
       </p:sp>
+      <p:pic>
+        <p:nvPicPr>
+          <p:cNvPr id="5" name="Picture 4" descr="Diagram&#10;&#10;Description automatically generated">
+            <a:extLst>
+              <a:ext uri="{FF2B5EF4-FFF2-40B4-BE49-F238E27FC236}">
+                <a16:creationId xmlns:a16="http://schemas.microsoft.com/office/drawing/2014/main" id="{A35881A1-9A8D-4BBA-969E-92BF9B83A479}"/>
+              </a:ext>
+            </a:extLst>
+          </p:cNvPr>
+          <p:cNvPicPr>
+            <a:picLocks noChangeAspect="1"/>
+          </p:cNvPicPr>
+          <p:nvPr/>
+        </p:nvPicPr>
+        <p:blipFill>
+          <a:blip r:embed="rId3">
+            <a:extLst>
+              <a:ext uri="{28A0092B-C50C-407E-A947-70E740481C1C}">
+                <a14:useLocalDpi xmlns:a14="http://schemas.microsoft.com/office/drawing/2010/main" val="0"/>
+              </a:ext>
+            </a:extLst>
+          </a:blip>
+          <a:stretch>
+            <a:fillRect/>
+          </a:stretch>
+        </p:blipFill>
+        <p:spPr>
+          <a:xfrm>
+            <a:off x="-83214" y="1305597"/>
+            <a:ext cx="9227214" cy="3837903"/>
+          </a:xfrm>
+          <a:prstGeom prst="rect">
+            <a:avLst/>
+          </a:prstGeom>
+        </p:spPr>
+      </p:pic>
     </p:spTree>
     <p:extLst>
       <p:ext uri="{BB962C8B-B14F-4D97-AF65-F5344CB8AC3E}">

--- a/CrossTheRoad.pptx
+++ b/CrossTheRoad.pptx
@@ -18908,8 +18908,8 @@
         </p:nvSpPr>
         <p:spPr>
           <a:xfrm>
-            <a:off x="610122" y="670331"/>
-            <a:ext cx="6141312" cy="323134"/>
+            <a:off x="610121" y="670331"/>
+            <a:ext cx="6326943" cy="323134"/>
           </a:xfrm>
           <a:prstGeom prst="rect">
             <a:avLst/>
@@ -19283,7 +19283,27 @@
                   </a:schemeClr>
                 </a:solidFill>
               </a:rPr>
-              <a:t> property, method, </a:t>
+              <a:t> properties </a:t>
+            </a:r>
+            <a:r>
+              <a:rPr lang="en-US" sz="1200" i="1" dirty="0" err="1">
+                <a:solidFill>
+                  <a:schemeClr val="accent4">
+                    <a:lumMod val="10000"/>
+                  </a:schemeClr>
+                </a:solidFill>
+              </a:rPr>
+              <a:t>và</a:t>
+            </a:r>
+            <a:r>
+              <a:rPr lang="en-US" sz="1200" i="1" dirty="0">
+                <a:solidFill>
+                  <a:schemeClr val="accent4">
+                    <a:lumMod val="10000"/>
+                  </a:schemeClr>
+                </a:solidFill>
+              </a:rPr>
+              <a:t> methods, </a:t>
             </a:r>
             <a:r>
               <a:rPr lang="en-US" sz="1200" i="1" dirty="0" err="1">
@@ -26597,7 +26617,15 @@
             </a:r>
             <a:r>
               <a:rPr lang="en-US" sz="1500" dirty="0"/>
-              <a:t> dung, </a:t>
+              <a:t> </a:t>
+            </a:r>
+            <a:r>
+              <a:rPr lang="en-US" sz="1500" dirty="0" err="1"/>
+              <a:t>dùng</a:t>
+            </a:r>
+            <a:r>
+              <a:rPr lang="en-US" sz="1500" dirty="0"/>
+              <a:t>, </a:t>
             </a:r>
             <a:r>
               <a:rPr lang="en-US" sz="1500" dirty="0" err="1"/>

--- a/CrossTheRoad.pptx
+++ b/CrossTheRoad.pptx
@@ -27212,7 +27212,15 @@
             </a:r>
             <a:r>
               <a:rPr lang="en-US" sz="1500" dirty="0"/>
-              <a:t> dung.</a:t>
+              <a:t> </a:t>
+            </a:r>
+            <a:r>
+              <a:rPr lang="en-US" sz="1500" dirty="0" err="1"/>
+              <a:t>dùng</a:t>
+            </a:r>
+            <a:r>
+              <a:rPr lang="en-US" sz="1500" dirty="0"/>
+              <a:t>.</a:t>
             </a:r>
           </a:p>
           <a:p>

--- a/CrossTheRoad.pptx
+++ b/CrossTheRoad.pptx
@@ -29345,7 +29345,33 @@
                   <a:noFill/>
                 </a:uFill>
               </a:rPr>
-              <a:t> khan </a:t>
+              <a:t> </a:t>
+            </a:r>
+            <a:r>
+              <a:rPr lang="en-US" sz="1500" dirty="0" err="1">
+                <a:solidFill>
+                  <a:schemeClr val="accent4">
+                    <a:lumMod val="10000"/>
+                  </a:schemeClr>
+                </a:solidFill>
+                <a:uFill>
+                  <a:noFill/>
+                </a:uFill>
+              </a:rPr>
+              <a:t>khăn</a:t>
+            </a:r>
+            <a:r>
+              <a:rPr lang="en-US" sz="1500" dirty="0">
+                <a:solidFill>
+                  <a:schemeClr val="accent4">
+                    <a:lumMod val="10000"/>
+                  </a:schemeClr>
+                </a:solidFill>
+                <a:uFill>
+                  <a:noFill/>
+                </a:uFill>
+              </a:rPr>
+              <a:t> </a:t>
             </a:r>
             <a:r>
               <a:rPr lang="en-US" sz="1500" dirty="0" err="1">

--- a/CrossTheRoad.pptx
+++ b/CrossTheRoad.pptx
@@ -5,10 +5,10 @@
     <p:sldMasterId id="2147483673" r:id="rId1"/>
   </p:sldMasterIdLst>
   <p:notesMasterIdLst>
-    <p:notesMasterId r:id="rId22"/>
+    <p:notesMasterId r:id="rId21"/>
   </p:notesMasterIdLst>
   <p:handoutMasterIdLst>
-    <p:handoutMasterId r:id="rId23"/>
+    <p:handoutMasterId r:id="rId22"/>
   </p:handoutMasterIdLst>
   <p:sldIdLst>
     <p:sldId id="256" r:id="rId2"/>
@@ -29,23 +29,22 @@
     <p:sldId id="313" r:id="rId17"/>
     <p:sldId id="301" r:id="rId18"/>
     <p:sldId id="308" r:id="rId19"/>
-    <p:sldId id="266" r:id="rId20"/>
-    <p:sldId id="307" r:id="rId21"/>
+    <p:sldId id="307" r:id="rId20"/>
   </p:sldIdLst>
   <p:sldSz cx="9144000" cy="5143500" type="screen16x9"/>
   <p:notesSz cx="6858000" cy="9144000"/>
   <p:embeddedFontLst>
     <p:embeddedFont>
       <p:font typeface="Hind Siliguri" panose="02000000000000000000" pitchFamily="2" charset="0"/>
-      <p:regular r:id="rId24"/>
-      <p:bold r:id="rId25"/>
+      <p:regular r:id="rId23"/>
+      <p:bold r:id="rId24"/>
     </p:embeddedFont>
     <p:embeddedFont>
       <p:font typeface="Lato" panose="020F0502020204030203" pitchFamily="34" charset="0"/>
-      <p:regular r:id="rId26"/>
-      <p:bold r:id="rId27"/>
-      <p:italic r:id="rId28"/>
-      <p:boldItalic r:id="rId29"/>
+      <p:regular r:id="rId25"/>
+      <p:bold r:id="rId26"/>
+      <p:italic r:id="rId27"/>
+      <p:boldItalic r:id="rId28"/>
     </p:embeddedFont>
   </p:embeddedFontLst>
   <p:defaultTextStyle>
@@ -2007,7 +2006,7 @@
   <p:cSld>
     <p:spTree>
       <p:nvGrpSpPr>
-        <p:cNvPr id="1" name="Shape 586"/>
+        <p:cNvPr id="1" name="Shape 810"/>
         <p:cNvGrpSpPr/>
         <p:nvPr/>
       </p:nvGrpSpPr>
@@ -2021,7 +2020,7 @@
       </p:grpSpPr>
       <p:sp>
         <p:nvSpPr>
-          <p:cNvPr id="587" name="Google Shape;587;gaed0d09453_0_15921:notes"/>
+          <p:cNvPr id="811" name="Google Shape;811;gaed0d09453_0_554:notes"/>
           <p:cNvSpPr>
             <a:spLocks noGrp="1" noRot="1" noChangeAspect="1"/>
           </p:cNvSpPr>
@@ -2062,7 +2061,7 @@
       </p:sp>
       <p:sp>
         <p:nvSpPr>
-          <p:cNvPr id="588" name="Google Shape;588;gaed0d09453_0_15921:notes"/>
+          <p:cNvPr id="812" name="Google Shape;812;gaed0d09453_0_554:notes"/>
           <p:cNvSpPr txBox="1">
             <a:spLocks noGrp="1"/>
           </p:cNvSpPr>
@@ -2101,7 +2100,7 @@
     </p:spTree>
     <p:extLst>
       <p:ext uri="{BB962C8B-B14F-4D97-AF65-F5344CB8AC3E}">
-        <p14:creationId xmlns:p14="http://schemas.microsoft.com/office/powerpoint/2010/main" val="3276101997"/>
+        <p14:creationId xmlns:p14="http://schemas.microsoft.com/office/powerpoint/2010/main" val="4289913190"/>
       </p:ext>
     </p:extLst>
   </p:cSld>
@@ -2208,115 +2207,6 @@
         </p:txBody>
       </p:sp>
     </p:spTree>
-  </p:cSld>
-  <p:clrMapOvr>
-    <a:masterClrMapping/>
-  </p:clrMapOvr>
-</p:notes>
-</file>
-
-<file path=ppt/notesSlides/notesSlide20.xml><?xml version="1.0" encoding="utf-8"?>
-<p:notes xmlns:a="http://schemas.openxmlformats.org/drawingml/2006/main" xmlns:r="http://schemas.openxmlformats.org/officeDocument/2006/relationships" xmlns:p="http://schemas.openxmlformats.org/presentationml/2006/main" showMasterSp="0" showMasterPhAnim="0">
-  <p:cSld>
-    <p:spTree>
-      <p:nvGrpSpPr>
-        <p:cNvPr id="1" name="Shape 810"/>
-        <p:cNvGrpSpPr/>
-        <p:nvPr/>
-      </p:nvGrpSpPr>
-      <p:grpSpPr>
-        <a:xfrm>
-          <a:off x="0" y="0"/>
-          <a:ext cx="0" cy="0"/>
-          <a:chOff x="0" y="0"/>
-          <a:chExt cx="0" cy="0"/>
-        </a:xfrm>
-      </p:grpSpPr>
-      <p:sp>
-        <p:nvSpPr>
-          <p:cNvPr id="811" name="Google Shape;811;gaed0d09453_0_554:notes"/>
-          <p:cNvSpPr>
-            <a:spLocks noGrp="1" noRot="1" noChangeAspect="1"/>
-          </p:cNvSpPr>
-          <p:nvPr>
-            <p:ph type="sldImg" idx="2"/>
-          </p:nvPr>
-        </p:nvSpPr>
-        <p:spPr>
-          <a:xfrm>
-            <a:off x="381000" y="685800"/>
-            <a:ext cx="6096000" cy="3429000"/>
-          </a:xfrm>
-          <a:custGeom>
-            <a:avLst/>
-            <a:gdLst/>
-            <a:ahLst/>
-            <a:cxnLst/>
-            <a:rect l="l" t="t" r="r" b="b"/>
-            <a:pathLst>
-              <a:path w="120000" h="120000" extrusionOk="0">
-                <a:moveTo>
-                  <a:pt x="0" y="0"/>
-                </a:moveTo>
-                <a:lnTo>
-                  <a:pt x="120000" y="0"/>
-                </a:lnTo>
-                <a:lnTo>
-                  <a:pt x="120000" y="120000"/>
-                </a:lnTo>
-                <a:lnTo>
-                  <a:pt x="0" y="120000"/>
-                </a:lnTo>
-                <a:close/>
-              </a:path>
-            </a:pathLst>
-          </a:custGeom>
-        </p:spPr>
-      </p:sp>
-      <p:sp>
-        <p:nvSpPr>
-          <p:cNvPr id="812" name="Google Shape;812;gaed0d09453_0_554:notes"/>
-          <p:cNvSpPr txBox="1">
-            <a:spLocks noGrp="1"/>
-          </p:cNvSpPr>
-          <p:nvPr>
-            <p:ph type="body" idx="1"/>
-          </p:nvPr>
-        </p:nvSpPr>
-        <p:spPr>
-          <a:xfrm>
-            <a:off x="685800" y="4343400"/>
-            <a:ext cx="5486400" cy="4114800"/>
-          </a:xfrm>
-          <a:prstGeom prst="rect">
-            <a:avLst/>
-          </a:prstGeom>
-        </p:spPr>
-        <p:txBody>
-          <a:bodyPr spcFirstLastPara="1" wrap="square" lIns="91425" tIns="91425" rIns="91425" bIns="91425" anchor="t" anchorCtr="0">
-            <a:noAutofit/>
-          </a:bodyPr>
-          <a:lstStyle/>
-          <a:p>
-            <a:pPr marL="0" lvl="0" indent="0" algn="l" rtl="0">
-              <a:spcBef>
-                <a:spcPts val="0"/>
-              </a:spcBef>
-              <a:spcAft>
-                <a:spcPts val="0"/>
-              </a:spcAft>
-              <a:buNone/>
-            </a:pPr>
-            <a:endParaRPr/>
-          </a:p>
-        </p:txBody>
-      </p:sp>
-    </p:spTree>
-    <p:extLst>
-      <p:ext uri="{BB962C8B-B14F-4D97-AF65-F5344CB8AC3E}">
-        <p14:creationId xmlns:p14="http://schemas.microsoft.com/office/powerpoint/2010/main" val="4289913190"/>
-      </p:ext>
-    </p:extLst>
   </p:cSld>
   <p:clrMapOvr>
     <a:masterClrMapping/>
@@ -7622,1854 +7512,6 @@
 </p:sldLayout>
 </file>
 
-<file path=ppt/slideLayouts/slideLayout14.xml><?xml version="1.0" encoding="utf-8"?>
-<p:sldLayout xmlns:a="http://schemas.openxmlformats.org/drawingml/2006/main" xmlns:r="http://schemas.openxmlformats.org/officeDocument/2006/relationships" xmlns:p="http://schemas.openxmlformats.org/presentationml/2006/main" matchingName="Main point">
-  <p:cSld name="Main point">
-    <p:spTree>
-      <p:nvGrpSpPr>
-        <p:cNvPr id="1" name="Shape 68"/>
-        <p:cNvGrpSpPr/>
-        <p:nvPr/>
-      </p:nvGrpSpPr>
-      <p:grpSpPr>
-        <a:xfrm>
-          <a:off x="0" y="0"/>
-          <a:ext cx="0" cy="0"/>
-          <a:chOff x="0" y="0"/>
-          <a:chExt cx="0" cy="0"/>
-        </a:xfrm>
-      </p:grpSpPr>
-      <p:pic>
-        <p:nvPicPr>
-          <p:cNvPr id="69" name="Google Shape;69;p8"/>
-          <p:cNvPicPr preferRelativeResize="0"/>
-          <p:nvPr/>
-        </p:nvPicPr>
-        <p:blipFill>
-          <a:blip r:embed="rId2">
-            <a:alphaModFix/>
-          </a:blip>
-          <a:stretch>
-            <a:fillRect/>
-          </a:stretch>
-        </p:blipFill>
-        <p:spPr>
-          <a:xfrm>
-            <a:off x="0" y="502"/>
-            <a:ext cx="9143998" cy="5142494"/>
-          </a:xfrm>
-          <a:prstGeom prst="rect">
-            <a:avLst/>
-          </a:prstGeom>
-          <a:noFill/>
-          <a:ln>
-            <a:noFill/>
-          </a:ln>
-        </p:spPr>
-      </p:pic>
-      <p:sp>
-        <p:nvSpPr>
-          <p:cNvPr id="70" name="Google Shape;70;p8"/>
-          <p:cNvSpPr txBox="1">
-            <a:spLocks noGrp="1"/>
-          </p:cNvSpPr>
-          <p:nvPr>
-            <p:ph type="title"/>
-          </p:nvPr>
-        </p:nvSpPr>
-        <p:spPr>
-          <a:xfrm>
-            <a:off x="1385850" y="1440125"/>
-            <a:ext cx="6372300" cy="2263200"/>
-          </a:xfrm>
-          <a:prstGeom prst="rect">
-            <a:avLst/>
-          </a:prstGeom>
-          <a:solidFill>
-            <a:schemeClr val="dk1"/>
-          </a:solidFill>
-        </p:spPr>
-        <p:txBody>
-          <a:bodyPr spcFirstLastPara="1" wrap="square" lIns="91425" tIns="91425" rIns="91425" bIns="91425" anchor="ctr" anchorCtr="0">
-            <a:noAutofit/>
-          </a:bodyPr>
-          <a:lstStyle>
-            <a:lvl1pPr lvl="0" algn="ctr">
-              <a:spcBef>
-                <a:spcPts val="0"/>
-              </a:spcBef>
-              <a:spcAft>
-                <a:spcPts val="0"/>
-              </a:spcAft>
-              <a:buClr>
-                <a:schemeClr val="dk2"/>
-              </a:buClr>
-              <a:buSzPts val="4800"/>
-              <a:buNone/>
-              <a:defRPr sz="7200">
-                <a:solidFill>
-                  <a:schemeClr val="dk2"/>
-                </a:solidFill>
-              </a:defRPr>
-            </a:lvl1pPr>
-            <a:lvl2pPr lvl="1">
-              <a:spcBef>
-                <a:spcPts val="0"/>
-              </a:spcBef>
-              <a:spcAft>
-                <a:spcPts val="0"/>
-              </a:spcAft>
-              <a:buClr>
-                <a:schemeClr val="dk2"/>
-              </a:buClr>
-              <a:buSzPts val="4800"/>
-              <a:buNone/>
-              <a:defRPr sz="4800">
-                <a:solidFill>
-                  <a:schemeClr val="dk2"/>
-                </a:solidFill>
-              </a:defRPr>
-            </a:lvl2pPr>
-            <a:lvl3pPr lvl="2">
-              <a:spcBef>
-                <a:spcPts val="0"/>
-              </a:spcBef>
-              <a:spcAft>
-                <a:spcPts val="0"/>
-              </a:spcAft>
-              <a:buClr>
-                <a:schemeClr val="dk2"/>
-              </a:buClr>
-              <a:buSzPts val="4800"/>
-              <a:buNone/>
-              <a:defRPr sz="4800">
-                <a:solidFill>
-                  <a:schemeClr val="dk2"/>
-                </a:solidFill>
-              </a:defRPr>
-            </a:lvl3pPr>
-            <a:lvl4pPr lvl="3">
-              <a:spcBef>
-                <a:spcPts val="0"/>
-              </a:spcBef>
-              <a:spcAft>
-                <a:spcPts val="0"/>
-              </a:spcAft>
-              <a:buClr>
-                <a:schemeClr val="dk2"/>
-              </a:buClr>
-              <a:buSzPts val="4800"/>
-              <a:buNone/>
-              <a:defRPr sz="4800">
-                <a:solidFill>
-                  <a:schemeClr val="dk2"/>
-                </a:solidFill>
-              </a:defRPr>
-            </a:lvl4pPr>
-            <a:lvl5pPr lvl="4">
-              <a:spcBef>
-                <a:spcPts val="0"/>
-              </a:spcBef>
-              <a:spcAft>
-                <a:spcPts val="0"/>
-              </a:spcAft>
-              <a:buClr>
-                <a:schemeClr val="dk2"/>
-              </a:buClr>
-              <a:buSzPts val="4800"/>
-              <a:buNone/>
-              <a:defRPr sz="4800">
-                <a:solidFill>
-                  <a:schemeClr val="dk2"/>
-                </a:solidFill>
-              </a:defRPr>
-            </a:lvl5pPr>
-            <a:lvl6pPr lvl="5">
-              <a:spcBef>
-                <a:spcPts val="0"/>
-              </a:spcBef>
-              <a:spcAft>
-                <a:spcPts val="0"/>
-              </a:spcAft>
-              <a:buClr>
-                <a:schemeClr val="dk2"/>
-              </a:buClr>
-              <a:buSzPts val="4800"/>
-              <a:buNone/>
-              <a:defRPr sz="4800">
-                <a:solidFill>
-                  <a:schemeClr val="dk2"/>
-                </a:solidFill>
-              </a:defRPr>
-            </a:lvl6pPr>
-            <a:lvl7pPr lvl="6">
-              <a:spcBef>
-                <a:spcPts val="0"/>
-              </a:spcBef>
-              <a:spcAft>
-                <a:spcPts val="0"/>
-              </a:spcAft>
-              <a:buClr>
-                <a:schemeClr val="dk2"/>
-              </a:buClr>
-              <a:buSzPts val="4800"/>
-              <a:buNone/>
-              <a:defRPr sz="4800">
-                <a:solidFill>
-                  <a:schemeClr val="dk2"/>
-                </a:solidFill>
-              </a:defRPr>
-            </a:lvl7pPr>
-            <a:lvl8pPr lvl="7">
-              <a:spcBef>
-                <a:spcPts val="0"/>
-              </a:spcBef>
-              <a:spcAft>
-                <a:spcPts val="0"/>
-              </a:spcAft>
-              <a:buClr>
-                <a:schemeClr val="dk2"/>
-              </a:buClr>
-              <a:buSzPts val="4800"/>
-              <a:buNone/>
-              <a:defRPr sz="4800">
-                <a:solidFill>
-                  <a:schemeClr val="dk2"/>
-                </a:solidFill>
-              </a:defRPr>
-            </a:lvl8pPr>
-            <a:lvl9pPr lvl="8">
-              <a:spcBef>
-                <a:spcPts val="0"/>
-              </a:spcBef>
-              <a:spcAft>
-                <a:spcPts val="0"/>
-              </a:spcAft>
-              <a:buClr>
-                <a:schemeClr val="dk2"/>
-              </a:buClr>
-              <a:buSzPts val="4800"/>
-              <a:buNone/>
-              <a:defRPr sz="4800">
-                <a:solidFill>
-                  <a:schemeClr val="dk2"/>
-                </a:solidFill>
-              </a:defRPr>
-            </a:lvl9pPr>
-          </a:lstStyle>
-          <a:p>
-            <a:endParaRPr/>
-          </a:p>
-        </p:txBody>
-      </p:sp>
-      <p:grpSp>
-        <p:nvGrpSpPr>
-          <p:cNvPr id="71" name="Google Shape;71;p8"/>
-          <p:cNvGrpSpPr/>
-          <p:nvPr/>
-        </p:nvGrpSpPr>
-        <p:grpSpPr>
-          <a:xfrm rot="1568536">
-            <a:off x="7789930" y="4080067"/>
-            <a:ext cx="925447" cy="598598"/>
-            <a:chOff x="3765675" y="2533375"/>
-            <a:chExt cx="925450" cy="598600"/>
-          </a:xfrm>
-        </p:grpSpPr>
-        <p:sp>
-          <p:nvSpPr>
-            <p:cNvPr id="72" name="Google Shape;72;p8"/>
-            <p:cNvSpPr/>
-            <p:nvPr/>
-          </p:nvSpPr>
-          <p:spPr>
-            <a:xfrm>
-              <a:off x="4085050" y="2533375"/>
-              <a:ext cx="284350" cy="284350"/>
-            </a:xfrm>
-            <a:custGeom>
-              <a:avLst/>
-              <a:gdLst/>
-              <a:ahLst/>
-              <a:cxnLst/>
-              <a:rect l="l" t="t" r="r" b="b"/>
-              <a:pathLst>
-                <a:path w="11374" h="11374" extrusionOk="0">
-                  <a:moveTo>
-                    <a:pt x="9404" y="1970"/>
-                  </a:moveTo>
-                  <a:lnTo>
-                    <a:pt x="9404" y="9405"/>
-                  </a:lnTo>
-                  <a:lnTo>
-                    <a:pt x="1969" y="9405"/>
-                  </a:lnTo>
-                  <a:lnTo>
-                    <a:pt x="1969" y="1970"/>
-                  </a:lnTo>
-                  <a:close/>
-                  <a:moveTo>
-                    <a:pt x="1497" y="1"/>
-                  </a:moveTo>
-                  <a:cubicBezTo>
-                    <a:pt x="678" y="1"/>
-                    <a:pt x="1" y="678"/>
-                    <a:pt x="1" y="1497"/>
-                  </a:cubicBezTo>
-                  <a:lnTo>
-                    <a:pt x="1" y="9877"/>
-                  </a:lnTo>
-                  <a:cubicBezTo>
-                    <a:pt x="1" y="10712"/>
-                    <a:pt x="678" y="11374"/>
-                    <a:pt x="1497" y="11374"/>
-                  </a:cubicBezTo>
-                  <a:lnTo>
-                    <a:pt x="9877" y="11374"/>
-                  </a:lnTo>
-                  <a:cubicBezTo>
-                    <a:pt x="10696" y="11374"/>
-                    <a:pt x="11373" y="10712"/>
-                    <a:pt x="11373" y="9877"/>
-                  </a:cubicBezTo>
-                  <a:lnTo>
-                    <a:pt x="11373" y="1497"/>
-                  </a:lnTo>
-                  <a:cubicBezTo>
-                    <a:pt x="11373" y="678"/>
-                    <a:pt x="10696" y="1"/>
-                    <a:pt x="9877" y="1"/>
-                  </a:cubicBezTo>
-                  <a:close/>
-                </a:path>
-              </a:pathLst>
-            </a:custGeom>
-            <a:solidFill>
-              <a:schemeClr val="dk1"/>
-            </a:solidFill>
-            <a:ln>
-              <a:noFill/>
-            </a:ln>
-          </p:spPr>
-          <p:txBody>
-            <a:bodyPr spcFirstLastPara="1" wrap="square" lIns="91425" tIns="91425" rIns="91425" bIns="91425" anchor="ctr" anchorCtr="0">
-              <a:noAutofit/>
-            </a:bodyPr>
-            <a:lstStyle/>
-            <a:p>
-              <a:pPr marL="0" lvl="0" indent="0" algn="l" rtl="0">
-                <a:spcBef>
-                  <a:spcPts val="0"/>
-                </a:spcBef>
-                <a:spcAft>
-                  <a:spcPts val="0"/>
-                </a:spcAft>
-                <a:buNone/>
-              </a:pPr>
-              <a:endParaRPr/>
-            </a:p>
-          </p:txBody>
-        </p:sp>
-        <p:sp>
-          <p:nvSpPr>
-            <p:cNvPr id="73" name="Google Shape;73;p8"/>
-            <p:cNvSpPr/>
-            <p:nvPr/>
-          </p:nvSpPr>
-          <p:spPr>
-            <a:xfrm>
-              <a:off x="4085050" y="2847625"/>
-              <a:ext cx="284350" cy="284350"/>
-            </a:xfrm>
-            <a:custGeom>
-              <a:avLst/>
-              <a:gdLst/>
-              <a:ahLst/>
-              <a:cxnLst/>
-              <a:rect l="l" t="t" r="r" b="b"/>
-              <a:pathLst>
-                <a:path w="11374" h="11374" extrusionOk="0">
-                  <a:moveTo>
-                    <a:pt x="9404" y="1985"/>
-                  </a:moveTo>
-                  <a:lnTo>
-                    <a:pt x="9404" y="9404"/>
-                  </a:lnTo>
-                  <a:lnTo>
-                    <a:pt x="1969" y="9404"/>
-                  </a:lnTo>
-                  <a:lnTo>
-                    <a:pt x="1969" y="1985"/>
-                  </a:lnTo>
-                  <a:close/>
-                  <a:moveTo>
-                    <a:pt x="1497" y="1"/>
-                  </a:moveTo>
-                  <a:cubicBezTo>
-                    <a:pt x="678" y="1"/>
-                    <a:pt x="1" y="678"/>
-                    <a:pt x="1" y="1497"/>
-                  </a:cubicBezTo>
-                  <a:lnTo>
-                    <a:pt x="1" y="9877"/>
-                  </a:lnTo>
-                  <a:cubicBezTo>
-                    <a:pt x="1" y="10712"/>
-                    <a:pt x="678" y="11373"/>
-                    <a:pt x="1497" y="11373"/>
-                  </a:cubicBezTo>
-                  <a:lnTo>
-                    <a:pt x="9877" y="11373"/>
-                  </a:lnTo>
-                  <a:cubicBezTo>
-                    <a:pt x="10696" y="11373"/>
-                    <a:pt x="11373" y="10712"/>
-                    <a:pt x="11373" y="9893"/>
-                  </a:cubicBezTo>
-                  <a:lnTo>
-                    <a:pt x="11373" y="1513"/>
-                  </a:lnTo>
-                  <a:cubicBezTo>
-                    <a:pt x="11373" y="678"/>
-                    <a:pt x="10696" y="16"/>
-                    <a:pt x="9877" y="16"/>
-                  </a:cubicBezTo>
-                  <a:lnTo>
-                    <a:pt x="1497" y="16"/>
-                  </a:lnTo>
-                  <a:lnTo>
-                    <a:pt x="1497" y="1"/>
-                  </a:lnTo>
-                  <a:close/>
-                </a:path>
-              </a:pathLst>
-            </a:custGeom>
-            <a:solidFill>
-              <a:schemeClr val="dk1"/>
-            </a:solidFill>
-            <a:ln>
-              <a:noFill/>
-            </a:ln>
-          </p:spPr>
-          <p:txBody>
-            <a:bodyPr spcFirstLastPara="1" wrap="square" lIns="91425" tIns="91425" rIns="91425" bIns="91425" anchor="ctr" anchorCtr="0">
-              <a:noAutofit/>
-            </a:bodyPr>
-            <a:lstStyle/>
-            <a:p>
-              <a:pPr marL="0" lvl="0" indent="0" algn="l" rtl="0">
-                <a:spcBef>
-                  <a:spcPts val="0"/>
-                </a:spcBef>
-                <a:spcAft>
-                  <a:spcPts val="0"/>
-                </a:spcAft>
-                <a:buNone/>
-              </a:pPr>
-              <a:endParaRPr/>
-            </a:p>
-          </p:txBody>
-        </p:sp>
-        <p:sp>
-          <p:nvSpPr>
-            <p:cNvPr id="74" name="Google Shape;74;p8"/>
-            <p:cNvSpPr/>
-            <p:nvPr/>
-          </p:nvSpPr>
-          <p:spPr>
-            <a:xfrm>
-              <a:off x="4406775" y="2847625"/>
-              <a:ext cx="284350" cy="284350"/>
-            </a:xfrm>
-            <a:custGeom>
-              <a:avLst/>
-              <a:gdLst/>
-              <a:ahLst/>
-              <a:cxnLst/>
-              <a:rect l="l" t="t" r="r" b="b"/>
-              <a:pathLst>
-                <a:path w="11374" h="11374" extrusionOk="0">
-                  <a:moveTo>
-                    <a:pt x="9404" y="1985"/>
-                  </a:moveTo>
-                  <a:lnTo>
-                    <a:pt x="9404" y="9404"/>
-                  </a:lnTo>
-                  <a:lnTo>
-                    <a:pt x="1970" y="9404"/>
-                  </a:lnTo>
-                  <a:lnTo>
-                    <a:pt x="1970" y="1985"/>
-                  </a:lnTo>
-                  <a:close/>
-                  <a:moveTo>
-                    <a:pt x="1497" y="1"/>
-                  </a:moveTo>
-                  <a:cubicBezTo>
-                    <a:pt x="662" y="1"/>
-                    <a:pt x="1" y="678"/>
-                    <a:pt x="1" y="1497"/>
-                  </a:cubicBezTo>
-                  <a:lnTo>
-                    <a:pt x="1" y="9877"/>
-                  </a:lnTo>
-                  <a:cubicBezTo>
-                    <a:pt x="1" y="10712"/>
-                    <a:pt x="662" y="11373"/>
-                    <a:pt x="1497" y="11373"/>
-                  </a:cubicBezTo>
-                  <a:lnTo>
-                    <a:pt x="9877" y="11373"/>
-                  </a:lnTo>
-                  <a:cubicBezTo>
-                    <a:pt x="10696" y="11373"/>
-                    <a:pt x="11373" y="10712"/>
-                    <a:pt x="11373" y="9893"/>
-                  </a:cubicBezTo>
-                  <a:lnTo>
-                    <a:pt x="11373" y="1513"/>
-                  </a:lnTo>
-                  <a:cubicBezTo>
-                    <a:pt x="11373" y="688"/>
-                    <a:pt x="10711" y="16"/>
-                    <a:pt x="9905" y="16"/>
-                  </a:cubicBezTo>
-                  <a:cubicBezTo>
-                    <a:pt x="9896" y="16"/>
-                    <a:pt x="9886" y="16"/>
-                    <a:pt x="9877" y="16"/>
-                  </a:cubicBezTo>
-                  <a:lnTo>
-                    <a:pt x="1497" y="16"/>
-                  </a:lnTo>
-                  <a:lnTo>
-                    <a:pt x="1497" y="1"/>
-                  </a:lnTo>
-                  <a:close/>
-                </a:path>
-              </a:pathLst>
-            </a:custGeom>
-            <a:solidFill>
-              <a:schemeClr val="dk1"/>
-            </a:solidFill>
-            <a:ln>
-              <a:noFill/>
-            </a:ln>
-          </p:spPr>
-          <p:txBody>
-            <a:bodyPr spcFirstLastPara="1" wrap="square" lIns="91425" tIns="91425" rIns="91425" bIns="91425" anchor="ctr" anchorCtr="0">
-              <a:noAutofit/>
-            </a:bodyPr>
-            <a:lstStyle/>
-            <a:p>
-              <a:pPr marL="0" lvl="0" indent="0" algn="l" rtl="0">
-                <a:spcBef>
-                  <a:spcPts val="0"/>
-                </a:spcBef>
-                <a:spcAft>
-                  <a:spcPts val="0"/>
-                </a:spcAft>
-                <a:buNone/>
-              </a:pPr>
-              <a:endParaRPr/>
-            </a:p>
-          </p:txBody>
-        </p:sp>
-        <p:sp>
-          <p:nvSpPr>
-            <p:cNvPr id="75" name="Google Shape;75;p8"/>
-            <p:cNvSpPr/>
-            <p:nvPr/>
-          </p:nvSpPr>
-          <p:spPr>
-            <a:xfrm>
-              <a:off x="3765675" y="2847625"/>
-              <a:ext cx="284350" cy="284350"/>
-            </a:xfrm>
-            <a:custGeom>
-              <a:avLst/>
-              <a:gdLst/>
-              <a:ahLst/>
-              <a:cxnLst/>
-              <a:rect l="l" t="t" r="r" b="b"/>
-              <a:pathLst>
-                <a:path w="11374" h="11374" extrusionOk="0">
-                  <a:moveTo>
-                    <a:pt x="9405" y="1985"/>
-                  </a:moveTo>
-                  <a:lnTo>
-                    <a:pt x="9405" y="9404"/>
-                  </a:lnTo>
-                  <a:lnTo>
-                    <a:pt x="1970" y="9404"/>
-                  </a:lnTo>
-                  <a:lnTo>
-                    <a:pt x="1970" y="1985"/>
-                  </a:lnTo>
-                  <a:close/>
-                  <a:moveTo>
-                    <a:pt x="1497" y="1"/>
-                  </a:moveTo>
-                  <a:cubicBezTo>
-                    <a:pt x="663" y="1"/>
-                    <a:pt x="1" y="678"/>
-                    <a:pt x="1" y="1497"/>
-                  </a:cubicBezTo>
-                  <a:lnTo>
-                    <a:pt x="1" y="9877"/>
-                  </a:lnTo>
-                  <a:cubicBezTo>
-                    <a:pt x="1" y="10712"/>
-                    <a:pt x="663" y="11373"/>
-                    <a:pt x="1497" y="11373"/>
-                  </a:cubicBezTo>
-                  <a:lnTo>
-                    <a:pt x="9877" y="11373"/>
-                  </a:lnTo>
-                  <a:cubicBezTo>
-                    <a:pt x="10696" y="11373"/>
-                    <a:pt x="11358" y="10712"/>
-                    <a:pt x="11374" y="9893"/>
-                  </a:cubicBezTo>
-                  <a:lnTo>
-                    <a:pt x="11374" y="1513"/>
-                  </a:lnTo>
-                  <a:cubicBezTo>
-                    <a:pt x="11374" y="678"/>
-                    <a:pt x="10696" y="16"/>
-                    <a:pt x="9877" y="16"/>
-                  </a:cubicBezTo>
-                  <a:lnTo>
-                    <a:pt x="1497" y="16"/>
-                  </a:lnTo>
-                  <a:lnTo>
-                    <a:pt x="1497" y="1"/>
-                  </a:lnTo>
-                  <a:close/>
-                </a:path>
-              </a:pathLst>
-            </a:custGeom>
-            <a:solidFill>
-              <a:schemeClr val="dk1"/>
-            </a:solidFill>
-            <a:ln>
-              <a:noFill/>
-            </a:ln>
-          </p:spPr>
-          <p:txBody>
-            <a:bodyPr spcFirstLastPara="1" wrap="square" lIns="91425" tIns="91425" rIns="91425" bIns="91425" anchor="ctr" anchorCtr="0">
-              <a:noAutofit/>
-            </a:bodyPr>
-            <a:lstStyle/>
-            <a:p>
-              <a:pPr marL="0" lvl="0" indent="0" algn="l" rtl="0">
-                <a:spcBef>
-                  <a:spcPts val="0"/>
-                </a:spcBef>
-                <a:spcAft>
-                  <a:spcPts val="0"/>
-                </a:spcAft>
-                <a:buNone/>
-              </a:pPr>
-              <a:endParaRPr/>
-            </a:p>
-          </p:txBody>
-        </p:sp>
-      </p:grpSp>
-      <p:grpSp>
-        <p:nvGrpSpPr>
-          <p:cNvPr id="76" name="Google Shape;76;p8"/>
-          <p:cNvGrpSpPr/>
-          <p:nvPr/>
-        </p:nvGrpSpPr>
-        <p:grpSpPr>
-          <a:xfrm rot="-1323342">
-            <a:off x="5037010" y="358398"/>
-            <a:ext cx="925806" cy="598563"/>
-            <a:chOff x="3586125" y="4525175"/>
-            <a:chExt cx="925825" cy="598575"/>
-          </a:xfrm>
-        </p:grpSpPr>
-        <p:sp>
-          <p:nvSpPr>
-            <p:cNvPr id="77" name="Google Shape;77;p8"/>
-            <p:cNvSpPr/>
-            <p:nvPr/>
-          </p:nvSpPr>
-          <p:spPr>
-            <a:xfrm>
-              <a:off x="3905875" y="4525175"/>
-              <a:ext cx="284350" cy="284350"/>
-            </a:xfrm>
-            <a:custGeom>
-              <a:avLst/>
-              <a:gdLst/>
-              <a:ahLst/>
-              <a:cxnLst/>
-              <a:rect l="l" t="t" r="r" b="b"/>
-              <a:pathLst>
-                <a:path w="11374" h="11374" extrusionOk="0">
-                  <a:moveTo>
-                    <a:pt x="9404" y="1969"/>
-                  </a:moveTo>
-                  <a:lnTo>
-                    <a:pt x="9404" y="9404"/>
-                  </a:lnTo>
-                  <a:lnTo>
-                    <a:pt x="1969" y="9404"/>
-                  </a:lnTo>
-                  <a:lnTo>
-                    <a:pt x="1969" y="1969"/>
-                  </a:lnTo>
-                  <a:close/>
-                  <a:moveTo>
-                    <a:pt x="1497" y="1"/>
-                  </a:moveTo>
-                  <a:cubicBezTo>
-                    <a:pt x="678" y="1"/>
-                    <a:pt x="1" y="678"/>
-                    <a:pt x="1" y="1497"/>
-                  </a:cubicBezTo>
-                  <a:lnTo>
-                    <a:pt x="1" y="9877"/>
-                  </a:lnTo>
-                  <a:cubicBezTo>
-                    <a:pt x="1" y="10696"/>
-                    <a:pt x="678" y="11373"/>
-                    <a:pt x="1497" y="11373"/>
-                  </a:cubicBezTo>
-                  <a:lnTo>
-                    <a:pt x="9877" y="11373"/>
-                  </a:lnTo>
-                  <a:cubicBezTo>
-                    <a:pt x="10696" y="11373"/>
-                    <a:pt x="11373" y="10712"/>
-                    <a:pt x="11373" y="9877"/>
-                  </a:cubicBezTo>
-                  <a:lnTo>
-                    <a:pt x="11373" y="1497"/>
-                  </a:lnTo>
-                  <a:cubicBezTo>
-                    <a:pt x="11373" y="678"/>
-                    <a:pt x="10712" y="1"/>
-                    <a:pt x="9877" y="1"/>
-                  </a:cubicBezTo>
-                  <a:close/>
-                </a:path>
-              </a:pathLst>
-            </a:custGeom>
-            <a:solidFill>
-              <a:schemeClr val="dk1"/>
-            </a:solidFill>
-            <a:ln>
-              <a:noFill/>
-            </a:ln>
-          </p:spPr>
-          <p:txBody>
-            <a:bodyPr spcFirstLastPara="1" wrap="square" lIns="91425" tIns="91425" rIns="91425" bIns="91425" anchor="ctr" anchorCtr="0">
-              <a:noAutofit/>
-            </a:bodyPr>
-            <a:lstStyle/>
-            <a:p>
-              <a:pPr marL="0" lvl="0" indent="0" algn="l" rtl="0">
-                <a:spcBef>
-                  <a:spcPts val="0"/>
-                </a:spcBef>
-                <a:spcAft>
-                  <a:spcPts val="0"/>
-                </a:spcAft>
-                <a:buNone/>
-              </a:pPr>
-              <a:endParaRPr/>
-            </a:p>
-          </p:txBody>
-        </p:sp>
-        <p:sp>
-          <p:nvSpPr>
-            <p:cNvPr id="78" name="Google Shape;78;p8"/>
-            <p:cNvSpPr/>
-            <p:nvPr/>
-          </p:nvSpPr>
-          <p:spPr>
-            <a:xfrm>
-              <a:off x="3905875" y="4839425"/>
-              <a:ext cx="284350" cy="284325"/>
-            </a:xfrm>
-            <a:custGeom>
-              <a:avLst/>
-              <a:gdLst/>
-              <a:ahLst/>
-              <a:cxnLst/>
-              <a:rect l="l" t="t" r="r" b="b"/>
-              <a:pathLst>
-                <a:path w="11374" h="11373" extrusionOk="0">
-                  <a:moveTo>
-                    <a:pt x="9404" y="1969"/>
-                  </a:moveTo>
-                  <a:lnTo>
-                    <a:pt x="9404" y="9404"/>
-                  </a:lnTo>
-                  <a:lnTo>
-                    <a:pt x="1969" y="9404"/>
-                  </a:lnTo>
-                  <a:lnTo>
-                    <a:pt x="1969" y="1969"/>
-                  </a:lnTo>
-                  <a:close/>
-                  <a:moveTo>
-                    <a:pt x="1497" y="0"/>
-                  </a:moveTo>
-                  <a:cubicBezTo>
-                    <a:pt x="678" y="0"/>
-                    <a:pt x="1" y="678"/>
-                    <a:pt x="1" y="1497"/>
-                  </a:cubicBezTo>
-                  <a:lnTo>
-                    <a:pt x="1" y="9877"/>
-                  </a:lnTo>
-                  <a:cubicBezTo>
-                    <a:pt x="1" y="10696"/>
-                    <a:pt x="678" y="11373"/>
-                    <a:pt x="1497" y="11373"/>
-                  </a:cubicBezTo>
-                  <a:lnTo>
-                    <a:pt x="9877" y="11373"/>
-                  </a:lnTo>
-                  <a:cubicBezTo>
-                    <a:pt x="10696" y="11373"/>
-                    <a:pt x="11373" y="10696"/>
-                    <a:pt x="11373" y="9877"/>
-                  </a:cubicBezTo>
-                  <a:lnTo>
-                    <a:pt x="11373" y="1497"/>
-                  </a:lnTo>
-                  <a:cubicBezTo>
-                    <a:pt x="11373" y="678"/>
-                    <a:pt x="10712" y="0"/>
-                    <a:pt x="9877" y="0"/>
-                  </a:cubicBezTo>
-                  <a:close/>
-                </a:path>
-              </a:pathLst>
-            </a:custGeom>
-            <a:solidFill>
-              <a:schemeClr val="dk1"/>
-            </a:solidFill>
-            <a:ln>
-              <a:noFill/>
-            </a:ln>
-          </p:spPr>
-          <p:txBody>
-            <a:bodyPr spcFirstLastPara="1" wrap="square" lIns="91425" tIns="91425" rIns="91425" bIns="91425" anchor="ctr" anchorCtr="0">
-              <a:noAutofit/>
-            </a:bodyPr>
-            <a:lstStyle/>
-            <a:p>
-              <a:pPr marL="0" lvl="0" indent="0" algn="l" rtl="0">
-                <a:spcBef>
-                  <a:spcPts val="0"/>
-                </a:spcBef>
-                <a:spcAft>
-                  <a:spcPts val="0"/>
-                </a:spcAft>
-                <a:buNone/>
-              </a:pPr>
-              <a:endParaRPr/>
-            </a:p>
-          </p:txBody>
-        </p:sp>
-        <p:sp>
-          <p:nvSpPr>
-            <p:cNvPr id="79" name="Google Shape;79;p8"/>
-            <p:cNvSpPr/>
-            <p:nvPr/>
-          </p:nvSpPr>
-          <p:spPr>
-            <a:xfrm>
-              <a:off x="4227600" y="4839425"/>
-              <a:ext cx="284350" cy="284325"/>
-            </a:xfrm>
-            <a:custGeom>
-              <a:avLst/>
-              <a:gdLst/>
-              <a:ahLst/>
-              <a:cxnLst/>
-              <a:rect l="l" t="t" r="r" b="b"/>
-              <a:pathLst>
-                <a:path w="11374" h="11373" extrusionOk="0">
-                  <a:moveTo>
-                    <a:pt x="9404" y="1969"/>
-                  </a:moveTo>
-                  <a:lnTo>
-                    <a:pt x="9404" y="9404"/>
-                  </a:lnTo>
-                  <a:lnTo>
-                    <a:pt x="1970" y="9404"/>
-                  </a:lnTo>
-                  <a:lnTo>
-                    <a:pt x="1970" y="1969"/>
-                  </a:lnTo>
-                  <a:close/>
-                  <a:moveTo>
-                    <a:pt x="1497" y="0"/>
-                  </a:moveTo>
-                  <a:cubicBezTo>
-                    <a:pt x="662" y="0"/>
-                    <a:pt x="1" y="678"/>
-                    <a:pt x="1" y="1497"/>
-                  </a:cubicBezTo>
-                  <a:lnTo>
-                    <a:pt x="1" y="9877"/>
-                  </a:lnTo>
-                  <a:cubicBezTo>
-                    <a:pt x="1" y="10696"/>
-                    <a:pt x="662" y="11373"/>
-                    <a:pt x="1497" y="11373"/>
-                  </a:cubicBezTo>
-                  <a:lnTo>
-                    <a:pt x="9877" y="11373"/>
-                  </a:lnTo>
-                  <a:cubicBezTo>
-                    <a:pt x="10696" y="11373"/>
-                    <a:pt x="11358" y="10696"/>
-                    <a:pt x="11373" y="9877"/>
-                  </a:cubicBezTo>
-                  <a:lnTo>
-                    <a:pt x="11373" y="1497"/>
-                  </a:lnTo>
-                  <a:cubicBezTo>
-                    <a:pt x="11373" y="678"/>
-                    <a:pt x="10696" y="0"/>
-                    <a:pt x="9877" y="0"/>
-                  </a:cubicBezTo>
-                  <a:close/>
-                </a:path>
-              </a:pathLst>
-            </a:custGeom>
-            <a:solidFill>
-              <a:schemeClr val="dk1"/>
-            </a:solidFill>
-            <a:ln>
-              <a:noFill/>
-            </a:ln>
-          </p:spPr>
-          <p:txBody>
-            <a:bodyPr spcFirstLastPara="1" wrap="square" lIns="91425" tIns="91425" rIns="91425" bIns="91425" anchor="ctr" anchorCtr="0">
-              <a:noAutofit/>
-            </a:bodyPr>
-            <a:lstStyle/>
-            <a:p>
-              <a:pPr marL="0" lvl="0" indent="0" algn="l" rtl="0">
-                <a:spcBef>
-                  <a:spcPts val="0"/>
-                </a:spcBef>
-                <a:spcAft>
-                  <a:spcPts val="0"/>
-                </a:spcAft>
-                <a:buNone/>
-              </a:pPr>
-              <a:endParaRPr/>
-            </a:p>
-          </p:txBody>
-        </p:sp>
-        <p:sp>
-          <p:nvSpPr>
-            <p:cNvPr id="80" name="Google Shape;80;p8"/>
-            <p:cNvSpPr/>
-            <p:nvPr/>
-          </p:nvSpPr>
-          <p:spPr>
-            <a:xfrm>
-              <a:off x="3586125" y="4525175"/>
-              <a:ext cx="284325" cy="284350"/>
-            </a:xfrm>
-            <a:custGeom>
-              <a:avLst/>
-              <a:gdLst/>
-              <a:ahLst/>
-              <a:cxnLst/>
-              <a:rect l="l" t="t" r="r" b="b"/>
-              <a:pathLst>
-                <a:path w="11373" h="11374" extrusionOk="0">
-                  <a:moveTo>
-                    <a:pt x="9420" y="1969"/>
-                  </a:moveTo>
-                  <a:lnTo>
-                    <a:pt x="9420" y="9404"/>
-                  </a:lnTo>
-                  <a:lnTo>
-                    <a:pt x="1985" y="9404"/>
-                  </a:lnTo>
-                  <a:lnTo>
-                    <a:pt x="1985" y="1969"/>
-                  </a:lnTo>
-                  <a:close/>
-                  <a:moveTo>
-                    <a:pt x="1512" y="1"/>
-                  </a:moveTo>
-                  <a:cubicBezTo>
-                    <a:pt x="678" y="1"/>
-                    <a:pt x="16" y="678"/>
-                    <a:pt x="16" y="1497"/>
-                  </a:cubicBezTo>
-                  <a:lnTo>
-                    <a:pt x="16" y="9877"/>
-                  </a:lnTo>
-                  <a:cubicBezTo>
-                    <a:pt x="0" y="10696"/>
-                    <a:pt x="678" y="11373"/>
-                    <a:pt x="1497" y="11373"/>
-                  </a:cubicBezTo>
-                  <a:lnTo>
-                    <a:pt x="9876" y="11373"/>
-                  </a:lnTo>
-                  <a:cubicBezTo>
-                    <a:pt x="10711" y="11373"/>
-                    <a:pt x="11373" y="10712"/>
-                    <a:pt x="11373" y="9877"/>
-                  </a:cubicBezTo>
-                  <a:lnTo>
-                    <a:pt x="11373" y="1497"/>
-                  </a:lnTo>
-                  <a:cubicBezTo>
-                    <a:pt x="11373" y="678"/>
-                    <a:pt x="10711" y="1"/>
-                    <a:pt x="9876" y="1"/>
-                  </a:cubicBezTo>
-                  <a:close/>
-                </a:path>
-              </a:pathLst>
-            </a:custGeom>
-            <a:solidFill>
-              <a:schemeClr val="dk1"/>
-            </a:solidFill>
-            <a:ln>
-              <a:noFill/>
-            </a:ln>
-          </p:spPr>
-          <p:txBody>
-            <a:bodyPr spcFirstLastPara="1" wrap="square" lIns="91425" tIns="91425" rIns="91425" bIns="91425" anchor="ctr" anchorCtr="0">
-              <a:noAutofit/>
-            </a:bodyPr>
-            <a:lstStyle/>
-            <a:p>
-              <a:pPr marL="0" lvl="0" indent="0" algn="l" rtl="0">
-                <a:spcBef>
-                  <a:spcPts val="0"/>
-                </a:spcBef>
-                <a:spcAft>
-                  <a:spcPts val="0"/>
-                </a:spcAft>
-                <a:buNone/>
-              </a:pPr>
-              <a:endParaRPr/>
-            </a:p>
-          </p:txBody>
-        </p:sp>
-      </p:grpSp>
-      <p:grpSp>
-        <p:nvGrpSpPr>
-          <p:cNvPr id="81" name="Google Shape;81;p8"/>
-          <p:cNvGrpSpPr/>
-          <p:nvPr/>
-        </p:nvGrpSpPr>
-        <p:grpSpPr>
-          <a:xfrm rot="-1466267">
-            <a:off x="486063" y="442749"/>
-            <a:ext cx="606443" cy="912814"/>
-            <a:chOff x="4865150" y="3459975"/>
-            <a:chExt cx="606450" cy="912825"/>
-          </a:xfrm>
-        </p:grpSpPr>
-        <p:sp>
-          <p:nvSpPr>
-            <p:cNvPr id="82" name="Google Shape;82;p8"/>
-            <p:cNvSpPr/>
-            <p:nvPr/>
-          </p:nvSpPr>
-          <p:spPr>
-            <a:xfrm>
-              <a:off x="4865550" y="3774225"/>
-              <a:ext cx="284325" cy="284325"/>
-            </a:xfrm>
-            <a:custGeom>
-              <a:avLst/>
-              <a:gdLst/>
-              <a:ahLst/>
-              <a:cxnLst/>
-              <a:rect l="l" t="t" r="r" b="b"/>
-              <a:pathLst>
-                <a:path w="11373" h="11373" extrusionOk="0">
-                  <a:moveTo>
-                    <a:pt x="9404" y="1969"/>
-                  </a:moveTo>
-                  <a:lnTo>
-                    <a:pt x="9404" y="9404"/>
-                  </a:lnTo>
-                  <a:lnTo>
-                    <a:pt x="1969" y="9404"/>
-                  </a:lnTo>
-                  <a:lnTo>
-                    <a:pt x="1969" y="1969"/>
-                  </a:lnTo>
-                  <a:close/>
-                  <a:moveTo>
-                    <a:pt x="1497" y="0"/>
-                  </a:moveTo>
-                  <a:cubicBezTo>
-                    <a:pt x="678" y="0"/>
-                    <a:pt x="0" y="662"/>
-                    <a:pt x="0" y="1497"/>
-                  </a:cubicBezTo>
-                  <a:lnTo>
-                    <a:pt x="0" y="9876"/>
-                  </a:lnTo>
-                  <a:cubicBezTo>
-                    <a:pt x="0" y="10696"/>
-                    <a:pt x="662" y="11357"/>
-                    <a:pt x="1497" y="11373"/>
-                  </a:cubicBezTo>
-                  <a:lnTo>
-                    <a:pt x="9876" y="11373"/>
-                  </a:lnTo>
-                  <a:cubicBezTo>
-                    <a:pt x="10696" y="11373"/>
-                    <a:pt x="11373" y="10696"/>
-                    <a:pt x="11373" y="9876"/>
-                  </a:cubicBezTo>
-                  <a:lnTo>
-                    <a:pt x="11373" y="1497"/>
-                  </a:lnTo>
-                  <a:cubicBezTo>
-                    <a:pt x="11373" y="662"/>
-                    <a:pt x="10696" y="0"/>
-                    <a:pt x="9876" y="0"/>
-                  </a:cubicBezTo>
-                  <a:close/>
-                </a:path>
-              </a:pathLst>
-            </a:custGeom>
-            <a:solidFill>
-              <a:schemeClr val="dk1"/>
-            </a:solidFill>
-            <a:ln>
-              <a:noFill/>
-            </a:ln>
-          </p:spPr>
-          <p:txBody>
-            <a:bodyPr spcFirstLastPara="1" wrap="square" lIns="91425" tIns="91425" rIns="91425" bIns="91425" anchor="ctr" anchorCtr="0">
-              <a:noAutofit/>
-            </a:bodyPr>
-            <a:lstStyle/>
-            <a:p>
-              <a:pPr marL="0" lvl="0" indent="0" algn="l" rtl="0">
-                <a:spcBef>
-                  <a:spcPts val="0"/>
-                </a:spcBef>
-                <a:spcAft>
-                  <a:spcPts val="0"/>
-                </a:spcAft>
-                <a:buNone/>
-              </a:pPr>
-              <a:endParaRPr/>
-            </a:p>
-          </p:txBody>
-        </p:sp>
-        <p:sp>
-          <p:nvSpPr>
-            <p:cNvPr id="83" name="Google Shape;83;p8"/>
-            <p:cNvSpPr/>
-            <p:nvPr/>
-          </p:nvSpPr>
-          <p:spPr>
-            <a:xfrm>
-              <a:off x="4865150" y="3459975"/>
-              <a:ext cx="284350" cy="284350"/>
-            </a:xfrm>
-            <a:custGeom>
-              <a:avLst/>
-              <a:gdLst/>
-              <a:ahLst/>
-              <a:cxnLst/>
-              <a:rect l="l" t="t" r="r" b="b"/>
-              <a:pathLst>
-                <a:path w="11374" h="11374" extrusionOk="0">
-                  <a:moveTo>
-                    <a:pt x="9420" y="1969"/>
-                  </a:moveTo>
-                  <a:lnTo>
-                    <a:pt x="9420" y="9404"/>
-                  </a:lnTo>
-                  <a:lnTo>
-                    <a:pt x="1969" y="9404"/>
-                  </a:lnTo>
-                  <a:lnTo>
-                    <a:pt x="1969" y="1969"/>
-                  </a:lnTo>
-                  <a:close/>
-                  <a:moveTo>
-                    <a:pt x="1497" y="0"/>
-                  </a:moveTo>
-                  <a:cubicBezTo>
-                    <a:pt x="678" y="0"/>
-                    <a:pt x="0" y="662"/>
-                    <a:pt x="0" y="1497"/>
-                  </a:cubicBezTo>
-                  <a:lnTo>
-                    <a:pt x="0" y="9877"/>
-                  </a:lnTo>
-                  <a:cubicBezTo>
-                    <a:pt x="0" y="10696"/>
-                    <a:pt x="678" y="11373"/>
-                    <a:pt x="1497" y="11373"/>
-                  </a:cubicBezTo>
-                  <a:lnTo>
-                    <a:pt x="9877" y="11373"/>
-                  </a:lnTo>
-                  <a:cubicBezTo>
-                    <a:pt x="10696" y="11373"/>
-                    <a:pt x="11373" y="10696"/>
-                    <a:pt x="11373" y="9877"/>
-                  </a:cubicBezTo>
-                  <a:lnTo>
-                    <a:pt x="11373" y="1513"/>
-                  </a:lnTo>
-                  <a:cubicBezTo>
-                    <a:pt x="11373" y="678"/>
-                    <a:pt x="10696" y="0"/>
-                    <a:pt x="9877" y="0"/>
-                  </a:cubicBezTo>
-                  <a:close/>
-                </a:path>
-              </a:pathLst>
-            </a:custGeom>
-            <a:solidFill>
-              <a:schemeClr val="dk1"/>
-            </a:solidFill>
-            <a:ln>
-              <a:noFill/>
-            </a:ln>
-          </p:spPr>
-          <p:txBody>
-            <a:bodyPr spcFirstLastPara="1" wrap="square" lIns="91425" tIns="91425" rIns="91425" bIns="91425" anchor="ctr" anchorCtr="0">
-              <a:noAutofit/>
-            </a:bodyPr>
-            <a:lstStyle/>
-            <a:p>
-              <a:pPr marL="0" lvl="0" indent="0" algn="l" rtl="0">
-                <a:spcBef>
-                  <a:spcPts val="0"/>
-                </a:spcBef>
-                <a:spcAft>
-                  <a:spcPts val="0"/>
-                </a:spcAft>
-                <a:buNone/>
-              </a:pPr>
-              <a:endParaRPr/>
-            </a:p>
-          </p:txBody>
-        </p:sp>
-        <p:sp>
-          <p:nvSpPr>
-            <p:cNvPr id="84" name="Google Shape;84;p8"/>
-            <p:cNvSpPr/>
-            <p:nvPr/>
-          </p:nvSpPr>
-          <p:spPr>
-            <a:xfrm>
-              <a:off x="4865550" y="4088475"/>
-              <a:ext cx="284325" cy="284325"/>
-            </a:xfrm>
-            <a:custGeom>
-              <a:avLst/>
-              <a:gdLst/>
-              <a:ahLst/>
-              <a:cxnLst/>
-              <a:rect l="l" t="t" r="r" b="b"/>
-              <a:pathLst>
-                <a:path w="11373" h="11373" extrusionOk="0">
-                  <a:moveTo>
-                    <a:pt x="9420" y="1969"/>
-                  </a:moveTo>
-                  <a:lnTo>
-                    <a:pt x="9420" y="9388"/>
-                  </a:lnTo>
-                  <a:lnTo>
-                    <a:pt x="1969" y="9388"/>
-                  </a:lnTo>
-                  <a:lnTo>
-                    <a:pt x="1969" y="1969"/>
-                  </a:lnTo>
-                  <a:close/>
-                  <a:moveTo>
-                    <a:pt x="1497" y="0"/>
-                  </a:moveTo>
-                  <a:cubicBezTo>
-                    <a:pt x="678" y="0"/>
-                    <a:pt x="0" y="662"/>
-                    <a:pt x="0" y="1496"/>
-                  </a:cubicBezTo>
-                  <a:lnTo>
-                    <a:pt x="0" y="9876"/>
-                  </a:lnTo>
-                  <a:cubicBezTo>
-                    <a:pt x="0" y="10695"/>
-                    <a:pt x="678" y="11357"/>
-                    <a:pt x="1497" y="11373"/>
-                  </a:cubicBezTo>
-                  <a:lnTo>
-                    <a:pt x="9876" y="11373"/>
-                  </a:lnTo>
-                  <a:cubicBezTo>
-                    <a:pt x="10711" y="11357"/>
-                    <a:pt x="11373" y="10695"/>
-                    <a:pt x="11373" y="9876"/>
-                  </a:cubicBezTo>
-                  <a:lnTo>
-                    <a:pt x="11373" y="1496"/>
-                  </a:lnTo>
-                  <a:cubicBezTo>
-                    <a:pt x="11373" y="662"/>
-                    <a:pt x="10711" y="0"/>
-                    <a:pt x="9876" y="0"/>
-                  </a:cubicBezTo>
-                  <a:close/>
-                </a:path>
-              </a:pathLst>
-            </a:custGeom>
-            <a:solidFill>
-              <a:schemeClr val="dk1"/>
-            </a:solidFill>
-            <a:ln>
-              <a:noFill/>
-            </a:ln>
-          </p:spPr>
-          <p:txBody>
-            <a:bodyPr spcFirstLastPara="1" wrap="square" lIns="91425" tIns="91425" rIns="91425" bIns="91425" anchor="ctr" anchorCtr="0">
-              <a:noAutofit/>
-            </a:bodyPr>
-            <a:lstStyle/>
-            <a:p>
-              <a:pPr marL="0" lvl="0" indent="0" algn="l" rtl="0">
-                <a:spcBef>
-                  <a:spcPts val="0"/>
-                </a:spcBef>
-                <a:spcAft>
-                  <a:spcPts val="0"/>
-                </a:spcAft>
-                <a:buNone/>
-              </a:pPr>
-              <a:endParaRPr/>
-            </a:p>
-          </p:txBody>
-        </p:sp>
-        <p:sp>
-          <p:nvSpPr>
-            <p:cNvPr id="85" name="Google Shape;85;p8"/>
-            <p:cNvSpPr/>
-            <p:nvPr/>
-          </p:nvSpPr>
-          <p:spPr>
-            <a:xfrm>
-              <a:off x="5187275" y="4088075"/>
-              <a:ext cx="284325" cy="284325"/>
-            </a:xfrm>
-            <a:custGeom>
-              <a:avLst/>
-              <a:gdLst/>
-              <a:ahLst/>
-              <a:cxnLst/>
-              <a:rect l="l" t="t" r="r" b="b"/>
-              <a:pathLst>
-                <a:path w="11373" h="11373" extrusionOk="0">
-                  <a:moveTo>
-                    <a:pt x="9404" y="1985"/>
-                  </a:moveTo>
-                  <a:lnTo>
-                    <a:pt x="9404" y="9404"/>
-                  </a:lnTo>
-                  <a:lnTo>
-                    <a:pt x="1969" y="9404"/>
-                  </a:lnTo>
-                  <a:lnTo>
-                    <a:pt x="1969" y="1985"/>
-                  </a:lnTo>
-                  <a:close/>
-                  <a:moveTo>
-                    <a:pt x="9877" y="0"/>
-                  </a:moveTo>
-                  <a:lnTo>
-                    <a:pt x="1497" y="16"/>
-                  </a:lnTo>
-                  <a:cubicBezTo>
-                    <a:pt x="1487" y="16"/>
-                    <a:pt x="1478" y="16"/>
-                    <a:pt x="1469" y="16"/>
-                  </a:cubicBezTo>
-                  <a:cubicBezTo>
-                    <a:pt x="662" y="16"/>
-                    <a:pt x="0" y="687"/>
-                    <a:pt x="0" y="1512"/>
-                  </a:cubicBezTo>
-                  <a:lnTo>
-                    <a:pt x="0" y="9877"/>
-                  </a:lnTo>
-                  <a:cubicBezTo>
-                    <a:pt x="0" y="10711"/>
-                    <a:pt x="678" y="11373"/>
-                    <a:pt x="1497" y="11373"/>
-                  </a:cubicBezTo>
-                  <a:lnTo>
-                    <a:pt x="9877" y="11373"/>
-                  </a:lnTo>
-                  <a:cubicBezTo>
-                    <a:pt x="10711" y="11373"/>
-                    <a:pt x="11373" y="10711"/>
-                    <a:pt x="11373" y="9877"/>
-                  </a:cubicBezTo>
-                  <a:lnTo>
-                    <a:pt x="11373" y="1497"/>
-                  </a:lnTo>
-                  <a:cubicBezTo>
-                    <a:pt x="11373" y="678"/>
-                    <a:pt x="10711" y="0"/>
-                    <a:pt x="9877" y="0"/>
-                  </a:cubicBezTo>
-                  <a:close/>
-                </a:path>
-              </a:pathLst>
-            </a:custGeom>
-            <a:solidFill>
-              <a:schemeClr val="dk1"/>
-            </a:solidFill>
-            <a:ln>
-              <a:noFill/>
-            </a:ln>
-          </p:spPr>
-          <p:txBody>
-            <a:bodyPr spcFirstLastPara="1" wrap="square" lIns="91425" tIns="91425" rIns="91425" bIns="91425" anchor="ctr" anchorCtr="0">
-              <a:noAutofit/>
-            </a:bodyPr>
-            <a:lstStyle/>
-            <a:p>
-              <a:pPr marL="0" lvl="0" indent="0" algn="l" rtl="0">
-                <a:spcBef>
-                  <a:spcPts val="0"/>
-                </a:spcBef>
-                <a:spcAft>
-                  <a:spcPts val="0"/>
-                </a:spcAft>
-                <a:buNone/>
-              </a:pPr>
-              <a:endParaRPr/>
-            </a:p>
-          </p:txBody>
-        </p:sp>
-      </p:grpSp>
-      <p:grpSp>
-        <p:nvGrpSpPr>
-          <p:cNvPr id="86" name="Google Shape;86;p8"/>
-          <p:cNvGrpSpPr/>
-          <p:nvPr/>
-        </p:nvGrpSpPr>
-        <p:grpSpPr>
-          <a:xfrm rot="3210428">
-            <a:off x="1934375" y="4157654"/>
-            <a:ext cx="925789" cy="598552"/>
-            <a:chOff x="3586125" y="4525175"/>
-            <a:chExt cx="925825" cy="598575"/>
-          </a:xfrm>
-        </p:grpSpPr>
-        <p:sp>
-          <p:nvSpPr>
-            <p:cNvPr id="87" name="Google Shape;87;p8"/>
-            <p:cNvSpPr/>
-            <p:nvPr/>
-          </p:nvSpPr>
-          <p:spPr>
-            <a:xfrm>
-              <a:off x="3905875" y="4525175"/>
-              <a:ext cx="284350" cy="284350"/>
-            </a:xfrm>
-            <a:custGeom>
-              <a:avLst/>
-              <a:gdLst/>
-              <a:ahLst/>
-              <a:cxnLst/>
-              <a:rect l="l" t="t" r="r" b="b"/>
-              <a:pathLst>
-                <a:path w="11374" h="11374" extrusionOk="0">
-                  <a:moveTo>
-                    <a:pt x="9404" y="1969"/>
-                  </a:moveTo>
-                  <a:lnTo>
-                    <a:pt x="9404" y="9404"/>
-                  </a:lnTo>
-                  <a:lnTo>
-                    <a:pt x="1969" y="9404"/>
-                  </a:lnTo>
-                  <a:lnTo>
-                    <a:pt x="1969" y="1969"/>
-                  </a:lnTo>
-                  <a:close/>
-                  <a:moveTo>
-                    <a:pt x="1497" y="1"/>
-                  </a:moveTo>
-                  <a:cubicBezTo>
-                    <a:pt x="678" y="1"/>
-                    <a:pt x="1" y="678"/>
-                    <a:pt x="1" y="1497"/>
-                  </a:cubicBezTo>
-                  <a:lnTo>
-                    <a:pt x="1" y="9877"/>
-                  </a:lnTo>
-                  <a:cubicBezTo>
-                    <a:pt x="1" y="10696"/>
-                    <a:pt x="678" y="11373"/>
-                    <a:pt x="1497" y="11373"/>
-                  </a:cubicBezTo>
-                  <a:lnTo>
-                    <a:pt x="9877" y="11373"/>
-                  </a:lnTo>
-                  <a:cubicBezTo>
-                    <a:pt x="10696" y="11373"/>
-                    <a:pt x="11373" y="10712"/>
-                    <a:pt x="11373" y="9877"/>
-                  </a:cubicBezTo>
-                  <a:lnTo>
-                    <a:pt x="11373" y="1497"/>
-                  </a:lnTo>
-                  <a:cubicBezTo>
-                    <a:pt x="11373" y="678"/>
-                    <a:pt x="10712" y="1"/>
-                    <a:pt x="9877" y="1"/>
-                  </a:cubicBezTo>
-                  <a:close/>
-                </a:path>
-              </a:pathLst>
-            </a:custGeom>
-            <a:solidFill>
-              <a:schemeClr val="dk1"/>
-            </a:solidFill>
-            <a:ln>
-              <a:noFill/>
-            </a:ln>
-          </p:spPr>
-          <p:txBody>
-            <a:bodyPr spcFirstLastPara="1" wrap="square" lIns="91425" tIns="91425" rIns="91425" bIns="91425" anchor="ctr" anchorCtr="0">
-              <a:noAutofit/>
-            </a:bodyPr>
-            <a:lstStyle/>
-            <a:p>
-              <a:pPr marL="0" lvl="0" indent="0" algn="l" rtl="0">
-                <a:spcBef>
-                  <a:spcPts val="0"/>
-                </a:spcBef>
-                <a:spcAft>
-                  <a:spcPts val="0"/>
-                </a:spcAft>
-                <a:buNone/>
-              </a:pPr>
-              <a:endParaRPr/>
-            </a:p>
-          </p:txBody>
-        </p:sp>
-        <p:sp>
-          <p:nvSpPr>
-            <p:cNvPr id="88" name="Google Shape;88;p8"/>
-            <p:cNvSpPr/>
-            <p:nvPr/>
-          </p:nvSpPr>
-          <p:spPr>
-            <a:xfrm>
-              <a:off x="3905875" y="4839425"/>
-              <a:ext cx="284350" cy="284325"/>
-            </a:xfrm>
-            <a:custGeom>
-              <a:avLst/>
-              <a:gdLst/>
-              <a:ahLst/>
-              <a:cxnLst/>
-              <a:rect l="l" t="t" r="r" b="b"/>
-              <a:pathLst>
-                <a:path w="11374" h="11373" extrusionOk="0">
-                  <a:moveTo>
-                    <a:pt x="9404" y="1969"/>
-                  </a:moveTo>
-                  <a:lnTo>
-                    <a:pt x="9404" y="9404"/>
-                  </a:lnTo>
-                  <a:lnTo>
-                    <a:pt x="1969" y="9404"/>
-                  </a:lnTo>
-                  <a:lnTo>
-                    <a:pt x="1969" y="1969"/>
-                  </a:lnTo>
-                  <a:close/>
-                  <a:moveTo>
-                    <a:pt x="1497" y="0"/>
-                  </a:moveTo>
-                  <a:cubicBezTo>
-                    <a:pt x="678" y="0"/>
-                    <a:pt x="1" y="678"/>
-                    <a:pt x="1" y="1497"/>
-                  </a:cubicBezTo>
-                  <a:lnTo>
-                    <a:pt x="1" y="9877"/>
-                  </a:lnTo>
-                  <a:cubicBezTo>
-                    <a:pt x="1" y="10696"/>
-                    <a:pt x="678" y="11373"/>
-                    <a:pt x="1497" y="11373"/>
-                  </a:cubicBezTo>
-                  <a:lnTo>
-                    <a:pt x="9877" y="11373"/>
-                  </a:lnTo>
-                  <a:cubicBezTo>
-                    <a:pt x="10696" y="11373"/>
-                    <a:pt x="11373" y="10696"/>
-                    <a:pt x="11373" y="9877"/>
-                  </a:cubicBezTo>
-                  <a:lnTo>
-                    <a:pt x="11373" y="1497"/>
-                  </a:lnTo>
-                  <a:cubicBezTo>
-                    <a:pt x="11373" y="678"/>
-                    <a:pt x="10712" y="0"/>
-                    <a:pt x="9877" y="0"/>
-                  </a:cubicBezTo>
-                  <a:close/>
-                </a:path>
-              </a:pathLst>
-            </a:custGeom>
-            <a:solidFill>
-              <a:schemeClr val="dk1"/>
-            </a:solidFill>
-            <a:ln>
-              <a:noFill/>
-            </a:ln>
-          </p:spPr>
-          <p:txBody>
-            <a:bodyPr spcFirstLastPara="1" wrap="square" lIns="91425" tIns="91425" rIns="91425" bIns="91425" anchor="ctr" anchorCtr="0">
-              <a:noAutofit/>
-            </a:bodyPr>
-            <a:lstStyle/>
-            <a:p>
-              <a:pPr marL="0" lvl="0" indent="0" algn="l" rtl="0">
-                <a:spcBef>
-                  <a:spcPts val="0"/>
-                </a:spcBef>
-                <a:spcAft>
-                  <a:spcPts val="0"/>
-                </a:spcAft>
-                <a:buNone/>
-              </a:pPr>
-              <a:endParaRPr/>
-            </a:p>
-          </p:txBody>
-        </p:sp>
-        <p:sp>
-          <p:nvSpPr>
-            <p:cNvPr id="89" name="Google Shape;89;p8"/>
-            <p:cNvSpPr/>
-            <p:nvPr/>
-          </p:nvSpPr>
-          <p:spPr>
-            <a:xfrm>
-              <a:off x="4227600" y="4839425"/>
-              <a:ext cx="284350" cy="284325"/>
-            </a:xfrm>
-            <a:custGeom>
-              <a:avLst/>
-              <a:gdLst/>
-              <a:ahLst/>
-              <a:cxnLst/>
-              <a:rect l="l" t="t" r="r" b="b"/>
-              <a:pathLst>
-                <a:path w="11374" h="11373" extrusionOk="0">
-                  <a:moveTo>
-                    <a:pt x="9404" y="1969"/>
-                  </a:moveTo>
-                  <a:lnTo>
-                    <a:pt x="9404" y="9404"/>
-                  </a:lnTo>
-                  <a:lnTo>
-                    <a:pt x="1970" y="9404"/>
-                  </a:lnTo>
-                  <a:lnTo>
-                    <a:pt x="1970" y="1969"/>
-                  </a:lnTo>
-                  <a:close/>
-                  <a:moveTo>
-                    <a:pt x="1497" y="0"/>
-                  </a:moveTo>
-                  <a:cubicBezTo>
-                    <a:pt x="662" y="0"/>
-                    <a:pt x="1" y="678"/>
-                    <a:pt x="1" y="1497"/>
-                  </a:cubicBezTo>
-                  <a:lnTo>
-                    <a:pt x="1" y="9877"/>
-                  </a:lnTo>
-                  <a:cubicBezTo>
-                    <a:pt x="1" y="10696"/>
-                    <a:pt x="662" y="11373"/>
-                    <a:pt x="1497" y="11373"/>
-                  </a:cubicBezTo>
-                  <a:lnTo>
-                    <a:pt x="9877" y="11373"/>
-                  </a:lnTo>
-                  <a:cubicBezTo>
-                    <a:pt x="10696" y="11373"/>
-                    <a:pt x="11358" y="10696"/>
-                    <a:pt x="11373" y="9877"/>
-                  </a:cubicBezTo>
-                  <a:lnTo>
-                    <a:pt x="11373" y="1497"/>
-                  </a:lnTo>
-                  <a:cubicBezTo>
-                    <a:pt x="11373" y="678"/>
-                    <a:pt x="10696" y="0"/>
-                    <a:pt x="9877" y="0"/>
-                  </a:cubicBezTo>
-                  <a:close/>
-                </a:path>
-              </a:pathLst>
-            </a:custGeom>
-            <a:solidFill>
-              <a:schemeClr val="dk1"/>
-            </a:solidFill>
-            <a:ln>
-              <a:noFill/>
-            </a:ln>
-          </p:spPr>
-          <p:txBody>
-            <a:bodyPr spcFirstLastPara="1" wrap="square" lIns="91425" tIns="91425" rIns="91425" bIns="91425" anchor="ctr" anchorCtr="0">
-              <a:noAutofit/>
-            </a:bodyPr>
-            <a:lstStyle/>
-            <a:p>
-              <a:pPr marL="0" lvl="0" indent="0" algn="l" rtl="0">
-                <a:spcBef>
-                  <a:spcPts val="0"/>
-                </a:spcBef>
-                <a:spcAft>
-                  <a:spcPts val="0"/>
-                </a:spcAft>
-                <a:buNone/>
-              </a:pPr>
-              <a:endParaRPr/>
-            </a:p>
-          </p:txBody>
-        </p:sp>
-        <p:sp>
-          <p:nvSpPr>
-            <p:cNvPr id="90" name="Google Shape;90;p8"/>
-            <p:cNvSpPr/>
-            <p:nvPr/>
-          </p:nvSpPr>
-          <p:spPr>
-            <a:xfrm>
-              <a:off x="3586125" y="4525175"/>
-              <a:ext cx="284325" cy="284350"/>
-            </a:xfrm>
-            <a:custGeom>
-              <a:avLst/>
-              <a:gdLst/>
-              <a:ahLst/>
-              <a:cxnLst/>
-              <a:rect l="l" t="t" r="r" b="b"/>
-              <a:pathLst>
-                <a:path w="11373" h="11374" extrusionOk="0">
-                  <a:moveTo>
-                    <a:pt x="9420" y="1969"/>
-                  </a:moveTo>
-                  <a:lnTo>
-                    <a:pt x="9420" y="9404"/>
-                  </a:lnTo>
-                  <a:lnTo>
-                    <a:pt x="1985" y="9404"/>
-                  </a:lnTo>
-                  <a:lnTo>
-                    <a:pt x="1985" y="1969"/>
-                  </a:lnTo>
-                  <a:close/>
-                  <a:moveTo>
-                    <a:pt x="1512" y="1"/>
-                  </a:moveTo>
-                  <a:cubicBezTo>
-                    <a:pt x="678" y="1"/>
-                    <a:pt x="16" y="678"/>
-                    <a:pt x="16" y="1497"/>
-                  </a:cubicBezTo>
-                  <a:lnTo>
-                    <a:pt x="16" y="9877"/>
-                  </a:lnTo>
-                  <a:cubicBezTo>
-                    <a:pt x="0" y="10696"/>
-                    <a:pt x="678" y="11373"/>
-                    <a:pt x="1497" y="11373"/>
-                  </a:cubicBezTo>
-                  <a:lnTo>
-                    <a:pt x="9876" y="11373"/>
-                  </a:lnTo>
-                  <a:cubicBezTo>
-                    <a:pt x="10711" y="11373"/>
-                    <a:pt x="11373" y="10712"/>
-                    <a:pt x="11373" y="9877"/>
-                  </a:cubicBezTo>
-                  <a:lnTo>
-                    <a:pt x="11373" y="1497"/>
-                  </a:lnTo>
-                  <a:cubicBezTo>
-                    <a:pt x="11373" y="678"/>
-                    <a:pt x="10711" y="1"/>
-                    <a:pt x="9876" y="1"/>
-                  </a:cubicBezTo>
-                  <a:close/>
-                </a:path>
-              </a:pathLst>
-            </a:custGeom>
-            <a:solidFill>
-              <a:schemeClr val="dk1"/>
-            </a:solidFill>
-            <a:ln>
-              <a:noFill/>
-            </a:ln>
-          </p:spPr>
-          <p:txBody>
-            <a:bodyPr spcFirstLastPara="1" wrap="square" lIns="91425" tIns="91425" rIns="91425" bIns="91425" anchor="ctr" anchorCtr="0">
-              <a:noAutofit/>
-            </a:bodyPr>
-            <a:lstStyle/>
-            <a:p>
-              <a:pPr marL="0" lvl="0" indent="0" algn="l" rtl="0">
-                <a:spcBef>
-                  <a:spcPts val="0"/>
-                </a:spcBef>
-                <a:spcAft>
-                  <a:spcPts val="0"/>
-                </a:spcAft>
-                <a:buNone/>
-              </a:pPr>
-              <a:endParaRPr/>
-            </a:p>
-          </p:txBody>
-        </p:sp>
-      </p:grpSp>
-    </p:spTree>
-    <p:extLst>
-      <p:ext uri="{BB962C8B-B14F-4D97-AF65-F5344CB8AC3E}">
-        <p14:creationId xmlns:p14="http://schemas.microsoft.com/office/powerpoint/2010/main" val="3765432660"/>
-      </p:ext>
-    </p:extLst>
-  </p:cSld>
-  <p:clrMapOvr>
-    <a:masterClrMapping/>
-  </p:clrMapOvr>
-</p:sldLayout>
-</file>
-
 <file path=ppt/slideLayouts/slideLayout2.xml><?xml version="1.0" encoding="utf-8"?>
 <p:sldLayout xmlns:a="http://schemas.openxmlformats.org/drawingml/2006/main" xmlns:r="http://schemas.openxmlformats.org/officeDocument/2006/relationships" xmlns:p="http://schemas.openxmlformats.org/presentationml/2006/main" matchingName="Section header" type="secHead">
   <p:cSld name="SECTION_HEADER">
@@ -15470,7 +13512,6 @@
     <p:sldLayoutId id="2147483669" r:id="rId11"/>
     <p:sldLayoutId id="2147483670" r:id="rId12"/>
     <p:sldLayoutId id="2147483671" r:id="rId13"/>
-    <p:sldLayoutId id="2147483675" r:id="rId14"/>
   </p:sldLayoutIdLst>
   <p:hf hdr="0" ftr="0" dt="0"/>
   <p:txStyles>
@@ -32660,7 +30701,7 @@
   <p:cSld>
     <p:spTree>
       <p:nvGrpSpPr>
-        <p:cNvPr id="1" name="Shape 589"/>
+        <p:cNvPr id="1" name="Shape 813"/>
         <p:cNvGrpSpPr/>
         <p:nvPr/>
       </p:nvGrpSpPr>
@@ -32674,49 +30715,13 @@
       </p:grpSpPr>
       <p:sp>
         <p:nvSpPr>
-          <p:cNvPr id="590" name="Google Shape;590;p38"/>
-          <p:cNvSpPr/>
-          <p:nvPr/>
-        </p:nvSpPr>
-        <p:spPr>
-          <a:xfrm>
-            <a:off x="1156050" y="1440125"/>
-            <a:ext cx="6831900" cy="2263200"/>
-          </a:xfrm>
-          <a:prstGeom prst="roundRect">
-            <a:avLst>
-              <a:gd name="adj" fmla="val 9465"/>
-            </a:avLst>
-          </a:prstGeom>
-          <a:solidFill>
-            <a:schemeClr val="dk1"/>
-          </a:solidFill>
-          <a:ln>
-            <a:noFill/>
-          </a:ln>
-        </p:spPr>
-        <p:txBody>
-          <a:bodyPr spcFirstLastPara="1" wrap="square" lIns="91425" tIns="91425" rIns="91425" bIns="91425" anchor="ctr" anchorCtr="0">
-            <a:noAutofit/>
-          </a:bodyPr>
-          <a:lstStyle/>
-          <a:p>
-            <a:pPr marL="0" lvl="0" indent="0" algn="l" rtl="0">
-              <a:spcBef>
-                <a:spcPts val="0"/>
-              </a:spcBef>
-              <a:spcAft>
-                <a:spcPts val="0"/>
-              </a:spcAft>
-              <a:buNone/>
-            </a:pPr>
-            <a:endParaRPr/>
-          </a:p>
-        </p:txBody>
-      </p:sp>
-      <p:sp>
-        <p:nvSpPr>
-          <p:cNvPr id="591" name="Google Shape;591;p38"/>
+          <p:cNvPr id="54" name="Google Shape;866;p49">
+            <a:extLst>
+              <a:ext uri="{FF2B5EF4-FFF2-40B4-BE49-F238E27FC236}">
+                <a16:creationId xmlns:a16="http://schemas.microsoft.com/office/drawing/2014/main" id="{3D46245A-DB14-474B-BEE8-8746A0A1D6CE}"/>
+              </a:ext>
+            </a:extLst>
+          </p:cNvPr>
           <p:cNvSpPr txBox="1">
             <a:spLocks noGrp="1"/>
           </p:cNvSpPr>
@@ -32726,15 +30731,15 @@
         </p:nvSpPr>
         <p:spPr>
           <a:xfrm>
-            <a:off x="1385850" y="1440125"/>
-            <a:ext cx="6372300" cy="2263200"/>
+            <a:off x="3266065" y="2606893"/>
+            <a:ext cx="5507577" cy="1771666"/>
           </a:xfrm>
           <a:prstGeom prst="rect">
             <a:avLst/>
           </a:prstGeom>
         </p:spPr>
         <p:txBody>
-          <a:bodyPr spcFirstLastPara="1" wrap="square" lIns="91425" tIns="91425" rIns="91425" bIns="91425" anchor="ctr" anchorCtr="0">
+          <a:bodyPr spcFirstLastPara="1" wrap="square" lIns="91425" tIns="91425" rIns="91425" bIns="91425" anchor="t" anchorCtr="0">
             <a:noAutofit/>
           </a:bodyPr>
           <a:lstStyle/>
@@ -32749,21 +30754,2798 @@
               <a:buNone/>
             </a:pPr>
             <a:r>
-              <a:rPr lang="en" dirty="0">
+              <a:rPr lang="en" sz="3200" dirty="0">
+                <a:solidFill>
+                  <a:schemeClr val="tx1"/>
+                </a:solidFill>
                 <a:latin typeface="+mj-lt"/>
               </a:rPr>
-              <a:t>ĐẶT CÂU HỎI</a:t>
-            </a:r>
-            <a:endParaRPr dirty="0">
+              <a:t>XIN CHÂN THÀNH CẢM ƠN THẦY VÀ CÁC BẠN ĐÃ CHÚ Ý LẮNG NGHE !!!</a:t>
+            </a:r>
+            <a:endParaRPr sz="3200" dirty="0">
+              <a:solidFill>
+                <a:schemeClr val="tx1"/>
+              </a:solidFill>
               <a:latin typeface="+mj-lt"/>
             </a:endParaRPr>
           </a:p>
         </p:txBody>
       </p:sp>
+      <p:grpSp>
+        <p:nvGrpSpPr>
+          <p:cNvPr id="56" name="Google Shape;884;p49">
+            <a:extLst>
+              <a:ext uri="{FF2B5EF4-FFF2-40B4-BE49-F238E27FC236}">
+                <a16:creationId xmlns:a16="http://schemas.microsoft.com/office/drawing/2014/main" id="{2A7218F6-3445-47AB-8FD2-ED6E7EBF177E}"/>
+              </a:ext>
+            </a:extLst>
+          </p:cNvPr>
+          <p:cNvGrpSpPr/>
+          <p:nvPr/>
+        </p:nvGrpSpPr>
+        <p:grpSpPr>
+          <a:xfrm flipH="1">
+            <a:off x="114295" y="2779726"/>
+            <a:ext cx="2077982" cy="2686224"/>
+            <a:chOff x="5523175" y="536475"/>
+            <a:chExt cx="1855175" cy="2398200"/>
+          </a:xfrm>
+        </p:grpSpPr>
+        <p:sp>
+          <p:nvSpPr>
+            <p:cNvPr id="57" name="Google Shape;885;p49">
+              <a:extLst>
+                <a:ext uri="{FF2B5EF4-FFF2-40B4-BE49-F238E27FC236}">
+                  <a16:creationId xmlns:a16="http://schemas.microsoft.com/office/drawing/2014/main" id="{1ACF2471-F80A-4DC8-AB45-75B2EACB7B3E}"/>
+                </a:ext>
+              </a:extLst>
+            </p:cNvPr>
+            <p:cNvSpPr/>
+            <p:nvPr/>
+          </p:nvSpPr>
+          <p:spPr>
+            <a:xfrm>
+              <a:off x="5523175" y="686500"/>
+              <a:ext cx="1855175" cy="2248175"/>
+            </a:xfrm>
+            <a:custGeom>
+              <a:avLst/>
+              <a:gdLst/>
+              <a:ahLst/>
+              <a:cxnLst/>
+              <a:rect l="l" t="t" r="r" b="b"/>
+              <a:pathLst>
+                <a:path w="74207" h="89927" fill="none" extrusionOk="0">
+                  <a:moveTo>
+                    <a:pt x="71749" y="8995"/>
+                  </a:moveTo>
+                  <a:cubicBezTo>
+                    <a:pt x="70048" y="5924"/>
+                    <a:pt x="67244" y="3514"/>
+                    <a:pt x="64062" y="2080"/>
+                  </a:cubicBezTo>
+                  <a:cubicBezTo>
+                    <a:pt x="60802" y="599"/>
+                    <a:pt x="57147" y="174"/>
+                    <a:pt x="53635" y="867"/>
+                  </a:cubicBezTo>
+                  <a:cubicBezTo>
+                    <a:pt x="49965" y="1592"/>
+                    <a:pt x="46546" y="3435"/>
+                    <a:pt x="43821" y="5939"/>
+                  </a:cubicBezTo>
+                  <a:cubicBezTo>
+                    <a:pt x="42498" y="7152"/>
+                    <a:pt x="41333" y="8523"/>
+                    <a:pt x="40340" y="10035"/>
+                  </a:cubicBezTo>
+                  <a:cubicBezTo>
+                    <a:pt x="40183" y="10287"/>
+                    <a:pt x="40592" y="10539"/>
+                    <a:pt x="40766" y="10271"/>
+                  </a:cubicBezTo>
+                  <a:cubicBezTo>
+                    <a:pt x="44766" y="4175"/>
+                    <a:pt x="52233" y="1"/>
+                    <a:pt x="59620" y="1230"/>
+                  </a:cubicBezTo>
+                  <a:cubicBezTo>
+                    <a:pt x="63086" y="1797"/>
+                    <a:pt x="66283" y="3435"/>
+                    <a:pt x="68788" y="5892"/>
+                  </a:cubicBezTo>
+                  <a:cubicBezTo>
+                    <a:pt x="71465" y="8570"/>
+                    <a:pt x="73293" y="12382"/>
+                    <a:pt x="72930" y="16241"/>
+                  </a:cubicBezTo>
+                  <a:cubicBezTo>
+                    <a:pt x="72741" y="18352"/>
+                    <a:pt x="71733" y="20210"/>
+                    <a:pt x="70347" y="21770"/>
+                  </a:cubicBezTo>
+                  <a:cubicBezTo>
+                    <a:pt x="69607" y="22604"/>
+                    <a:pt x="68788" y="23361"/>
+                    <a:pt x="67921" y="24054"/>
+                  </a:cubicBezTo>
+                  <a:cubicBezTo>
+                    <a:pt x="67984" y="23124"/>
+                    <a:pt x="67937" y="22195"/>
+                    <a:pt x="67780" y="21281"/>
+                  </a:cubicBezTo>
+                  <a:cubicBezTo>
+                    <a:pt x="67181" y="17989"/>
+                    <a:pt x="65023" y="14823"/>
+                    <a:pt x="61747" y="13784"/>
+                  </a:cubicBezTo>
+                  <a:cubicBezTo>
+                    <a:pt x="58864" y="12854"/>
+                    <a:pt x="55289" y="13658"/>
+                    <a:pt x="53351" y="16083"/>
+                  </a:cubicBezTo>
+                  <a:cubicBezTo>
+                    <a:pt x="51335" y="18604"/>
+                    <a:pt x="51729" y="22211"/>
+                    <a:pt x="53587" y="24699"/>
+                  </a:cubicBezTo>
+                  <a:cubicBezTo>
+                    <a:pt x="55777" y="27598"/>
+                    <a:pt x="59494" y="28259"/>
+                    <a:pt x="62865" y="27283"/>
+                  </a:cubicBezTo>
+                  <a:cubicBezTo>
+                    <a:pt x="64456" y="26810"/>
+                    <a:pt x="65952" y="26070"/>
+                    <a:pt x="67307" y="25109"/>
+                  </a:cubicBezTo>
+                  <a:cubicBezTo>
+                    <a:pt x="66882" y="27661"/>
+                    <a:pt x="65574" y="30071"/>
+                    <a:pt x="63889" y="32024"/>
+                  </a:cubicBezTo>
+                  <a:cubicBezTo>
+                    <a:pt x="58675" y="38025"/>
+                    <a:pt x="50390" y="39915"/>
+                    <a:pt x="42829" y="40766"/>
+                  </a:cubicBezTo>
+                  <a:cubicBezTo>
+                    <a:pt x="34512" y="41695"/>
+                    <a:pt x="25770" y="41601"/>
+                    <a:pt x="18052" y="45303"/>
+                  </a:cubicBezTo>
+                  <a:cubicBezTo>
+                    <a:pt x="11720" y="48343"/>
+                    <a:pt x="6553" y="53761"/>
+                    <a:pt x="3718" y="60188"/>
+                  </a:cubicBezTo>
+                  <a:cubicBezTo>
+                    <a:pt x="756" y="66835"/>
+                    <a:pt x="0" y="75435"/>
+                    <a:pt x="4568" y="81563"/>
+                  </a:cubicBezTo>
+                  <a:cubicBezTo>
+                    <a:pt x="9436" y="88100"/>
+                    <a:pt x="18004" y="89785"/>
+                    <a:pt x="25676" y="89895"/>
+                  </a:cubicBezTo>
+                  <a:cubicBezTo>
+                    <a:pt x="27897" y="89927"/>
+                    <a:pt x="30117" y="89848"/>
+                    <a:pt x="32338" y="89769"/>
+                  </a:cubicBezTo>
+                  <a:cubicBezTo>
+                    <a:pt x="32653" y="89769"/>
+                    <a:pt x="32653" y="89281"/>
+                    <a:pt x="32338" y="89281"/>
+                  </a:cubicBezTo>
+                  <a:cubicBezTo>
+                    <a:pt x="23848" y="89580"/>
+                    <a:pt x="14271" y="89785"/>
+                    <a:pt x="7404" y="83894"/>
+                  </a:cubicBezTo>
+                  <a:cubicBezTo>
+                    <a:pt x="4316" y="81248"/>
+                    <a:pt x="2473" y="77578"/>
+                    <a:pt x="1969" y="73545"/>
+                  </a:cubicBezTo>
+                  <a:cubicBezTo>
+                    <a:pt x="1481" y="69592"/>
+                    <a:pt x="2158" y="65543"/>
+                    <a:pt x="3545" y="61842"/>
+                  </a:cubicBezTo>
+                  <a:cubicBezTo>
+                    <a:pt x="6207" y="54864"/>
+                    <a:pt x="11389" y="49162"/>
+                    <a:pt x="18052" y="45838"/>
+                  </a:cubicBezTo>
+                  <a:cubicBezTo>
+                    <a:pt x="26054" y="41900"/>
+                    <a:pt x="35205" y="42199"/>
+                    <a:pt x="43853" y="41128"/>
+                  </a:cubicBezTo>
+                  <a:cubicBezTo>
+                    <a:pt x="51524" y="40183"/>
+                    <a:pt x="59888" y="38010"/>
+                    <a:pt x="64866" y="31599"/>
+                  </a:cubicBezTo>
+                  <a:cubicBezTo>
+                    <a:pt x="66409" y="29598"/>
+                    <a:pt x="67528" y="27204"/>
+                    <a:pt x="67858" y="24715"/>
+                  </a:cubicBezTo>
+                  <a:lnTo>
+                    <a:pt x="68016" y="24589"/>
+                  </a:lnTo>
+                  <a:cubicBezTo>
+                    <a:pt x="69528" y="23439"/>
+                    <a:pt x="70930" y="22053"/>
+                    <a:pt x="71954" y="20447"/>
+                  </a:cubicBezTo>
+                  <a:cubicBezTo>
+                    <a:pt x="74206" y="16934"/>
+                    <a:pt x="73702" y="12523"/>
+                    <a:pt x="71749" y="8995"/>
+                  </a:cubicBezTo>
+                  <a:close/>
+                  <a:moveTo>
+                    <a:pt x="65889" y="25440"/>
+                  </a:moveTo>
+                  <a:cubicBezTo>
+                    <a:pt x="62802" y="27235"/>
+                    <a:pt x="58628" y="28165"/>
+                    <a:pt x="55493" y="25912"/>
+                  </a:cubicBezTo>
+                  <a:cubicBezTo>
+                    <a:pt x="52926" y="24054"/>
+                    <a:pt x="51603" y="20242"/>
+                    <a:pt x="53115" y="17312"/>
+                  </a:cubicBezTo>
+                  <a:cubicBezTo>
+                    <a:pt x="54595" y="14492"/>
+                    <a:pt x="58203" y="13374"/>
+                    <a:pt x="61195" y="14114"/>
+                  </a:cubicBezTo>
+                  <a:cubicBezTo>
+                    <a:pt x="64598" y="14965"/>
+                    <a:pt x="66787" y="18210"/>
+                    <a:pt x="67339" y="21533"/>
+                  </a:cubicBezTo>
+                  <a:cubicBezTo>
+                    <a:pt x="67496" y="22494"/>
+                    <a:pt x="67528" y="23471"/>
+                    <a:pt x="67417" y="24447"/>
+                  </a:cubicBezTo>
+                  <a:cubicBezTo>
+                    <a:pt x="66929" y="24794"/>
+                    <a:pt x="66409" y="25140"/>
+                    <a:pt x="65889" y="25440"/>
+                  </a:cubicBezTo>
+                  <a:close/>
+                </a:path>
+              </a:pathLst>
+            </a:custGeom>
+            <a:noFill/>
+            <a:ln w="39375" cap="flat" cmpd="sng">
+              <a:solidFill>
+                <a:schemeClr val="dk1"/>
+              </a:solidFill>
+              <a:prstDash val="solid"/>
+              <a:miter lim="15751"/>
+              <a:headEnd type="none" w="sm" len="sm"/>
+              <a:tailEnd type="none" w="sm" len="sm"/>
+            </a:ln>
+          </p:spPr>
+          <p:txBody>
+            <a:bodyPr spcFirstLastPara="1" wrap="square" lIns="91425" tIns="91425" rIns="91425" bIns="91425" anchor="ctr" anchorCtr="0">
+              <a:noAutofit/>
+            </a:bodyPr>
+            <a:lstStyle/>
+            <a:p>
+              <a:pPr marL="0" lvl="0" indent="0" algn="l" rtl="0">
+                <a:spcBef>
+                  <a:spcPts val="0"/>
+                </a:spcBef>
+                <a:spcAft>
+                  <a:spcPts val="0"/>
+                </a:spcAft>
+                <a:buNone/>
+              </a:pPr>
+              <a:endParaRPr/>
+            </a:p>
+          </p:txBody>
+        </p:sp>
+        <p:sp>
+          <p:nvSpPr>
+            <p:cNvPr id="58" name="Google Shape;886;p49">
+              <a:extLst>
+                <a:ext uri="{FF2B5EF4-FFF2-40B4-BE49-F238E27FC236}">
+                  <a16:creationId xmlns:a16="http://schemas.microsoft.com/office/drawing/2014/main" id="{CDD5599F-3A44-48ED-92C7-2092CD14502D}"/>
+                </a:ext>
+              </a:extLst>
+            </p:cNvPr>
+            <p:cNvSpPr/>
+            <p:nvPr/>
+          </p:nvSpPr>
+          <p:spPr>
+            <a:xfrm>
+              <a:off x="6472200" y="834425"/>
+              <a:ext cx="166600" cy="174625"/>
+            </a:xfrm>
+            <a:custGeom>
+              <a:avLst/>
+              <a:gdLst/>
+              <a:ahLst/>
+              <a:cxnLst/>
+              <a:rect l="l" t="t" r="r" b="b"/>
+              <a:pathLst>
+                <a:path w="6664" h="6985" extrusionOk="0">
+                  <a:moveTo>
+                    <a:pt x="1386" y="0"/>
+                  </a:moveTo>
+                  <a:cubicBezTo>
+                    <a:pt x="1261" y="0"/>
+                    <a:pt x="1137" y="44"/>
+                    <a:pt x="1040" y="133"/>
+                  </a:cubicBezTo>
+                  <a:lnTo>
+                    <a:pt x="1" y="1093"/>
+                  </a:lnTo>
+                  <a:lnTo>
+                    <a:pt x="5388" y="6984"/>
+                  </a:lnTo>
+                  <a:lnTo>
+                    <a:pt x="6443" y="6024"/>
+                  </a:lnTo>
+                  <a:cubicBezTo>
+                    <a:pt x="6648" y="5835"/>
+                    <a:pt x="6664" y="5504"/>
+                    <a:pt x="6475" y="5283"/>
+                  </a:cubicBezTo>
+                  <a:lnTo>
+                    <a:pt x="1781" y="164"/>
+                  </a:lnTo>
+                  <a:cubicBezTo>
+                    <a:pt x="1672" y="56"/>
+                    <a:pt x="1528" y="0"/>
+                    <a:pt x="1386" y="0"/>
+                  </a:cubicBezTo>
+                  <a:close/>
+                </a:path>
+              </a:pathLst>
+            </a:custGeom>
+            <a:solidFill>
+              <a:schemeClr val="dk1"/>
+            </a:solidFill>
+            <a:ln>
+              <a:noFill/>
+            </a:ln>
+          </p:spPr>
+          <p:txBody>
+            <a:bodyPr spcFirstLastPara="1" wrap="square" lIns="91425" tIns="91425" rIns="91425" bIns="91425" anchor="ctr" anchorCtr="0">
+              <a:noAutofit/>
+            </a:bodyPr>
+            <a:lstStyle/>
+            <a:p>
+              <a:pPr marL="0" lvl="0" indent="0" algn="l" rtl="0">
+                <a:spcBef>
+                  <a:spcPts val="0"/>
+                </a:spcBef>
+                <a:spcAft>
+                  <a:spcPts val="0"/>
+                </a:spcAft>
+                <a:buNone/>
+              </a:pPr>
+              <a:endParaRPr/>
+            </a:p>
+          </p:txBody>
+        </p:sp>
+        <p:sp>
+          <p:nvSpPr>
+            <p:cNvPr id="59" name="Google Shape;887;p49">
+              <a:extLst>
+                <a:ext uri="{FF2B5EF4-FFF2-40B4-BE49-F238E27FC236}">
+                  <a16:creationId xmlns:a16="http://schemas.microsoft.com/office/drawing/2014/main" id="{A8F8AD2A-3234-498A-A67D-AC2FACAB2947}"/>
+                </a:ext>
+              </a:extLst>
+            </p:cNvPr>
+            <p:cNvSpPr/>
+            <p:nvPr/>
+          </p:nvSpPr>
+          <p:spPr>
+            <a:xfrm>
+              <a:off x="5781100" y="536475"/>
+              <a:ext cx="1068775" cy="1147125"/>
+            </a:xfrm>
+            <a:custGeom>
+              <a:avLst/>
+              <a:gdLst/>
+              <a:ahLst/>
+              <a:cxnLst/>
+              <a:rect l="l" t="t" r="r" b="b"/>
+              <a:pathLst>
+                <a:path w="42751" h="45885" fill="none" extrusionOk="0">
+                  <a:moveTo>
+                    <a:pt x="39143" y="25565"/>
+                  </a:moveTo>
+                  <a:lnTo>
+                    <a:pt x="21454" y="6285"/>
+                  </a:lnTo>
+                  <a:cubicBezTo>
+                    <a:pt x="15705" y="1"/>
+                    <a:pt x="5325" y="2237"/>
+                    <a:pt x="2663" y="10334"/>
+                  </a:cubicBezTo>
+                  <a:cubicBezTo>
+                    <a:pt x="1" y="18430"/>
+                    <a:pt x="7042" y="26385"/>
+                    <a:pt x="15390" y="24746"/>
+                  </a:cubicBezTo>
+                  <a:lnTo>
+                    <a:pt x="20226" y="30023"/>
+                  </a:lnTo>
+                  <a:cubicBezTo>
+                    <a:pt x="17879" y="38198"/>
+                    <a:pt x="25203" y="45885"/>
+                    <a:pt x="33489" y="43932"/>
+                  </a:cubicBezTo>
+                  <a:cubicBezTo>
+                    <a:pt x="37332" y="43034"/>
+                    <a:pt x="40419" y="40151"/>
+                    <a:pt x="41585" y="36371"/>
+                  </a:cubicBezTo>
+                  <a:cubicBezTo>
+                    <a:pt x="42751" y="32591"/>
+                    <a:pt x="41821" y="28479"/>
+                    <a:pt x="39143" y="25565"/>
+                  </a:cubicBezTo>
+                  <a:close/>
+                </a:path>
+              </a:pathLst>
+            </a:custGeom>
+            <a:noFill/>
+            <a:ln w="49225" cap="flat" cmpd="sng">
+              <a:solidFill>
+                <a:schemeClr val="dk1"/>
+              </a:solidFill>
+              <a:prstDash val="solid"/>
+              <a:miter lim="15751"/>
+              <a:headEnd type="none" w="sm" len="sm"/>
+              <a:tailEnd type="none" w="sm" len="sm"/>
+            </a:ln>
+          </p:spPr>
+          <p:txBody>
+            <a:bodyPr spcFirstLastPara="1" wrap="square" lIns="91425" tIns="91425" rIns="91425" bIns="91425" anchor="ctr" anchorCtr="0">
+              <a:noAutofit/>
+            </a:bodyPr>
+            <a:lstStyle/>
+            <a:p>
+              <a:pPr marL="0" lvl="0" indent="0" algn="l" rtl="0">
+                <a:spcBef>
+                  <a:spcPts val="0"/>
+                </a:spcBef>
+                <a:spcAft>
+                  <a:spcPts val="0"/>
+                </a:spcAft>
+                <a:buNone/>
+              </a:pPr>
+              <a:endParaRPr/>
+            </a:p>
+          </p:txBody>
+        </p:sp>
+        <p:sp>
+          <p:nvSpPr>
+            <p:cNvPr id="60" name="Google Shape;888;p49">
+              <a:extLst>
+                <a:ext uri="{FF2B5EF4-FFF2-40B4-BE49-F238E27FC236}">
+                  <a16:creationId xmlns:a16="http://schemas.microsoft.com/office/drawing/2014/main" id="{219B7A67-6337-4190-9553-B3403A53B281}"/>
+                </a:ext>
+              </a:extLst>
+            </p:cNvPr>
+            <p:cNvSpPr/>
+            <p:nvPr/>
+          </p:nvSpPr>
+          <p:spPr>
+            <a:xfrm>
+              <a:off x="6588575" y="1249725"/>
+              <a:ext cx="97100" cy="91000"/>
+            </a:xfrm>
+            <a:custGeom>
+              <a:avLst/>
+              <a:gdLst/>
+              <a:ahLst/>
+              <a:cxnLst/>
+              <a:rect l="l" t="t" r="r" b="b"/>
+              <a:pathLst>
+                <a:path w="3884" h="3640" extrusionOk="0">
+                  <a:moveTo>
+                    <a:pt x="1881" y="0"/>
+                  </a:moveTo>
+                  <a:cubicBezTo>
+                    <a:pt x="975" y="0"/>
+                    <a:pt x="97" y="679"/>
+                    <a:pt x="56" y="1745"/>
+                  </a:cubicBezTo>
+                  <a:cubicBezTo>
+                    <a:pt x="1" y="2864"/>
+                    <a:pt x="917" y="3640"/>
+                    <a:pt x="1882" y="3640"/>
+                  </a:cubicBezTo>
+                  <a:cubicBezTo>
+                    <a:pt x="2302" y="3640"/>
+                    <a:pt x="2732" y="3493"/>
+                    <a:pt x="3096" y="3163"/>
+                  </a:cubicBezTo>
+                  <a:cubicBezTo>
+                    <a:pt x="3836" y="2485"/>
+                    <a:pt x="3883" y="1336"/>
+                    <a:pt x="3206" y="595"/>
+                  </a:cubicBezTo>
+                  <a:cubicBezTo>
+                    <a:pt x="2833" y="185"/>
+                    <a:pt x="2353" y="0"/>
+                    <a:pt x="1881" y="0"/>
+                  </a:cubicBezTo>
+                  <a:close/>
+                </a:path>
+              </a:pathLst>
+            </a:custGeom>
+            <a:solidFill>
+              <a:schemeClr val="dk1"/>
+            </a:solidFill>
+            <a:ln>
+              <a:noFill/>
+            </a:ln>
+          </p:spPr>
+          <p:txBody>
+            <a:bodyPr spcFirstLastPara="1" wrap="square" lIns="91425" tIns="91425" rIns="91425" bIns="91425" anchor="ctr" anchorCtr="0">
+              <a:noAutofit/>
+            </a:bodyPr>
+            <a:lstStyle/>
+            <a:p>
+              <a:pPr marL="0" lvl="0" indent="0" algn="l" rtl="0">
+                <a:spcBef>
+                  <a:spcPts val="0"/>
+                </a:spcBef>
+                <a:spcAft>
+                  <a:spcPts val="0"/>
+                </a:spcAft>
+                <a:buNone/>
+              </a:pPr>
+              <a:endParaRPr/>
+            </a:p>
+          </p:txBody>
+        </p:sp>
+        <p:sp>
+          <p:nvSpPr>
+            <p:cNvPr id="61" name="Google Shape;889;p49">
+              <a:extLst>
+                <a:ext uri="{FF2B5EF4-FFF2-40B4-BE49-F238E27FC236}">
+                  <a16:creationId xmlns:a16="http://schemas.microsoft.com/office/drawing/2014/main" id="{7AC7A008-528E-4C23-A74C-7C7208AA8BFB}"/>
+                </a:ext>
+              </a:extLst>
+            </p:cNvPr>
+            <p:cNvSpPr/>
+            <p:nvPr/>
+          </p:nvSpPr>
+          <p:spPr>
+            <a:xfrm>
+              <a:off x="6436850" y="1388850"/>
+              <a:ext cx="96825" cy="91125"/>
+            </a:xfrm>
+            <a:custGeom>
+              <a:avLst/>
+              <a:gdLst/>
+              <a:ahLst/>
+              <a:cxnLst/>
+              <a:rect l="l" t="t" r="r" b="b"/>
+              <a:pathLst>
+                <a:path w="3873" h="3645" extrusionOk="0">
+                  <a:moveTo>
+                    <a:pt x="1865" y="0"/>
+                  </a:moveTo>
+                  <a:cubicBezTo>
+                    <a:pt x="958" y="0"/>
+                    <a:pt x="86" y="678"/>
+                    <a:pt x="44" y="1740"/>
+                  </a:cubicBezTo>
+                  <a:cubicBezTo>
+                    <a:pt x="1" y="2868"/>
+                    <a:pt x="915" y="3645"/>
+                    <a:pt x="1878" y="3645"/>
+                  </a:cubicBezTo>
+                  <a:cubicBezTo>
+                    <a:pt x="2302" y="3645"/>
+                    <a:pt x="2735" y="3495"/>
+                    <a:pt x="3100" y="3158"/>
+                  </a:cubicBezTo>
+                  <a:cubicBezTo>
+                    <a:pt x="3825" y="2481"/>
+                    <a:pt x="3872" y="1331"/>
+                    <a:pt x="3210" y="606"/>
+                  </a:cubicBezTo>
+                  <a:cubicBezTo>
+                    <a:pt x="2830" y="188"/>
+                    <a:pt x="2343" y="0"/>
+                    <a:pt x="1865" y="0"/>
+                  </a:cubicBezTo>
+                  <a:close/>
+                </a:path>
+              </a:pathLst>
+            </a:custGeom>
+            <a:solidFill>
+              <a:schemeClr val="dk1"/>
+            </a:solidFill>
+            <a:ln>
+              <a:noFill/>
+            </a:ln>
+          </p:spPr>
+          <p:txBody>
+            <a:bodyPr spcFirstLastPara="1" wrap="square" lIns="91425" tIns="91425" rIns="91425" bIns="91425" anchor="ctr" anchorCtr="0">
+              <a:noAutofit/>
+            </a:bodyPr>
+            <a:lstStyle/>
+            <a:p>
+              <a:pPr marL="0" lvl="0" indent="0" algn="l" rtl="0">
+                <a:spcBef>
+                  <a:spcPts val="0"/>
+                </a:spcBef>
+                <a:spcAft>
+                  <a:spcPts val="0"/>
+                </a:spcAft>
+                <a:buNone/>
+              </a:pPr>
+              <a:endParaRPr/>
+            </a:p>
+          </p:txBody>
+        </p:sp>
+        <p:sp>
+          <p:nvSpPr>
+            <p:cNvPr id="62" name="Google Shape;890;p49">
+              <a:extLst>
+                <a:ext uri="{FF2B5EF4-FFF2-40B4-BE49-F238E27FC236}">
+                  <a16:creationId xmlns:a16="http://schemas.microsoft.com/office/drawing/2014/main" id="{2EB8F557-DB30-4AAB-92D2-82DB3ABBEF20}"/>
+                </a:ext>
+              </a:extLst>
+            </p:cNvPr>
+            <p:cNvSpPr/>
+            <p:nvPr/>
+          </p:nvSpPr>
+          <p:spPr>
+            <a:xfrm>
+              <a:off x="6568350" y="1394900"/>
+              <a:ext cx="121250" cy="91025"/>
+            </a:xfrm>
+            <a:custGeom>
+              <a:avLst/>
+              <a:gdLst/>
+              <a:ahLst/>
+              <a:cxnLst/>
+              <a:rect l="l" t="t" r="r" b="b"/>
+              <a:pathLst>
+                <a:path w="4850" h="3641" extrusionOk="0">
+                  <a:moveTo>
+                    <a:pt x="2425" y="1"/>
+                  </a:moveTo>
+                  <a:cubicBezTo>
+                    <a:pt x="852" y="1"/>
+                    <a:pt x="0" y="1880"/>
+                    <a:pt x="1085" y="3058"/>
+                  </a:cubicBezTo>
+                  <a:cubicBezTo>
+                    <a:pt x="1445" y="3443"/>
+                    <a:pt x="1937" y="3641"/>
+                    <a:pt x="2431" y="3641"/>
+                  </a:cubicBezTo>
+                  <a:cubicBezTo>
+                    <a:pt x="2868" y="3641"/>
+                    <a:pt x="3305" y="3486"/>
+                    <a:pt x="3653" y="3168"/>
+                  </a:cubicBezTo>
+                  <a:cubicBezTo>
+                    <a:pt x="4850" y="2081"/>
+                    <a:pt x="4125" y="81"/>
+                    <a:pt x="2503" y="2"/>
+                  </a:cubicBezTo>
+                  <a:cubicBezTo>
+                    <a:pt x="2477" y="1"/>
+                    <a:pt x="2451" y="1"/>
+                    <a:pt x="2425" y="1"/>
+                  </a:cubicBezTo>
+                  <a:close/>
+                </a:path>
+              </a:pathLst>
+            </a:custGeom>
+            <a:solidFill>
+              <a:schemeClr val="dk1"/>
+            </a:solidFill>
+            <a:ln>
+              <a:noFill/>
+            </a:ln>
+          </p:spPr>
+          <p:txBody>
+            <a:bodyPr spcFirstLastPara="1" wrap="square" lIns="91425" tIns="91425" rIns="91425" bIns="91425" anchor="ctr" anchorCtr="0">
+              <a:noAutofit/>
+            </a:bodyPr>
+            <a:lstStyle/>
+            <a:p>
+              <a:pPr marL="0" lvl="0" indent="0" algn="l" rtl="0">
+                <a:spcBef>
+                  <a:spcPts val="0"/>
+                </a:spcBef>
+                <a:spcAft>
+                  <a:spcPts val="0"/>
+                </a:spcAft>
+                <a:buNone/>
+              </a:pPr>
+              <a:endParaRPr/>
+            </a:p>
+          </p:txBody>
+        </p:sp>
+        <p:sp>
+          <p:nvSpPr>
+            <p:cNvPr id="63" name="Google Shape;891;p49">
+              <a:extLst>
+                <a:ext uri="{FF2B5EF4-FFF2-40B4-BE49-F238E27FC236}">
+                  <a16:creationId xmlns:a16="http://schemas.microsoft.com/office/drawing/2014/main" id="{7DA0AD2E-7EA2-4109-B045-938B9EAD8644}"/>
+                </a:ext>
+              </a:extLst>
+            </p:cNvPr>
+            <p:cNvSpPr/>
+            <p:nvPr/>
+          </p:nvSpPr>
+          <p:spPr>
+            <a:xfrm>
+              <a:off x="6429325" y="1243300"/>
+              <a:ext cx="120875" cy="90875"/>
+            </a:xfrm>
+            <a:custGeom>
+              <a:avLst/>
+              <a:gdLst/>
+              <a:ahLst/>
+              <a:cxnLst/>
+              <a:rect l="l" t="t" r="r" b="b"/>
+              <a:pathLst>
+                <a:path w="4835" h="3635" extrusionOk="0">
+                  <a:moveTo>
+                    <a:pt x="2426" y="0"/>
+                  </a:moveTo>
+                  <a:cubicBezTo>
+                    <a:pt x="853" y="0"/>
+                    <a:pt x="1" y="1880"/>
+                    <a:pt x="1086" y="3058"/>
+                  </a:cubicBezTo>
+                  <a:cubicBezTo>
+                    <a:pt x="1444" y="3440"/>
+                    <a:pt x="1929" y="3634"/>
+                    <a:pt x="2417" y="3634"/>
+                  </a:cubicBezTo>
+                  <a:cubicBezTo>
+                    <a:pt x="2852" y="3634"/>
+                    <a:pt x="3288" y="3480"/>
+                    <a:pt x="3637" y="3168"/>
+                  </a:cubicBezTo>
+                  <a:cubicBezTo>
+                    <a:pt x="4835" y="2065"/>
+                    <a:pt x="4110" y="80"/>
+                    <a:pt x="2503" y="2"/>
+                  </a:cubicBezTo>
+                  <a:cubicBezTo>
+                    <a:pt x="2477" y="1"/>
+                    <a:pt x="2451" y="0"/>
+                    <a:pt x="2426" y="0"/>
+                  </a:cubicBezTo>
+                  <a:close/>
+                </a:path>
+              </a:pathLst>
+            </a:custGeom>
+            <a:solidFill>
+              <a:schemeClr val="dk1"/>
+            </a:solidFill>
+            <a:ln>
+              <a:noFill/>
+            </a:ln>
+          </p:spPr>
+          <p:txBody>
+            <a:bodyPr spcFirstLastPara="1" wrap="square" lIns="91425" tIns="91425" rIns="91425" bIns="91425" anchor="ctr" anchorCtr="0">
+              <a:noAutofit/>
+            </a:bodyPr>
+            <a:lstStyle/>
+            <a:p>
+              <a:pPr marL="0" lvl="0" indent="0" algn="l" rtl="0">
+                <a:spcBef>
+                  <a:spcPts val="0"/>
+                </a:spcBef>
+                <a:spcAft>
+                  <a:spcPts val="0"/>
+                </a:spcAft>
+                <a:buNone/>
+              </a:pPr>
+              <a:endParaRPr/>
+            </a:p>
+          </p:txBody>
+        </p:sp>
+        <p:sp>
+          <p:nvSpPr>
+            <p:cNvPr id="64" name="Google Shape;892;p49">
+              <a:extLst>
+                <a:ext uri="{FF2B5EF4-FFF2-40B4-BE49-F238E27FC236}">
+                  <a16:creationId xmlns:a16="http://schemas.microsoft.com/office/drawing/2014/main" id="{BCDEC3D9-628D-4EDB-AA88-1367E5BAF85B}"/>
+                </a:ext>
+              </a:extLst>
+            </p:cNvPr>
+            <p:cNvSpPr/>
+            <p:nvPr/>
+          </p:nvSpPr>
+          <p:spPr>
+            <a:xfrm>
+              <a:off x="5988250" y="757275"/>
+              <a:ext cx="235900" cy="232200"/>
+            </a:xfrm>
+            <a:custGeom>
+              <a:avLst/>
+              <a:gdLst/>
+              <a:ahLst/>
+              <a:cxnLst/>
+              <a:rect l="l" t="t" r="r" b="b"/>
+              <a:pathLst>
+                <a:path w="9436" h="9288" extrusionOk="0">
+                  <a:moveTo>
+                    <a:pt x="2800" y="1"/>
+                  </a:moveTo>
+                  <a:cubicBezTo>
+                    <a:pt x="2633" y="1"/>
+                    <a:pt x="2465" y="60"/>
+                    <a:pt x="2331" y="178"/>
+                  </a:cubicBezTo>
+                  <a:lnTo>
+                    <a:pt x="473" y="1880"/>
+                  </a:lnTo>
+                  <a:cubicBezTo>
+                    <a:pt x="189" y="2147"/>
+                    <a:pt x="173" y="2588"/>
+                    <a:pt x="425" y="2872"/>
+                  </a:cubicBezTo>
+                  <a:lnTo>
+                    <a:pt x="1937" y="4526"/>
+                  </a:lnTo>
+                  <a:lnTo>
+                    <a:pt x="299" y="6038"/>
+                  </a:lnTo>
+                  <a:cubicBezTo>
+                    <a:pt x="16" y="6306"/>
+                    <a:pt x="0" y="6731"/>
+                    <a:pt x="252" y="7015"/>
+                  </a:cubicBezTo>
+                  <a:lnTo>
+                    <a:pt x="1953" y="8889"/>
+                  </a:lnTo>
+                  <a:cubicBezTo>
+                    <a:pt x="2093" y="9037"/>
+                    <a:pt x="2280" y="9112"/>
+                    <a:pt x="2467" y="9112"/>
+                  </a:cubicBezTo>
+                  <a:cubicBezTo>
+                    <a:pt x="2638" y="9112"/>
+                    <a:pt x="2810" y="9049"/>
+                    <a:pt x="2946" y="8921"/>
+                  </a:cubicBezTo>
+                  <a:lnTo>
+                    <a:pt x="4600" y="7408"/>
+                  </a:lnTo>
+                  <a:lnTo>
+                    <a:pt x="6112" y="9062"/>
+                  </a:lnTo>
+                  <a:cubicBezTo>
+                    <a:pt x="6253" y="9213"/>
+                    <a:pt x="6439" y="9288"/>
+                    <a:pt x="6625" y="9288"/>
+                  </a:cubicBezTo>
+                  <a:cubicBezTo>
+                    <a:pt x="6790" y="9288"/>
+                    <a:pt x="6955" y="9228"/>
+                    <a:pt x="7088" y="9110"/>
+                  </a:cubicBezTo>
+                  <a:lnTo>
+                    <a:pt x="8947" y="7393"/>
+                  </a:lnTo>
+                  <a:cubicBezTo>
+                    <a:pt x="9230" y="7141"/>
+                    <a:pt x="9262" y="6700"/>
+                    <a:pt x="8994" y="6416"/>
+                  </a:cubicBezTo>
+                  <a:lnTo>
+                    <a:pt x="7482" y="4762"/>
+                  </a:lnTo>
+                  <a:lnTo>
+                    <a:pt x="9136" y="3250"/>
+                  </a:lnTo>
+                  <a:cubicBezTo>
+                    <a:pt x="9420" y="2982"/>
+                    <a:pt x="9435" y="2541"/>
+                    <a:pt x="9167" y="2258"/>
+                  </a:cubicBezTo>
+                  <a:lnTo>
+                    <a:pt x="7466" y="399"/>
+                  </a:lnTo>
+                  <a:cubicBezTo>
+                    <a:pt x="7333" y="249"/>
+                    <a:pt x="7146" y="174"/>
+                    <a:pt x="6959" y="174"/>
+                  </a:cubicBezTo>
+                  <a:cubicBezTo>
+                    <a:pt x="6791" y="174"/>
+                    <a:pt x="6623" y="233"/>
+                    <a:pt x="6490" y="352"/>
+                  </a:cubicBezTo>
+                  <a:lnTo>
+                    <a:pt x="4836" y="1880"/>
+                  </a:lnTo>
+                  <a:lnTo>
+                    <a:pt x="3308" y="226"/>
+                  </a:lnTo>
+                  <a:cubicBezTo>
+                    <a:pt x="3174" y="76"/>
+                    <a:pt x="2988" y="1"/>
+                    <a:pt x="2800" y="1"/>
+                  </a:cubicBezTo>
+                  <a:close/>
+                </a:path>
+              </a:pathLst>
+            </a:custGeom>
+            <a:solidFill>
+              <a:schemeClr val="dk1"/>
+            </a:solidFill>
+            <a:ln>
+              <a:noFill/>
+            </a:ln>
+          </p:spPr>
+          <p:txBody>
+            <a:bodyPr spcFirstLastPara="1" wrap="square" lIns="91425" tIns="91425" rIns="91425" bIns="91425" anchor="ctr" anchorCtr="0">
+              <a:noAutofit/>
+            </a:bodyPr>
+            <a:lstStyle/>
+            <a:p>
+              <a:pPr marL="0" lvl="0" indent="0" algn="l" rtl="0">
+                <a:spcBef>
+                  <a:spcPts val="0"/>
+                </a:spcBef>
+                <a:spcAft>
+                  <a:spcPts val="0"/>
+                </a:spcAft>
+                <a:buNone/>
+              </a:pPr>
+              <a:endParaRPr/>
+            </a:p>
+          </p:txBody>
+        </p:sp>
+      </p:grpSp>
+      <p:grpSp>
+        <p:nvGrpSpPr>
+          <p:cNvPr id="65" name="Google Shape;893;p49">
+            <a:extLst>
+              <a:ext uri="{FF2B5EF4-FFF2-40B4-BE49-F238E27FC236}">
+                <a16:creationId xmlns:a16="http://schemas.microsoft.com/office/drawing/2014/main" id="{80CAA165-2C9E-4827-952D-0CE52890233F}"/>
+              </a:ext>
+            </a:extLst>
+          </p:cNvPr>
+          <p:cNvGrpSpPr/>
+          <p:nvPr/>
+        </p:nvGrpSpPr>
+        <p:grpSpPr>
+          <a:xfrm rot="-9987451" flipH="1">
+            <a:off x="2032423" y="-438909"/>
+            <a:ext cx="2078063" cy="2686329"/>
+            <a:chOff x="5523175" y="536475"/>
+            <a:chExt cx="1855175" cy="2398200"/>
+          </a:xfrm>
+        </p:grpSpPr>
+        <p:sp>
+          <p:nvSpPr>
+            <p:cNvPr id="66" name="Google Shape;894;p49">
+              <a:extLst>
+                <a:ext uri="{FF2B5EF4-FFF2-40B4-BE49-F238E27FC236}">
+                  <a16:creationId xmlns:a16="http://schemas.microsoft.com/office/drawing/2014/main" id="{85948F89-D1C4-4420-85C7-6014E44438CA}"/>
+                </a:ext>
+              </a:extLst>
+            </p:cNvPr>
+            <p:cNvSpPr/>
+            <p:nvPr/>
+          </p:nvSpPr>
+          <p:spPr>
+            <a:xfrm>
+              <a:off x="5523175" y="686500"/>
+              <a:ext cx="1855175" cy="2248175"/>
+            </a:xfrm>
+            <a:custGeom>
+              <a:avLst/>
+              <a:gdLst/>
+              <a:ahLst/>
+              <a:cxnLst/>
+              <a:rect l="l" t="t" r="r" b="b"/>
+              <a:pathLst>
+                <a:path w="74207" h="89927" fill="none" extrusionOk="0">
+                  <a:moveTo>
+                    <a:pt x="71749" y="8995"/>
+                  </a:moveTo>
+                  <a:cubicBezTo>
+                    <a:pt x="70048" y="5924"/>
+                    <a:pt x="67244" y="3514"/>
+                    <a:pt x="64062" y="2080"/>
+                  </a:cubicBezTo>
+                  <a:cubicBezTo>
+                    <a:pt x="60802" y="599"/>
+                    <a:pt x="57147" y="174"/>
+                    <a:pt x="53635" y="867"/>
+                  </a:cubicBezTo>
+                  <a:cubicBezTo>
+                    <a:pt x="49965" y="1592"/>
+                    <a:pt x="46546" y="3435"/>
+                    <a:pt x="43821" y="5939"/>
+                  </a:cubicBezTo>
+                  <a:cubicBezTo>
+                    <a:pt x="42498" y="7152"/>
+                    <a:pt x="41333" y="8523"/>
+                    <a:pt x="40340" y="10035"/>
+                  </a:cubicBezTo>
+                  <a:cubicBezTo>
+                    <a:pt x="40183" y="10287"/>
+                    <a:pt x="40592" y="10539"/>
+                    <a:pt x="40766" y="10271"/>
+                  </a:cubicBezTo>
+                  <a:cubicBezTo>
+                    <a:pt x="44766" y="4175"/>
+                    <a:pt x="52233" y="1"/>
+                    <a:pt x="59620" y="1230"/>
+                  </a:cubicBezTo>
+                  <a:cubicBezTo>
+                    <a:pt x="63086" y="1797"/>
+                    <a:pt x="66283" y="3435"/>
+                    <a:pt x="68788" y="5892"/>
+                  </a:cubicBezTo>
+                  <a:cubicBezTo>
+                    <a:pt x="71465" y="8570"/>
+                    <a:pt x="73293" y="12382"/>
+                    <a:pt x="72930" y="16241"/>
+                  </a:cubicBezTo>
+                  <a:cubicBezTo>
+                    <a:pt x="72741" y="18352"/>
+                    <a:pt x="71733" y="20210"/>
+                    <a:pt x="70347" y="21770"/>
+                  </a:cubicBezTo>
+                  <a:cubicBezTo>
+                    <a:pt x="69607" y="22604"/>
+                    <a:pt x="68788" y="23361"/>
+                    <a:pt x="67921" y="24054"/>
+                  </a:cubicBezTo>
+                  <a:cubicBezTo>
+                    <a:pt x="67984" y="23124"/>
+                    <a:pt x="67937" y="22195"/>
+                    <a:pt x="67780" y="21281"/>
+                  </a:cubicBezTo>
+                  <a:cubicBezTo>
+                    <a:pt x="67181" y="17989"/>
+                    <a:pt x="65023" y="14823"/>
+                    <a:pt x="61747" y="13784"/>
+                  </a:cubicBezTo>
+                  <a:cubicBezTo>
+                    <a:pt x="58864" y="12854"/>
+                    <a:pt x="55289" y="13658"/>
+                    <a:pt x="53351" y="16083"/>
+                  </a:cubicBezTo>
+                  <a:cubicBezTo>
+                    <a:pt x="51335" y="18604"/>
+                    <a:pt x="51729" y="22211"/>
+                    <a:pt x="53587" y="24699"/>
+                  </a:cubicBezTo>
+                  <a:cubicBezTo>
+                    <a:pt x="55777" y="27598"/>
+                    <a:pt x="59494" y="28259"/>
+                    <a:pt x="62865" y="27283"/>
+                  </a:cubicBezTo>
+                  <a:cubicBezTo>
+                    <a:pt x="64456" y="26810"/>
+                    <a:pt x="65952" y="26070"/>
+                    <a:pt x="67307" y="25109"/>
+                  </a:cubicBezTo>
+                  <a:cubicBezTo>
+                    <a:pt x="66882" y="27661"/>
+                    <a:pt x="65574" y="30071"/>
+                    <a:pt x="63889" y="32024"/>
+                  </a:cubicBezTo>
+                  <a:cubicBezTo>
+                    <a:pt x="58675" y="38025"/>
+                    <a:pt x="50390" y="39915"/>
+                    <a:pt x="42829" y="40766"/>
+                  </a:cubicBezTo>
+                  <a:cubicBezTo>
+                    <a:pt x="34512" y="41695"/>
+                    <a:pt x="25770" y="41601"/>
+                    <a:pt x="18052" y="45303"/>
+                  </a:cubicBezTo>
+                  <a:cubicBezTo>
+                    <a:pt x="11720" y="48343"/>
+                    <a:pt x="6553" y="53761"/>
+                    <a:pt x="3718" y="60188"/>
+                  </a:cubicBezTo>
+                  <a:cubicBezTo>
+                    <a:pt x="756" y="66835"/>
+                    <a:pt x="0" y="75435"/>
+                    <a:pt x="4568" y="81563"/>
+                  </a:cubicBezTo>
+                  <a:cubicBezTo>
+                    <a:pt x="9436" y="88100"/>
+                    <a:pt x="18004" y="89785"/>
+                    <a:pt x="25676" y="89895"/>
+                  </a:cubicBezTo>
+                  <a:cubicBezTo>
+                    <a:pt x="27897" y="89927"/>
+                    <a:pt x="30117" y="89848"/>
+                    <a:pt x="32338" y="89769"/>
+                  </a:cubicBezTo>
+                  <a:cubicBezTo>
+                    <a:pt x="32653" y="89769"/>
+                    <a:pt x="32653" y="89281"/>
+                    <a:pt x="32338" y="89281"/>
+                  </a:cubicBezTo>
+                  <a:cubicBezTo>
+                    <a:pt x="23848" y="89580"/>
+                    <a:pt x="14271" y="89785"/>
+                    <a:pt x="7404" y="83894"/>
+                  </a:cubicBezTo>
+                  <a:cubicBezTo>
+                    <a:pt x="4316" y="81248"/>
+                    <a:pt x="2473" y="77578"/>
+                    <a:pt x="1969" y="73545"/>
+                  </a:cubicBezTo>
+                  <a:cubicBezTo>
+                    <a:pt x="1481" y="69592"/>
+                    <a:pt x="2158" y="65543"/>
+                    <a:pt x="3545" y="61842"/>
+                  </a:cubicBezTo>
+                  <a:cubicBezTo>
+                    <a:pt x="6207" y="54864"/>
+                    <a:pt x="11389" y="49162"/>
+                    <a:pt x="18052" y="45838"/>
+                  </a:cubicBezTo>
+                  <a:cubicBezTo>
+                    <a:pt x="26054" y="41900"/>
+                    <a:pt x="35205" y="42199"/>
+                    <a:pt x="43853" y="41128"/>
+                  </a:cubicBezTo>
+                  <a:cubicBezTo>
+                    <a:pt x="51524" y="40183"/>
+                    <a:pt x="59888" y="38010"/>
+                    <a:pt x="64866" y="31599"/>
+                  </a:cubicBezTo>
+                  <a:cubicBezTo>
+                    <a:pt x="66409" y="29598"/>
+                    <a:pt x="67528" y="27204"/>
+                    <a:pt x="67858" y="24715"/>
+                  </a:cubicBezTo>
+                  <a:lnTo>
+                    <a:pt x="68016" y="24589"/>
+                  </a:lnTo>
+                  <a:cubicBezTo>
+                    <a:pt x="69528" y="23439"/>
+                    <a:pt x="70930" y="22053"/>
+                    <a:pt x="71954" y="20447"/>
+                  </a:cubicBezTo>
+                  <a:cubicBezTo>
+                    <a:pt x="74206" y="16934"/>
+                    <a:pt x="73702" y="12523"/>
+                    <a:pt x="71749" y="8995"/>
+                  </a:cubicBezTo>
+                  <a:close/>
+                  <a:moveTo>
+                    <a:pt x="65889" y="25440"/>
+                  </a:moveTo>
+                  <a:cubicBezTo>
+                    <a:pt x="62802" y="27235"/>
+                    <a:pt x="58628" y="28165"/>
+                    <a:pt x="55493" y="25912"/>
+                  </a:cubicBezTo>
+                  <a:cubicBezTo>
+                    <a:pt x="52926" y="24054"/>
+                    <a:pt x="51603" y="20242"/>
+                    <a:pt x="53115" y="17312"/>
+                  </a:cubicBezTo>
+                  <a:cubicBezTo>
+                    <a:pt x="54595" y="14492"/>
+                    <a:pt x="58203" y="13374"/>
+                    <a:pt x="61195" y="14114"/>
+                  </a:cubicBezTo>
+                  <a:cubicBezTo>
+                    <a:pt x="64598" y="14965"/>
+                    <a:pt x="66787" y="18210"/>
+                    <a:pt x="67339" y="21533"/>
+                  </a:cubicBezTo>
+                  <a:cubicBezTo>
+                    <a:pt x="67496" y="22494"/>
+                    <a:pt x="67528" y="23471"/>
+                    <a:pt x="67417" y="24447"/>
+                  </a:cubicBezTo>
+                  <a:cubicBezTo>
+                    <a:pt x="66929" y="24794"/>
+                    <a:pt x="66409" y="25140"/>
+                    <a:pt x="65889" y="25440"/>
+                  </a:cubicBezTo>
+                  <a:close/>
+                </a:path>
+              </a:pathLst>
+            </a:custGeom>
+            <a:noFill/>
+            <a:ln w="39375" cap="flat" cmpd="sng">
+              <a:solidFill>
+                <a:schemeClr val="dk1"/>
+              </a:solidFill>
+              <a:prstDash val="solid"/>
+              <a:miter lim="15751"/>
+              <a:headEnd type="none" w="sm" len="sm"/>
+              <a:tailEnd type="none" w="sm" len="sm"/>
+            </a:ln>
+          </p:spPr>
+          <p:txBody>
+            <a:bodyPr spcFirstLastPara="1" wrap="square" lIns="91425" tIns="91425" rIns="91425" bIns="91425" anchor="ctr" anchorCtr="0">
+              <a:noAutofit/>
+            </a:bodyPr>
+            <a:lstStyle/>
+            <a:p>
+              <a:pPr marL="0" lvl="0" indent="0" algn="l" rtl="0">
+                <a:spcBef>
+                  <a:spcPts val="0"/>
+                </a:spcBef>
+                <a:spcAft>
+                  <a:spcPts val="0"/>
+                </a:spcAft>
+                <a:buNone/>
+              </a:pPr>
+              <a:endParaRPr/>
+            </a:p>
+          </p:txBody>
+        </p:sp>
+        <p:sp>
+          <p:nvSpPr>
+            <p:cNvPr id="67" name="Google Shape;895;p49">
+              <a:extLst>
+                <a:ext uri="{FF2B5EF4-FFF2-40B4-BE49-F238E27FC236}">
+                  <a16:creationId xmlns:a16="http://schemas.microsoft.com/office/drawing/2014/main" id="{503F708F-A9E5-4C0B-BC3F-D236B324531E}"/>
+                </a:ext>
+              </a:extLst>
+            </p:cNvPr>
+            <p:cNvSpPr/>
+            <p:nvPr/>
+          </p:nvSpPr>
+          <p:spPr>
+            <a:xfrm>
+              <a:off x="6472200" y="834425"/>
+              <a:ext cx="166600" cy="174625"/>
+            </a:xfrm>
+            <a:custGeom>
+              <a:avLst/>
+              <a:gdLst/>
+              <a:ahLst/>
+              <a:cxnLst/>
+              <a:rect l="l" t="t" r="r" b="b"/>
+              <a:pathLst>
+                <a:path w="6664" h="6985" extrusionOk="0">
+                  <a:moveTo>
+                    <a:pt x="1386" y="0"/>
+                  </a:moveTo>
+                  <a:cubicBezTo>
+                    <a:pt x="1261" y="0"/>
+                    <a:pt x="1137" y="44"/>
+                    <a:pt x="1040" y="133"/>
+                  </a:cubicBezTo>
+                  <a:lnTo>
+                    <a:pt x="1" y="1093"/>
+                  </a:lnTo>
+                  <a:lnTo>
+                    <a:pt x="5388" y="6984"/>
+                  </a:lnTo>
+                  <a:lnTo>
+                    <a:pt x="6443" y="6024"/>
+                  </a:lnTo>
+                  <a:cubicBezTo>
+                    <a:pt x="6648" y="5835"/>
+                    <a:pt x="6664" y="5504"/>
+                    <a:pt x="6475" y="5283"/>
+                  </a:cubicBezTo>
+                  <a:lnTo>
+                    <a:pt x="1781" y="164"/>
+                  </a:lnTo>
+                  <a:cubicBezTo>
+                    <a:pt x="1672" y="56"/>
+                    <a:pt x="1528" y="0"/>
+                    <a:pt x="1386" y="0"/>
+                  </a:cubicBezTo>
+                  <a:close/>
+                </a:path>
+              </a:pathLst>
+            </a:custGeom>
+            <a:solidFill>
+              <a:schemeClr val="dk1"/>
+            </a:solidFill>
+            <a:ln>
+              <a:noFill/>
+            </a:ln>
+          </p:spPr>
+          <p:txBody>
+            <a:bodyPr spcFirstLastPara="1" wrap="square" lIns="91425" tIns="91425" rIns="91425" bIns="91425" anchor="ctr" anchorCtr="0">
+              <a:noAutofit/>
+            </a:bodyPr>
+            <a:lstStyle/>
+            <a:p>
+              <a:pPr marL="0" lvl="0" indent="0" algn="l" rtl="0">
+                <a:spcBef>
+                  <a:spcPts val="0"/>
+                </a:spcBef>
+                <a:spcAft>
+                  <a:spcPts val="0"/>
+                </a:spcAft>
+                <a:buNone/>
+              </a:pPr>
+              <a:endParaRPr/>
+            </a:p>
+          </p:txBody>
+        </p:sp>
+        <p:sp>
+          <p:nvSpPr>
+            <p:cNvPr id="68" name="Google Shape;896;p49">
+              <a:extLst>
+                <a:ext uri="{FF2B5EF4-FFF2-40B4-BE49-F238E27FC236}">
+                  <a16:creationId xmlns:a16="http://schemas.microsoft.com/office/drawing/2014/main" id="{1B8C45A5-142A-4663-A88E-B648C395BA32}"/>
+                </a:ext>
+              </a:extLst>
+            </p:cNvPr>
+            <p:cNvSpPr/>
+            <p:nvPr/>
+          </p:nvSpPr>
+          <p:spPr>
+            <a:xfrm>
+              <a:off x="5781100" y="536475"/>
+              <a:ext cx="1068775" cy="1147125"/>
+            </a:xfrm>
+            <a:custGeom>
+              <a:avLst/>
+              <a:gdLst/>
+              <a:ahLst/>
+              <a:cxnLst/>
+              <a:rect l="l" t="t" r="r" b="b"/>
+              <a:pathLst>
+                <a:path w="42751" h="45885" fill="none" extrusionOk="0">
+                  <a:moveTo>
+                    <a:pt x="39143" y="25565"/>
+                  </a:moveTo>
+                  <a:lnTo>
+                    <a:pt x="21454" y="6285"/>
+                  </a:lnTo>
+                  <a:cubicBezTo>
+                    <a:pt x="15705" y="1"/>
+                    <a:pt x="5325" y="2237"/>
+                    <a:pt x="2663" y="10334"/>
+                  </a:cubicBezTo>
+                  <a:cubicBezTo>
+                    <a:pt x="1" y="18430"/>
+                    <a:pt x="7042" y="26385"/>
+                    <a:pt x="15390" y="24746"/>
+                  </a:cubicBezTo>
+                  <a:lnTo>
+                    <a:pt x="20226" y="30023"/>
+                  </a:lnTo>
+                  <a:cubicBezTo>
+                    <a:pt x="17879" y="38198"/>
+                    <a:pt x="25203" y="45885"/>
+                    <a:pt x="33489" y="43932"/>
+                  </a:cubicBezTo>
+                  <a:cubicBezTo>
+                    <a:pt x="37332" y="43034"/>
+                    <a:pt x="40419" y="40151"/>
+                    <a:pt x="41585" y="36371"/>
+                  </a:cubicBezTo>
+                  <a:cubicBezTo>
+                    <a:pt x="42751" y="32591"/>
+                    <a:pt x="41821" y="28479"/>
+                    <a:pt x="39143" y="25565"/>
+                  </a:cubicBezTo>
+                  <a:close/>
+                </a:path>
+              </a:pathLst>
+            </a:custGeom>
+            <a:noFill/>
+            <a:ln w="49225" cap="flat" cmpd="sng">
+              <a:solidFill>
+                <a:schemeClr val="dk1"/>
+              </a:solidFill>
+              <a:prstDash val="solid"/>
+              <a:miter lim="15751"/>
+              <a:headEnd type="none" w="sm" len="sm"/>
+              <a:tailEnd type="none" w="sm" len="sm"/>
+            </a:ln>
+          </p:spPr>
+          <p:txBody>
+            <a:bodyPr spcFirstLastPara="1" wrap="square" lIns="91425" tIns="91425" rIns="91425" bIns="91425" anchor="ctr" anchorCtr="0">
+              <a:noAutofit/>
+            </a:bodyPr>
+            <a:lstStyle/>
+            <a:p>
+              <a:pPr marL="0" lvl="0" indent="0" algn="l" rtl="0">
+                <a:spcBef>
+                  <a:spcPts val="0"/>
+                </a:spcBef>
+                <a:spcAft>
+                  <a:spcPts val="0"/>
+                </a:spcAft>
+                <a:buNone/>
+              </a:pPr>
+              <a:endParaRPr/>
+            </a:p>
+          </p:txBody>
+        </p:sp>
+        <p:sp>
+          <p:nvSpPr>
+            <p:cNvPr id="69" name="Google Shape;897;p49">
+              <a:extLst>
+                <a:ext uri="{FF2B5EF4-FFF2-40B4-BE49-F238E27FC236}">
+                  <a16:creationId xmlns:a16="http://schemas.microsoft.com/office/drawing/2014/main" id="{183688E5-53DF-4773-8D81-CC545276BF6E}"/>
+                </a:ext>
+              </a:extLst>
+            </p:cNvPr>
+            <p:cNvSpPr/>
+            <p:nvPr/>
+          </p:nvSpPr>
+          <p:spPr>
+            <a:xfrm>
+              <a:off x="6588575" y="1249725"/>
+              <a:ext cx="97100" cy="91000"/>
+            </a:xfrm>
+            <a:custGeom>
+              <a:avLst/>
+              <a:gdLst/>
+              <a:ahLst/>
+              <a:cxnLst/>
+              <a:rect l="l" t="t" r="r" b="b"/>
+              <a:pathLst>
+                <a:path w="3884" h="3640" extrusionOk="0">
+                  <a:moveTo>
+                    <a:pt x="1881" y="0"/>
+                  </a:moveTo>
+                  <a:cubicBezTo>
+                    <a:pt x="975" y="0"/>
+                    <a:pt x="97" y="679"/>
+                    <a:pt x="56" y="1745"/>
+                  </a:cubicBezTo>
+                  <a:cubicBezTo>
+                    <a:pt x="1" y="2864"/>
+                    <a:pt x="917" y="3640"/>
+                    <a:pt x="1882" y="3640"/>
+                  </a:cubicBezTo>
+                  <a:cubicBezTo>
+                    <a:pt x="2302" y="3640"/>
+                    <a:pt x="2732" y="3493"/>
+                    <a:pt x="3096" y="3163"/>
+                  </a:cubicBezTo>
+                  <a:cubicBezTo>
+                    <a:pt x="3836" y="2485"/>
+                    <a:pt x="3883" y="1336"/>
+                    <a:pt x="3206" y="595"/>
+                  </a:cubicBezTo>
+                  <a:cubicBezTo>
+                    <a:pt x="2833" y="185"/>
+                    <a:pt x="2353" y="0"/>
+                    <a:pt x="1881" y="0"/>
+                  </a:cubicBezTo>
+                  <a:close/>
+                </a:path>
+              </a:pathLst>
+            </a:custGeom>
+            <a:solidFill>
+              <a:schemeClr val="dk1"/>
+            </a:solidFill>
+            <a:ln>
+              <a:noFill/>
+            </a:ln>
+          </p:spPr>
+          <p:txBody>
+            <a:bodyPr spcFirstLastPara="1" wrap="square" lIns="91425" tIns="91425" rIns="91425" bIns="91425" anchor="ctr" anchorCtr="0">
+              <a:noAutofit/>
+            </a:bodyPr>
+            <a:lstStyle/>
+            <a:p>
+              <a:pPr marL="0" lvl="0" indent="0" algn="l" rtl="0">
+                <a:spcBef>
+                  <a:spcPts val="0"/>
+                </a:spcBef>
+                <a:spcAft>
+                  <a:spcPts val="0"/>
+                </a:spcAft>
+                <a:buNone/>
+              </a:pPr>
+              <a:endParaRPr/>
+            </a:p>
+          </p:txBody>
+        </p:sp>
+        <p:sp>
+          <p:nvSpPr>
+            <p:cNvPr id="70" name="Google Shape;898;p49">
+              <a:extLst>
+                <a:ext uri="{FF2B5EF4-FFF2-40B4-BE49-F238E27FC236}">
+                  <a16:creationId xmlns:a16="http://schemas.microsoft.com/office/drawing/2014/main" id="{7E512391-3720-4F84-BE7E-59BC6524DD8D}"/>
+                </a:ext>
+              </a:extLst>
+            </p:cNvPr>
+            <p:cNvSpPr/>
+            <p:nvPr/>
+          </p:nvSpPr>
+          <p:spPr>
+            <a:xfrm>
+              <a:off x="6436850" y="1388850"/>
+              <a:ext cx="96825" cy="91125"/>
+            </a:xfrm>
+            <a:custGeom>
+              <a:avLst/>
+              <a:gdLst/>
+              <a:ahLst/>
+              <a:cxnLst/>
+              <a:rect l="l" t="t" r="r" b="b"/>
+              <a:pathLst>
+                <a:path w="3873" h="3645" extrusionOk="0">
+                  <a:moveTo>
+                    <a:pt x="1865" y="0"/>
+                  </a:moveTo>
+                  <a:cubicBezTo>
+                    <a:pt x="958" y="0"/>
+                    <a:pt x="86" y="678"/>
+                    <a:pt x="44" y="1740"/>
+                  </a:cubicBezTo>
+                  <a:cubicBezTo>
+                    <a:pt x="1" y="2868"/>
+                    <a:pt x="915" y="3645"/>
+                    <a:pt x="1878" y="3645"/>
+                  </a:cubicBezTo>
+                  <a:cubicBezTo>
+                    <a:pt x="2302" y="3645"/>
+                    <a:pt x="2735" y="3495"/>
+                    <a:pt x="3100" y="3158"/>
+                  </a:cubicBezTo>
+                  <a:cubicBezTo>
+                    <a:pt x="3825" y="2481"/>
+                    <a:pt x="3872" y="1331"/>
+                    <a:pt x="3210" y="606"/>
+                  </a:cubicBezTo>
+                  <a:cubicBezTo>
+                    <a:pt x="2830" y="188"/>
+                    <a:pt x="2343" y="0"/>
+                    <a:pt x="1865" y="0"/>
+                  </a:cubicBezTo>
+                  <a:close/>
+                </a:path>
+              </a:pathLst>
+            </a:custGeom>
+            <a:solidFill>
+              <a:schemeClr val="dk1"/>
+            </a:solidFill>
+            <a:ln>
+              <a:noFill/>
+            </a:ln>
+          </p:spPr>
+          <p:txBody>
+            <a:bodyPr spcFirstLastPara="1" wrap="square" lIns="91425" tIns="91425" rIns="91425" bIns="91425" anchor="ctr" anchorCtr="0">
+              <a:noAutofit/>
+            </a:bodyPr>
+            <a:lstStyle/>
+            <a:p>
+              <a:pPr marL="0" lvl="0" indent="0" algn="l" rtl="0">
+                <a:spcBef>
+                  <a:spcPts val="0"/>
+                </a:spcBef>
+                <a:spcAft>
+                  <a:spcPts val="0"/>
+                </a:spcAft>
+                <a:buNone/>
+              </a:pPr>
+              <a:endParaRPr/>
+            </a:p>
+          </p:txBody>
+        </p:sp>
+        <p:sp>
+          <p:nvSpPr>
+            <p:cNvPr id="71" name="Google Shape;899;p49">
+              <a:extLst>
+                <a:ext uri="{FF2B5EF4-FFF2-40B4-BE49-F238E27FC236}">
+                  <a16:creationId xmlns:a16="http://schemas.microsoft.com/office/drawing/2014/main" id="{D51A7220-9EBD-4ACD-BE3A-F22752ACA8A5}"/>
+                </a:ext>
+              </a:extLst>
+            </p:cNvPr>
+            <p:cNvSpPr/>
+            <p:nvPr/>
+          </p:nvSpPr>
+          <p:spPr>
+            <a:xfrm>
+              <a:off x="6568350" y="1394900"/>
+              <a:ext cx="121250" cy="91025"/>
+            </a:xfrm>
+            <a:custGeom>
+              <a:avLst/>
+              <a:gdLst/>
+              <a:ahLst/>
+              <a:cxnLst/>
+              <a:rect l="l" t="t" r="r" b="b"/>
+              <a:pathLst>
+                <a:path w="4850" h="3641" extrusionOk="0">
+                  <a:moveTo>
+                    <a:pt x="2425" y="1"/>
+                  </a:moveTo>
+                  <a:cubicBezTo>
+                    <a:pt x="852" y="1"/>
+                    <a:pt x="0" y="1880"/>
+                    <a:pt x="1085" y="3058"/>
+                  </a:cubicBezTo>
+                  <a:cubicBezTo>
+                    <a:pt x="1445" y="3443"/>
+                    <a:pt x="1937" y="3641"/>
+                    <a:pt x="2431" y="3641"/>
+                  </a:cubicBezTo>
+                  <a:cubicBezTo>
+                    <a:pt x="2868" y="3641"/>
+                    <a:pt x="3305" y="3486"/>
+                    <a:pt x="3653" y="3168"/>
+                  </a:cubicBezTo>
+                  <a:cubicBezTo>
+                    <a:pt x="4850" y="2081"/>
+                    <a:pt x="4125" y="81"/>
+                    <a:pt x="2503" y="2"/>
+                  </a:cubicBezTo>
+                  <a:cubicBezTo>
+                    <a:pt x="2477" y="1"/>
+                    <a:pt x="2451" y="1"/>
+                    <a:pt x="2425" y="1"/>
+                  </a:cubicBezTo>
+                  <a:close/>
+                </a:path>
+              </a:pathLst>
+            </a:custGeom>
+            <a:solidFill>
+              <a:schemeClr val="dk1"/>
+            </a:solidFill>
+            <a:ln>
+              <a:noFill/>
+            </a:ln>
+          </p:spPr>
+          <p:txBody>
+            <a:bodyPr spcFirstLastPara="1" wrap="square" lIns="91425" tIns="91425" rIns="91425" bIns="91425" anchor="ctr" anchorCtr="0">
+              <a:noAutofit/>
+            </a:bodyPr>
+            <a:lstStyle/>
+            <a:p>
+              <a:pPr marL="0" lvl="0" indent="0" algn="l" rtl="0">
+                <a:spcBef>
+                  <a:spcPts val="0"/>
+                </a:spcBef>
+                <a:spcAft>
+                  <a:spcPts val="0"/>
+                </a:spcAft>
+                <a:buNone/>
+              </a:pPr>
+              <a:endParaRPr/>
+            </a:p>
+          </p:txBody>
+        </p:sp>
+        <p:sp>
+          <p:nvSpPr>
+            <p:cNvPr id="72" name="Google Shape;900;p49">
+              <a:extLst>
+                <a:ext uri="{FF2B5EF4-FFF2-40B4-BE49-F238E27FC236}">
+                  <a16:creationId xmlns:a16="http://schemas.microsoft.com/office/drawing/2014/main" id="{02AB4F64-C6A8-480E-AD3A-B8334BE6486D}"/>
+                </a:ext>
+              </a:extLst>
+            </p:cNvPr>
+            <p:cNvSpPr/>
+            <p:nvPr/>
+          </p:nvSpPr>
+          <p:spPr>
+            <a:xfrm>
+              <a:off x="6429325" y="1243300"/>
+              <a:ext cx="120875" cy="90875"/>
+            </a:xfrm>
+            <a:custGeom>
+              <a:avLst/>
+              <a:gdLst/>
+              <a:ahLst/>
+              <a:cxnLst/>
+              <a:rect l="l" t="t" r="r" b="b"/>
+              <a:pathLst>
+                <a:path w="4835" h="3635" extrusionOk="0">
+                  <a:moveTo>
+                    <a:pt x="2426" y="0"/>
+                  </a:moveTo>
+                  <a:cubicBezTo>
+                    <a:pt x="853" y="0"/>
+                    <a:pt x="1" y="1880"/>
+                    <a:pt x="1086" y="3058"/>
+                  </a:cubicBezTo>
+                  <a:cubicBezTo>
+                    <a:pt x="1444" y="3440"/>
+                    <a:pt x="1929" y="3634"/>
+                    <a:pt x="2417" y="3634"/>
+                  </a:cubicBezTo>
+                  <a:cubicBezTo>
+                    <a:pt x="2852" y="3634"/>
+                    <a:pt x="3288" y="3480"/>
+                    <a:pt x="3637" y="3168"/>
+                  </a:cubicBezTo>
+                  <a:cubicBezTo>
+                    <a:pt x="4835" y="2065"/>
+                    <a:pt x="4110" y="80"/>
+                    <a:pt x="2503" y="2"/>
+                  </a:cubicBezTo>
+                  <a:cubicBezTo>
+                    <a:pt x="2477" y="1"/>
+                    <a:pt x="2451" y="0"/>
+                    <a:pt x="2426" y="0"/>
+                  </a:cubicBezTo>
+                  <a:close/>
+                </a:path>
+              </a:pathLst>
+            </a:custGeom>
+            <a:solidFill>
+              <a:schemeClr val="dk1"/>
+            </a:solidFill>
+            <a:ln>
+              <a:noFill/>
+            </a:ln>
+          </p:spPr>
+          <p:txBody>
+            <a:bodyPr spcFirstLastPara="1" wrap="square" lIns="91425" tIns="91425" rIns="91425" bIns="91425" anchor="ctr" anchorCtr="0">
+              <a:noAutofit/>
+            </a:bodyPr>
+            <a:lstStyle/>
+            <a:p>
+              <a:pPr marL="0" lvl="0" indent="0" algn="l" rtl="0">
+                <a:spcBef>
+                  <a:spcPts val="0"/>
+                </a:spcBef>
+                <a:spcAft>
+                  <a:spcPts val="0"/>
+                </a:spcAft>
+                <a:buNone/>
+              </a:pPr>
+              <a:endParaRPr/>
+            </a:p>
+          </p:txBody>
+        </p:sp>
+        <p:sp>
+          <p:nvSpPr>
+            <p:cNvPr id="73" name="Google Shape;901;p49">
+              <a:extLst>
+                <a:ext uri="{FF2B5EF4-FFF2-40B4-BE49-F238E27FC236}">
+                  <a16:creationId xmlns:a16="http://schemas.microsoft.com/office/drawing/2014/main" id="{41428FFE-0A93-4D67-98E2-B97B78F4279A}"/>
+                </a:ext>
+              </a:extLst>
+            </p:cNvPr>
+            <p:cNvSpPr/>
+            <p:nvPr/>
+          </p:nvSpPr>
+          <p:spPr>
+            <a:xfrm>
+              <a:off x="5988250" y="757275"/>
+              <a:ext cx="235900" cy="232200"/>
+            </a:xfrm>
+            <a:custGeom>
+              <a:avLst/>
+              <a:gdLst/>
+              <a:ahLst/>
+              <a:cxnLst/>
+              <a:rect l="l" t="t" r="r" b="b"/>
+              <a:pathLst>
+                <a:path w="9436" h="9288" extrusionOk="0">
+                  <a:moveTo>
+                    <a:pt x="2800" y="1"/>
+                  </a:moveTo>
+                  <a:cubicBezTo>
+                    <a:pt x="2633" y="1"/>
+                    <a:pt x="2465" y="60"/>
+                    <a:pt x="2331" y="178"/>
+                  </a:cubicBezTo>
+                  <a:lnTo>
+                    <a:pt x="473" y="1880"/>
+                  </a:lnTo>
+                  <a:cubicBezTo>
+                    <a:pt x="189" y="2147"/>
+                    <a:pt x="173" y="2588"/>
+                    <a:pt x="425" y="2872"/>
+                  </a:cubicBezTo>
+                  <a:lnTo>
+                    <a:pt x="1937" y="4526"/>
+                  </a:lnTo>
+                  <a:lnTo>
+                    <a:pt x="299" y="6038"/>
+                  </a:lnTo>
+                  <a:cubicBezTo>
+                    <a:pt x="16" y="6306"/>
+                    <a:pt x="0" y="6731"/>
+                    <a:pt x="252" y="7015"/>
+                  </a:cubicBezTo>
+                  <a:lnTo>
+                    <a:pt x="1953" y="8889"/>
+                  </a:lnTo>
+                  <a:cubicBezTo>
+                    <a:pt x="2093" y="9037"/>
+                    <a:pt x="2280" y="9112"/>
+                    <a:pt x="2467" y="9112"/>
+                  </a:cubicBezTo>
+                  <a:cubicBezTo>
+                    <a:pt x="2638" y="9112"/>
+                    <a:pt x="2810" y="9049"/>
+                    <a:pt x="2946" y="8921"/>
+                  </a:cubicBezTo>
+                  <a:lnTo>
+                    <a:pt x="4600" y="7408"/>
+                  </a:lnTo>
+                  <a:lnTo>
+                    <a:pt x="6112" y="9062"/>
+                  </a:lnTo>
+                  <a:cubicBezTo>
+                    <a:pt x="6253" y="9213"/>
+                    <a:pt x="6439" y="9288"/>
+                    <a:pt x="6625" y="9288"/>
+                  </a:cubicBezTo>
+                  <a:cubicBezTo>
+                    <a:pt x="6790" y="9288"/>
+                    <a:pt x="6955" y="9228"/>
+                    <a:pt x="7088" y="9110"/>
+                  </a:cubicBezTo>
+                  <a:lnTo>
+                    <a:pt x="8947" y="7393"/>
+                  </a:lnTo>
+                  <a:cubicBezTo>
+                    <a:pt x="9230" y="7141"/>
+                    <a:pt x="9262" y="6700"/>
+                    <a:pt x="8994" y="6416"/>
+                  </a:cubicBezTo>
+                  <a:lnTo>
+                    <a:pt x="7482" y="4762"/>
+                  </a:lnTo>
+                  <a:lnTo>
+                    <a:pt x="9136" y="3250"/>
+                  </a:lnTo>
+                  <a:cubicBezTo>
+                    <a:pt x="9420" y="2982"/>
+                    <a:pt x="9435" y="2541"/>
+                    <a:pt x="9167" y="2258"/>
+                  </a:cubicBezTo>
+                  <a:lnTo>
+                    <a:pt x="7466" y="399"/>
+                  </a:lnTo>
+                  <a:cubicBezTo>
+                    <a:pt x="7333" y="249"/>
+                    <a:pt x="7146" y="174"/>
+                    <a:pt x="6959" y="174"/>
+                  </a:cubicBezTo>
+                  <a:cubicBezTo>
+                    <a:pt x="6791" y="174"/>
+                    <a:pt x="6623" y="233"/>
+                    <a:pt x="6490" y="352"/>
+                  </a:cubicBezTo>
+                  <a:lnTo>
+                    <a:pt x="4836" y="1880"/>
+                  </a:lnTo>
+                  <a:lnTo>
+                    <a:pt x="3308" y="226"/>
+                  </a:lnTo>
+                  <a:cubicBezTo>
+                    <a:pt x="3174" y="76"/>
+                    <a:pt x="2988" y="1"/>
+                    <a:pt x="2800" y="1"/>
+                  </a:cubicBezTo>
+                  <a:close/>
+                </a:path>
+              </a:pathLst>
+            </a:custGeom>
+            <a:solidFill>
+              <a:schemeClr val="dk1"/>
+            </a:solidFill>
+            <a:ln>
+              <a:noFill/>
+            </a:ln>
+          </p:spPr>
+          <p:txBody>
+            <a:bodyPr spcFirstLastPara="1" wrap="square" lIns="91425" tIns="91425" rIns="91425" bIns="91425" anchor="ctr" anchorCtr="0">
+              <a:noAutofit/>
+            </a:bodyPr>
+            <a:lstStyle/>
+            <a:p>
+              <a:pPr marL="0" lvl="0" indent="0" algn="l" rtl="0">
+                <a:spcBef>
+                  <a:spcPts val="0"/>
+                </a:spcBef>
+                <a:spcAft>
+                  <a:spcPts val="0"/>
+                </a:spcAft>
+                <a:buNone/>
+              </a:pPr>
+              <a:endParaRPr/>
+            </a:p>
+          </p:txBody>
+        </p:sp>
+      </p:grpSp>
+      <p:grpSp>
+        <p:nvGrpSpPr>
+          <p:cNvPr id="74" name="Google Shape;902;p49">
+            <a:extLst>
+              <a:ext uri="{FF2B5EF4-FFF2-40B4-BE49-F238E27FC236}">
+                <a16:creationId xmlns:a16="http://schemas.microsoft.com/office/drawing/2014/main" id="{B56287D9-00DD-4DD9-86E8-5C7BB1E7F3C1}"/>
+              </a:ext>
+            </a:extLst>
+          </p:cNvPr>
+          <p:cNvGrpSpPr/>
+          <p:nvPr/>
+        </p:nvGrpSpPr>
+        <p:grpSpPr>
+          <a:xfrm rot="-1568536" flipH="1">
+            <a:off x="402321" y="1091642"/>
+            <a:ext cx="925447" cy="598598"/>
+            <a:chOff x="3765675" y="2533375"/>
+            <a:chExt cx="925450" cy="598600"/>
+          </a:xfrm>
+        </p:grpSpPr>
+        <p:sp>
+          <p:nvSpPr>
+            <p:cNvPr id="75" name="Google Shape;903;p49">
+              <a:extLst>
+                <a:ext uri="{FF2B5EF4-FFF2-40B4-BE49-F238E27FC236}">
+                  <a16:creationId xmlns:a16="http://schemas.microsoft.com/office/drawing/2014/main" id="{C2B17730-2A8E-4858-A687-C330D03E675E}"/>
+                </a:ext>
+              </a:extLst>
+            </p:cNvPr>
+            <p:cNvSpPr/>
+            <p:nvPr/>
+          </p:nvSpPr>
+          <p:spPr>
+            <a:xfrm>
+              <a:off x="4085050" y="2533375"/>
+              <a:ext cx="284350" cy="284350"/>
+            </a:xfrm>
+            <a:custGeom>
+              <a:avLst/>
+              <a:gdLst/>
+              <a:ahLst/>
+              <a:cxnLst/>
+              <a:rect l="l" t="t" r="r" b="b"/>
+              <a:pathLst>
+                <a:path w="11374" h="11374" extrusionOk="0">
+                  <a:moveTo>
+                    <a:pt x="9404" y="1970"/>
+                  </a:moveTo>
+                  <a:lnTo>
+                    <a:pt x="9404" y="9405"/>
+                  </a:lnTo>
+                  <a:lnTo>
+                    <a:pt x="1969" y="9405"/>
+                  </a:lnTo>
+                  <a:lnTo>
+                    <a:pt x="1969" y="1970"/>
+                  </a:lnTo>
+                  <a:close/>
+                  <a:moveTo>
+                    <a:pt x="1497" y="1"/>
+                  </a:moveTo>
+                  <a:cubicBezTo>
+                    <a:pt x="678" y="1"/>
+                    <a:pt x="1" y="678"/>
+                    <a:pt x="1" y="1497"/>
+                  </a:cubicBezTo>
+                  <a:lnTo>
+                    <a:pt x="1" y="9877"/>
+                  </a:lnTo>
+                  <a:cubicBezTo>
+                    <a:pt x="1" y="10712"/>
+                    <a:pt x="678" y="11374"/>
+                    <a:pt x="1497" y="11374"/>
+                  </a:cubicBezTo>
+                  <a:lnTo>
+                    <a:pt x="9877" y="11374"/>
+                  </a:lnTo>
+                  <a:cubicBezTo>
+                    <a:pt x="10696" y="11374"/>
+                    <a:pt x="11373" y="10712"/>
+                    <a:pt x="11373" y="9877"/>
+                  </a:cubicBezTo>
+                  <a:lnTo>
+                    <a:pt x="11373" y="1497"/>
+                  </a:lnTo>
+                  <a:cubicBezTo>
+                    <a:pt x="11373" y="678"/>
+                    <a:pt x="10696" y="1"/>
+                    <a:pt x="9877" y="1"/>
+                  </a:cubicBezTo>
+                  <a:close/>
+                </a:path>
+              </a:pathLst>
+            </a:custGeom>
+            <a:solidFill>
+              <a:schemeClr val="dk1"/>
+            </a:solidFill>
+            <a:ln>
+              <a:noFill/>
+            </a:ln>
+          </p:spPr>
+          <p:txBody>
+            <a:bodyPr spcFirstLastPara="1" wrap="square" lIns="91425" tIns="91425" rIns="91425" bIns="91425" anchor="ctr" anchorCtr="0">
+              <a:noAutofit/>
+            </a:bodyPr>
+            <a:lstStyle/>
+            <a:p>
+              <a:pPr marL="0" lvl="0" indent="0" algn="l" rtl="0">
+                <a:spcBef>
+                  <a:spcPts val="0"/>
+                </a:spcBef>
+                <a:spcAft>
+                  <a:spcPts val="0"/>
+                </a:spcAft>
+                <a:buNone/>
+              </a:pPr>
+              <a:endParaRPr/>
+            </a:p>
+          </p:txBody>
+        </p:sp>
+        <p:sp>
+          <p:nvSpPr>
+            <p:cNvPr id="76" name="Google Shape;904;p49">
+              <a:extLst>
+                <a:ext uri="{FF2B5EF4-FFF2-40B4-BE49-F238E27FC236}">
+                  <a16:creationId xmlns:a16="http://schemas.microsoft.com/office/drawing/2014/main" id="{623AB444-F2A4-402B-8ABC-BB872495D49B}"/>
+                </a:ext>
+              </a:extLst>
+            </p:cNvPr>
+            <p:cNvSpPr/>
+            <p:nvPr/>
+          </p:nvSpPr>
+          <p:spPr>
+            <a:xfrm>
+              <a:off x="4085050" y="2847625"/>
+              <a:ext cx="284350" cy="284350"/>
+            </a:xfrm>
+            <a:custGeom>
+              <a:avLst/>
+              <a:gdLst/>
+              <a:ahLst/>
+              <a:cxnLst/>
+              <a:rect l="l" t="t" r="r" b="b"/>
+              <a:pathLst>
+                <a:path w="11374" h="11374" extrusionOk="0">
+                  <a:moveTo>
+                    <a:pt x="9404" y="1985"/>
+                  </a:moveTo>
+                  <a:lnTo>
+                    <a:pt x="9404" y="9404"/>
+                  </a:lnTo>
+                  <a:lnTo>
+                    <a:pt x="1969" y="9404"/>
+                  </a:lnTo>
+                  <a:lnTo>
+                    <a:pt x="1969" y="1985"/>
+                  </a:lnTo>
+                  <a:close/>
+                  <a:moveTo>
+                    <a:pt x="1497" y="1"/>
+                  </a:moveTo>
+                  <a:cubicBezTo>
+                    <a:pt x="678" y="1"/>
+                    <a:pt x="1" y="678"/>
+                    <a:pt x="1" y="1497"/>
+                  </a:cubicBezTo>
+                  <a:lnTo>
+                    <a:pt x="1" y="9877"/>
+                  </a:lnTo>
+                  <a:cubicBezTo>
+                    <a:pt x="1" y="10712"/>
+                    <a:pt x="678" y="11373"/>
+                    <a:pt x="1497" y="11373"/>
+                  </a:cubicBezTo>
+                  <a:lnTo>
+                    <a:pt x="9877" y="11373"/>
+                  </a:lnTo>
+                  <a:cubicBezTo>
+                    <a:pt x="10696" y="11373"/>
+                    <a:pt x="11373" y="10712"/>
+                    <a:pt x="11373" y="9893"/>
+                  </a:cubicBezTo>
+                  <a:lnTo>
+                    <a:pt x="11373" y="1513"/>
+                  </a:lnTo>
+                  <a:cubicBezTo>
+                    <a:pt x="11373" y="678"/>
+                    <a:pt x="10696" y="16"/>
+                    <a:pt x="9877" y="16"/>
+                  </a:cubicBezTo>
+                  <a:lnTo>
+                    <a:pt x="1497" y="16"/>
+                  </a:lnTo>
+                  <a:lnTo>
+                    <a:pt x="1497" y="1"/>
+                  </a:lnTo>
+                  <a:close/>
+                </a:path>
+              </a:pathLst>
+            </a:custGeom>
+            <a:solidFill>
+              <a:schemeClr val="dk1"/>
+            </a:solidFill>
+            <a:ln>
+              <a:noFill/>
+            </a:ln>
+          </p:spPr>
+          <p:txBody>
+            <a:bodyPr spcFirstLastPara="1" wrap="square" lIns="91425" tIns="91425" rIns="91425" bIns="91425" anchor="ctr" anchorCtr="0">
+              <a:noAutofit/>
+            </a:bodyPr>
+            <a:lstStyle/>
+            <a:p>
+              <a:pPr marL="0" lvl="0" indent="0" algn="l" rtl="0">
+                <a:spcBef>
+                  <a:spcPts val="0"/>
+                </a:spcBef>
+                <a:spcAft>
+                  <a:spcPts val="0"/>
+                </a:spcAft>
+                <a:buNone/>
+              </a:pPr>
+              <a:endParaRPr/>
+            </a:p>
+          </p:txBody>
+        </p:sp>
+        <p:sp>
+          <p:nvSpPr>
+            <p:cNvPr id="77" name="Google Shape;905;p49">
+              <a:extLst>
+                <a:ext uri="{FF2B5EF4-FFF2-40B4-BE49-F238E27FC236}">
+                  <a16:creationId xmlns:a16="http://schemas.microsoft.com/office/drawing/2014/main" id="{A4D00EB5-FF41-4FB2-B9AA-8982EA651269}"/>
+                </a:ext>
+              </a:extLst>
+            </p:cNvPr>
+            <p:cNvSpPr/>
+            <p:nvPr/>
+          </p:nvSpPr>
+          <p:spPr>
+            <a:xfrm>
+              <a:off x="4406775" y="2847625"/>
+              <a:ext cx="284350" cy="284350"/>
+            </a:xfrm>
+            <a:custGeom>
+              <a:avLst/>
+              <a:gdLst/>
+              <a:ahLst/>
+              <a:cxnLst/>
+              <a:rect l="l" t="t" r="r" b="b"/>
+              <a:pathLst>
+                <a:path w="11374" h="11374" extrusionOk="0">
+                  <a:moveTo>
+                    <a:pt x="9404" y="1985"/>
+                  </a:moveTo>
+                  <a:lnTo>
+                    <a:pt x="9404" y="9404"/>
+                  </a:lnTo>
+                  <a:lnTo>
+                    <a:pt x="1970" y="9404"/>
+                  </a:lnTo>
+                  <a:lnTo>
+                    <a:pt x="1970" y="1985"/>
+                  </a:lnTo>
+                  <a:close/>
+                  <a:moveTo>
+                    <a:pt x="1497" y="1"/>
+                  </a:moveTo>
+                  <a:cubicBezTo>
+                    <a:pt x="662" y="1"/>
+                    <a:pt x="1" y="678"/>
+                    <a:pt x="1" y="1497"/>
+                  </a:cubicBezTo>
+                  <a:lnTo>
+                    <a:pt x="1" y="9877"/>
+                  </a:lnTo>
+                  <a:cubicBezTo>
+                    <a:pt x="1" y="10712"/>
+                    <a:pt x="662" y="11373"/>
+                    <a:pt x="1497" y="11373"/>
+                  </a:cubicBezTo>
+                  <a:lnTo>
+                    <a:pt x="9877" y="11373"/>
+                  </a:lnTo>
+                  <a:cubicBezTo>
+                    <a:pt x="10696" y="11373"/>
+                    <a:pt x="11373" y="10712"/>
+                    <a:pt x="11373" y="9893"/>
+                  </a:cubicBezTo>
+                  <a:lnTo>
+                    <a:pt x="11373" y="1513"/>
+                  </a:lnTo>
+                  <a:cubicBezTo>
+                    <a:pt x="11373" y="688"/>
+                    <a:pt x="10711" y="16"/>
+                    <a:pt x="9905" y="16"/>
+                  </a:cubicBezTo>
+                  <a:cubicBezTo>
+                    <a:pt x="9896" y="16"/>
+                    <a:pt x="9886" y="16"/>
+                    <a:pt x="9877" y="16"/>
+                  </a:cubicBezTo>
+                  <a:lnTo>
+                    <a:pt x="1497" y="16"/>
+                  </a:lnTo>
+                  <a:lnTo>
+                    <a:pt x="1497" y="1"/>
+                  </a:lnTo>
+                  <a:close/>
+                </a:path>
+              </a:pathLst>
+            </a:custGeom>
+            <a:solidFill>
+              <a:schemeClr val="dk1"/>
+            </a:solidFill>
+            <a:ln>
+              <a:noFill/>
+            </a:ln>
+          </p:spPr>
+          <p:txBody>
+            <a:bodyPr spcFirstLastPara="1" wrap="square" lIns="91425" tIns="91425" rIns="91425" bIns="91425" anchor="ctr" anchorCtr="0">
+              <a:noAutofit/>
+            </a:bodyPr>
+            <a:lstStyle/>
+            <a:p>
+              <a:pPr marL="0" lvl="0" indent="0" algn="l" rtl="0">
+                <a:spcBef>
+                  <a:spcPts val="0"/>
+                </a:spcBef>
+                <a:spcAft>
+                  <a:spcPts val="0"/>
+                </a:spcAft>
+                <a:buNone/>
+              </a:pPr>
+              <a:endParaRPr/>
+            </a:p>
+          </p:txBody>
+        </p:sp>
+        <p:sp>
+          <p:nvSpPr>
+            <p:cNvPr id="78" name="Google Shape;906;p49">
+              <a:extLst>
+                <a:ext uri="{FF2B5EF4-FFF2-40B4-BE49-F238E27FC236}">
+                  <a16:creationId xmlns:a16="http://schemas.microsoft.com/office/drawing/2014/main" id="{A6B1169B-4CFD-4340-8CC5-769A82D783AA}"/>
+                </a:ext>
+              </a:extLst>
+            </p:cNvPr>
+            <p:cNvSpPr/>
+            <p:nvPr/>
+          </p:nvSpPr>
+          <p:spPr>
+            <a:xfrm>
+              <a:off x="3765675" y="2847625"/>
+              <a:ext cx="284350" cy="284350"/>
+            </a:xfrm>
+            <a:custGeom>
+              <a:avLst/>
+              <a:gdLst/>
+              <a:ahLst/>
+              <a:cxnLst/>
+              <a:rect l="l" t="t" r="r" b="b"/>
+              <a:pathLst>
+                <a:path w="11374" h="11374" extrusionOk="0">
+                  <a:moveTo>
+                    <a:pt x="9405" y="1985"/>
+                  </a:moveTo>
+                  <a:lnTo>
+                    <a:pt x="9405" y="9404"/>
+                  </a:lnTo>
+                  <a:lnTo>
+                    <a:pt x="1970" y="9404"/>
+                  </a:lnTo>
+                  <a:lnTo>
+                    <a:pt x="1970" y="1985"/>
+                  </a:lnTo>
+                  <a:close/>
+                  <a:moveTo>
+                    <a:pt x="1497" y="1"/>
+                  </a:moveTo>
+                  <a:cubicBezTo>
+                    <a:pt x="663" y="1"/>
+                    <a:pt x="1" y="678"/>
+                    <a:pt x="1" y="1497"/>
+                  </a:cubicBezTo>
+                  <a:lnTo>
+                    <a:pt x="1" y="9877"/>
+                  </a:lnTo>
+                  <a:cubicBezTo>
+                    <a:pt x="1" y="10712"/>
+                    <a:pt x="663" y="11373"/>
+                    <a:pt x="1497" y="11373"/>
+                  </a:cubicBezTo>
+                  <a:lnTo>
+                    <a:pt x="9877" y="11373"/>
+                  </a:lnTo>
+                  <a:cubicBezTo>
+                    <a:pt x="10696" y="11373"/>
+                    <a:pt x="11358" y="10712"/>
+                    <a:pt x="11374" y="9893"/>
+                  </a:cubicBezTo>
+                  <a:lnTo>
+                    <a:pt x="11374" y="1513"/>
+                  </a:lnTo>
+                  <a:cubicBezTo>
+                    <a:pt x="11374" y="678"/>
+                    <a:pt x="10696" y="16"/>
+                    <a:pt x="9877" y="16"/>
+                  </a:cubicBezTo>
+                  <a:lnTo>
+                    <a:pt x="1497" y="16"/>
+                  </a:lnTo>
+                  <a:lnTo>
+                    <a:pt x="1497" y="1"/>
+                  </a:lnTo>
+                  <a:close/>
+                </a:path>
+              </a:pathLst>
+            </a:custGeom>
+            <a:solidFill>
+              <a:schemeClr val="dk1"/>
+            </a:solidFill>
+            <a:ln>
+              <a:noFill/>
+            </a:ln>
+          </p:spPr>
+          <p:txBody>
+            <a:bodyPr spcFirstLastPara="1" wrap="square" lIns="91425" tIns="91425" rIns="91425" bIns="91425" anchor="ctr" anchorCtr="0">
+              <a:noAutofit/>
+            </a:bodyPr>
+            <a:lstStyle/>
+            <a:p>
+              <a:pPr marL="0" lvl="0" indent="0" algn="l" rtl="0">
+                <a:spcBef>
+                  <a:spcPts val="0"/>
+                </a:spcBef>
+                <a:spcAft>
+                  <a:spcPts val="0"/>
+                </a:spcAft>
+                <a:buNone/>
+              </a:pPr>
+              <a:endParaRPr/>
+            </a:p>
+          </p:txBody>
+        </p:sp>
+      </p:grpSp>
+      <p:grpSp>
+        <p:nvGrpSpPr>
+          <p:cNvPr id="79" name="Google Shape;907;p49">
+            <a:extLst>
+              <a:ext uri="{FF2B5EF4-FFF2-40B4-BE49-F238E27FC236}">
+                <a16:creationId xmlns:a16="http://schemas.microsoft.com/office/drawing/2014/main" id="{ADA57CF9-A278-43DE-9E23-07F97B8F9246}"/>
+              </a:ext>
+            </a:extLst>
+          </p:cNvPr>
+          <p:cNvGrpSpPr/>
+          <p:nvPr/>
+        </p:nvGrpSpPr>
+        <p:grpSpPr>
+          <a:xfrm rot="1466267" flipH="1">
+            <a:off x="5640255" y="380313"/>
+            <a:ext cx="606443" cy="912814"/>
+            <a:chOff x="4865150" y="3459975"/>
+            <a:chExt cx="606450" cy="912825"/>
+          </a:xfrm>
+        </p:grpSpPr>
+        <p:sp>
+          <p:nvSpPr>
+            <p:cNvPr id="80" name="Google Shape;908;p49">
+              <a:extLst>
+                <a:ext uri="{FF2B5EF4-FFF2-40B4-BE49-F238E27FC236}">
+                  <a16:creationId xmlns:a16="http://schemas.microsoft.com/office/drawing/2014/main" id="{B0528B70-B114-4128-964C-9B826E4C25B9}"/>
+                </a:ext>
+              </a:extLst>
+            </p:cNvPr>
+            <p:cNvSpPr/>
+            <p:nvPr/>
+          </p:nvSpPr>
+          <p:spPr>
+            <a:xfrm>
+              <a:off x="4865550" y="3774225"/>
+              <a:ext cx="284325" cy="284325"/>
+            </a:xfrm>
+            <a:custGeom>
+              <a:avLst/>
+              <a:gdLst/>
+              <a:ahLst/>
+              <a:cxnLst/>
+              <a:rect l="l" t="t" r="r" b="b"/>
+              <a:pathLst>
+                <a:path w="11373" h="11373" extrusionOk="0">
+                  <a:moveTo>
+                    <a:pt x="9404" y="1969"/>
+                  </a:moveTo>
+                  <a:lnTo>
+                    <a:pt x="9404" y="9404"/>
+                  </a:lnTo>
+                  <a:lnTo>
+                    <a:pt x="1969" y="9404"/>
+                  </a:lnTo>
+                  <a:lnTo>
+                    <a:pt x="1969" y="1969"/>
+                  </a:lnTo>
+                  <a:close/>
+                  <a:moveTo>
+                    <a:pt x="1497" y="0"/>
+                  </a:moveTo>
+                  <a:cubicBezTo>
+                    <a:pt x="678" y="0"/>
+                    <a:pt x="0" y="662"/>
+                    <a:pt x="0" y="1497"/>
+                  </a:cubicBezTo>
+                  <a:lnTo>
+                    <a:pt x="0" y="9876"/>
+                  </a:lnTo>
+                  <a:cubicBezTo>
+                    <a:pt x="0" y="10696"/>
+                    <a:pt x="662" y="11357"/>
+                    <a:pt x="1497" y="11373"/>
+                  </a:cubicBezTo>
+                  <a:lnTo>
+                    <a:pt x="9876" y="11373"/>
+                  </a:lnTo>
+                  <a:cubicBezTo>
+                    <a:pt x="10696" y="11373"/>
+                    <a:pt x="11373" y="10696"/>
+                    <a:pt x="11373" y="9876"/>
+                  </a:cubicBezTo>
+                  <a:lnTo>
+                    <a:pt x="11373" y="1497"/>
+                  </a:lnTo>
+                  <a:cubicBezTo>
+                    <a:pt x="11373" y="662"/>
+                    <a:pt x="10696" y="0"/>
+                    <a:pt x="9876" y="0"/>
+                  </a:cubicBezTo>
+                  <a:close/>
+                </a:path>
+              </a:pathLst>
+            </a:custGeom>
+            <a:solidFill>
+              <a:schemeClr val="dk1"/>
+            </a:solidFill>
+            <a:ln>
+              <a:noFill/>
+            </a:ln>
+          </p:spPr>
+          <p:txBody>
+            <a:bodyPr spcFirstLastPara="1" wrap="square" lIns="91425" tIns="91425" rIns="91425" bIns="91425" anchor="ctr" anchorCtr="0">
+              <a:noAutofit/>
+            </a:bodyPr>
+            <a:lstStyle/>
+            <a:p>
+              <a:pPr marL="0" lvl="0" indent="0" algn="l" rtl="0">
+                <a:spcBef>
+                  <a:spcPts val="0"/>
+                </a:spcBef>
+                <a:spcAft>
+                  <a:spcPts val="0"/>
+                </a:spcAft>
+                <a:buNone/>
+              </a:pPr>
+              <a:endParaRPr/>
+            </a:p>
+          </p:txBody>
+        </p:sp>
+        <p:sp>
+          <p:nvSpPr>
+            <p:cNvPr id="81" name="Google Shape;909;p49">
+              <a:extLst>
+                <a:ext uri="{FF2B5EF4-FFF2-40B4-BE49-F238E27FC236}">
+                  <a16:creationId xmlns:a16="http://schemas.microsoft.com/office/drawing/2014/main" id="{11A845A0-E95F-46A9-903C-6442C09D7848}"/>
+                </a:ext>
+              </a:extLst>
+            </p:cNvPr>
+            <p:cNvSpPr/>
+            <p:nvPr/>
+          </p:nvSpPr>
+          <p:spPr>
+            <a:xfrm>
+              <a:off x="4865150" y="3459975"/>
+              <a:ext cx="284350" cy="284350"/>
+            </a:xfrm>
+            <a:custGeom>
+              <a:avLst/>
+              <a:gdLst/>
+              <a:ahLst/>
+              <a:cxnLst/>
+              <a:rect l="l" t="t" r="r" b="b"/>
+              <a:pathLst>
+                <a:path w="11374" h="11374" extrusionOk="0">
+                  <a:moveTo>
+                    <a:pt x="9420" y="1969"/>
+                  </a:moveTo>
+                  <a:lnTo>
+                    <a:pt x="9420" y="9404"/>
+                  </a:lnTo>
+                  <a:lnTo>
+                    <a:pt x="1969" y="9404"/>
+                  </a:lnTo>
+                  <a:lnTo>
+                    <a:pt x="1969" y="1969"/>
+                  </a:lnTo>
+                  <a:close/>
+                  <a:moveTo>
+                    <a:pt x="1497" y="0"/>
+                  </a:moveTo>
+                  <a:cubicBezTo>
+                    <a:pt x="678" y="0"/>
+                    <a:pt x="0" y="662"/>
+                    <a:pt x="0" y="1497"/>
+                  </a:cubicBezTo>
+                  <a:lnTo>
+                    <a:pt x="0" y="9877"/>
+                  </a:lnTo>
+                  <a:cubicBezTo>
+                    <a:pt x="0" y="10696"/>
+                    <a:pt x="678" y="11373"/>
+                    <a:pt x="1497" y="11373"/>
+                  </a:cubicBezTo>
+                  <a:lnTo>
+                    <a:pt x="9877" y="11373"/>
+                  </a:lnTo>
+                  <a:cubicBezTo>
+                    <a:pt x="10696" y="11373"/>
+                    <a:pt x="11373" y="10696"/>
+                    <a:pt x="11373" y="9877"/>
+                  </a:cubicBezTo>
+                  <a:lnTo>
+                    <a:pt x="11373" y="1513"/>
+                  </a:lnTo>
+                  <a:cubicBezTo>
+                    <a:pt x="11373" y="678"/>
+                    <a:pt x="10696" y="0"/>
+                    <a:pt x="9877" y="0"/>
+                  </a:cubicBezTo>
+                  <a:close/>
+                </a:path>
+              </a:pathLst>
+            </a:custGeom>
+            <a:solidFill>
+              <a:schemeClr val="dk1"/>
+            </a:solidFill>
+            <a:ln>
+              <a:noFill/>
+            </a:ln>
+          </p:spPr>
+          <p:txBody>
+            <a:bodyPr spcFirstLastPara="1" wrap="square" lIns="91425" tIns="91425" rIns="91425" bIns="91425" anchor="ctr" anchorCtr="0">
+              <a:noAutofit/>
+            </a:bodyPr>
+            <a:lstStyle/>
+            <a:p>
+              <a:pPr marL="0" lvl="0" indent="0" algn="l" rtl="0">
+                <a:spcBef>
+                  <a:spcPts val="0"/>
+                </a:spcBef>
+                <a:spcAft>
+                  <a:spcPts val="0"/>
+                </a:spcAft>
+                <a:buNone/>
+              </a:pPr>
+              <a:endParaRPr/>
+            </a:p>
+          </p:txBody>
+        </p:sp>
+        <p:sp>
+          <p:nvSpPr>
+            <p:cNvPr id="82" name="Google Shape;910;p49">
+              <a:extLst>
+                <a:ext uri="{FF2B5EF4-FFF2-40B4-BE49-F238E27FC236}">
+                  <a16:creationId xmlns:a16="http://schemas.microsoft.com/office/drawing/2014/main" id="{B1DD068A-BF17-438D-8E42-AA2FE3A7EEFA}"/>
+                </a:ext>
+              </a:extLst>
+            </p:cNvPr>
+            <p:cNvSpPr/>
+            <p:nvPr/>
+          </p:nvSpPr>
+          <p:spPr>
+            <a:xfrm>
+              <a:off x="4865550" y="4088475"/>
+              <a:ext cx="284325" cy="284325"/>
+            </a:xfrm>
+            <a:custGeom>
+              <a:avLst/>
+              <a:gdLst/>
+              <a:ahLst/>
+              <a:cxnLst/>
+              <a:rect l="l" t="t" r="r" b="b"/>
+              <a:pathLst>
+                <a:path w="11373" h="11373" extrusionOk="0">
+                  <a:moveTo>
+                    <a:pt x="9420" y="1969"/>
+                  </a:moveTo>
+                  <a:lnTo>
+                    <a:pt x="9420" y="9388"/>
+                  </a:lnTo>
+                  <a:lnTo>
+                    <a:pt x="1969" y="9388"/>
+                  </a:lnTo>
+                  <a:lnTo>
+                    <a:pt x="1969" y="1969"/>
+                  </a:lnTo>
+                  <a:close/>
+                  <a:moveTo>
+                    <a:pt x="1497" y="0"/>
+                  </a:moveTo>
+                  <a:cubicBezTo>
+                    <a:pt x="678" y="0"/>
+                    <a:pt x="0" y="662"/>
+                    <a:pt x="0" y="1496"/>
+                  </a:cubicBezTo>
+                  <a:lnTo>
+                    <a:pt x="0" y="9876"/>
+                  </a:lnTo>
+                  <a:cubicBezTo>
+                    <a:pt x="0" y="10695"/>
+                    <a:pt x="678" y="11357"/>
+                    <a:pt x="1497" y="11373"/>
+                  </a:cubicBezTo>
+                  <a:lnTo>
+                    <a:pt x="9876" y="11373"/>
+                  </a:lnTo>
+                  <a:cubicBezTo>
+                    <a:pt x="10711" y="11357"/>
+                    <a:pt x="11373" y="10695"/>
+                    <a:pt x="11373" y="9876"/>
+                  </a:cubicBezTo>
+                  <a:lnTo>
+                    <a:pt x="11373" y="1496"/>
+                  </a:lnTo>
+                  <a:cubicBezTo>
+                    <a:pt x="11373" y="662"/>
+                    <a:pt x="10711" y="0"/>
+                    <a:pt x="9876" y="0"/>
+                  </a:cubicBezTo>
+                  <a:close/>
+                </a:path>
+              </a:pathLst>
+            </a:custGeom>
+            <a:solidFill>
+              <a:schemeClr val="dk1"/>
+            </a:solidFill>
+            <a:ln>
+              <a:noFill/>
+            </a:ln>
+          </p:spPr>
+          <p:txBody>
+            <a:bodyPr spcFirstLastPara="1" wrap="square" lIns="91425" tIns="91425" rIns="91425" bIns="91425" anchor="ctr" anchorCtr="0">
+              <a:noAutofit/>
+            </a:bodyPr>
+            <a:lstStyle/>
+            <a:p>
+              <a:pPr marL="0" lvl="0" indent="0" algn="l" rtl="0">
+                <a:spcBef>
+                  <a:spcPts val="0"/>
+                </a:spcBef>
+                <a:spcAft>
+                  <a:spcPts val="0"/>
+                </a:spcAft>
+                <a:buNone/>
+              </a:pPr>
+              <a:endParaRPr/>
+            </a:p>
+          </p:txBody>
+        </p:sp>
+        <p:sp>
+          <p:nvSpPr>
+            <p:cNvPr id="83" name="Google Shape;911;p49">
+              <a:extLst>
+                <a:ext uri="{FF2B5EF4-FFF2-40B4-BE49-F238E27FC236}">
+                  <a16:creationId xmlns:a16="http://schemas.microsoft.com/office/drawing/2014/main" id="{921A1545-82BB-436A-BFE5-67B9A343DE2A}"/>
+                </a:ext>
+              </a:extLst>
+            </p:cNvPr>
+            <p:cNvSpPr/>
+            <p:nvPr/>
+          </p:nvSpPr>
+          <p:spPr>
+            <a:xfrm>
+              <a:off x="5187275" y="4088075"/>
+              <a:ext cx="284325" cy="284325"/>
+            </a:xfrm>
+            <a:custGeom>
+              <a:avLst/>
+              <a:gdLst/>
+              <a:ahLst/>
+              <a:cxnLst/>
+              <a:rect l="l" t="t" r="r" b="b"/>
+              <a:pathLst>
+                <a:path w="11373" h="11373" extrusionOk="0">
+                  <a:moveTo>
+                    <a:pt x="9404" y="1985"/>
+                  </a:moveTo>
+                  <a:lnTo>
+                    <a:pt x="9404" y="9404"/>
+                  </a:lnTo>
+                  <a:lnTo>
+                    <a:pt x="1969" y="9404"/>
+                  </a:lnTo>
+                  <a:lnTo>
+                    <a:pt x="1969" y="1985"/>
+                  </a:lnTo>
+                  <a:close/>
+                  <a:moveTo>
+                    <a:pt x="9877" y="0"/>
+                  </a:moveTo>
+                  <a:lnTo>
+                    <a:pt x="1497" y="16"/>
+                  </a:lnTo>
+                  <a:cubicBezTo>
+                    <a:pt x="1487" y="16"/>
+                    <a:pt x="1478" y="16"/>
+                    <a:pt x="1469" y="16"/>
+                  </a:cubicBezTo>
+                  <a:cubicBezTo>
+                    <a:pt x="662" y="16"/>
+                    <a:pt x="0" y="687"/>
+                    <a:pt x="0" y="1512"/>
+                  </a:cubicBezTo>
+                  <a:lnTo>
+                    <a:pt x="0" y="9877"/>
+                  </a:lnTo>
+                  <a:cubicBezTo>
+                    <a:pt x="0" y="10711"/>
+                    <a:pt x="678" y="11373"/>
+                    <a:pt x="1497" y="11373"/>
+                  </a:cubicBezTo>
+                  <a:lnTo>
+                    <a:pt x="9877" y="11373"/>
+                  </a:lnTo>
+                  <a:cubicBezTo>
+                    <a:pt x="10711" y="11373"/>
+                    <a:pt x="11373" y="10711"/>
+                    <a:pt x="11373" y="9877"/>
+                  </a:cubicBezTo>
+                  <a:lnTo>
+                    <a:pt x="11373" y="1497"/>
+                  </a:lnTo>
+                  <a:cubicBezTo>
+                    <a:pt x="11373" y="678"/>
+                    <a:pt x="10711" y="0"/>
+                    <a:pt x="9877" y="0"/>
+                  </a:cubicBezTo>
+                  <a:close/>
+                </a:path>
+              </a:pathLst>
+            </a:custGeom>
+            <a:solidFill>
+              <a:schemeClr val="dk1"/>
+            </a:solidFill>
+            <a:ln>
+              <a:noFill/>
+            </a:ln>
+          </p:spPr>
+          <p:txBody>
+            <a:bodyPr spcFirstLastPara="1" wrap="square" lIns="91425" tIns="91425" rIns="91425" bIns="91425" anchor="ctr" anchorCtr="0">
+              <a:noAutofit/>
+            </a:bodyPr>
+            <a:lstStyle/>
+            <a:p>
+              <a:pPr marL="0" lvl="0" indent="0" algn="l" rtl="0">
+                <a:spcBef>
+                  <a:spcPts val="0"/>
+                </a:spcBef>
+                <a:spcAft>
+                  <a:spcPts val="0"/>
+                </a:spcAft>
+                <a:buNone/>
+              </a:pPr>
+              <a:endParaRPr/>
+            </a:p>
+          </p:txBody>
+        </p:sp>
+      </p:grpSp>
     </p:spTree>
     <p:extLst>
       <p:ext uri="{BB962C8B-B14F-4D97-AF65-F5344CB8AC3E}">
-        <p14:creationId xmlns:p14="http://schemas.microsoft.com/office/powerpoint/2010/main" val="2707715814"/>
+        <p14:creationId xmlns:p14="http://schemas.microsoft.com/office/powerpoint/2010/main" val="1241192235"/>
       </p:ext>
     </p:extLst>
   </p:cSld>
@@ -32772,13 +33554,13 @@
   </p:clrMapOvr>
   <mc:AlternateContent xmlns:mc="http://schemas.openxmlformats.org/markup-compatibility/2006" xmlns:p14="http://schemas.microsoft.com/office/powerpoint/2010/main">
     <mc:Choice Requires="p14">
-      <p:transition spd="slow" p14:dur="1500">
-        <p:split orient="vert"/>
+      <p:transition spd="slow" p14:dur="3400">
+        <p14:reveal/>
       </p:transition>
     </mc:Choice>
     <mc:Fallback xmlns="">
       <p:transition spd="slow">
-        <p:split orient="vert"/>
+        <p:fade/>
       </p:transition>
     </mc:Fallback>
   </mc:AlternateContent>
@@ -34209,2877 +34991,6 @@
   <p:transition spd="slow">
     <p:push dir="u"/>
   </p:transition>
-</p:sld>
-</file>
-
-<file path=ppt/slides/slide20.xml><?xml version="1.0" encoding="utf-8"?>
-<p:sld xmlns:a="http://schemas.openxmlformats.org/drawingml/2006/main" xmlns:r="http://schemas.openxmlformats.org/officeDocument/2006/relationships" xmlns:p="http://schemas.openxmlformats.org/presentationml/2006/main">
-  <p:cSld>
-    <p:spTree>
-      <p:nvGrpSpPr>
-        <p:cNvPr id="1" name="Shape 813"/>
-        <p:cNvGrpSpPr/>
-        <p:nvPr/>
-      </p:nvGrpSpPr>
-      <p:grpSpPr>
-        <a:xfrm>
-          <a:off x="0" y="0"/>
-          <a:ext cx="0" cy="0"/>
-          <a:chOff x="0" y="0"/>
-          <a:chExt cx="0" cy="0"/>
-        </a:xfrm>
-      </p:grpSpPr>
-      <p:sp>
-        <p:nvSpPr>
-          <p:cNvPr id="54" name="Google Shape;866;p49">
-            <a:extLst>
-              <a:ext uri="{FF2B5EF4-FFF2-40B4-BE49-F238E27FC236}">
-                <a16:creationId xmlns:a16="http://schemas.microsoft.com/office/drawing/2014/main" id="{3D46245A-DB14-474B-BEE8-8746A0A1D6CE}"/>
-              </a:ext>
-            </a:extLst>
-          </p:cNvPr>
-          <p:cNvSpPr txBox="1">
-            <a:spLocks noGrp="1"/>
-          </p:cNvSpPr>
-          <p:nvPr>
-            <p:ph type="title"/>
-          </p:nvPr>
-        </p:nvSpPr>
-        <p:spPr>
-          <a:xfrm>
-            <a:off x="3266065" y="2606893"/>
-            <a:ext cx="5507577" cy="1771666"/>
-          </a:xfrm>
-          <a:prstGeom prst="rect">
-            <a:avLst/>
-          </a:prstGeom>
-        </p:spPr>
-        <p:txBody>
-          <a:bodyPr spcFirstLastPara="1" wrap="square" lIns="91425" tIns="91425" rIns="91425" bIns="91425" anchor="t" anchorCtr="0">
-            <a:noAutofit/>
-          </a:bodyPr>
-          <a:lstStyle/>
-          <a:p>
-            <a:pPr marL="0" lvl="0" indent="0" algn="ctr" rtl="0">
-              <a:spcBef>
-                <a:spcPts val="0"/>
-              </a:spcBef>
-              <a:spcAft>
-                <a:spcPts val="0"/>
-              </a:spcAft>
-              <a:buNone/>
-            </a:pPr>
-            <a:r>
-              <a:rPr lang="en" sz="3200" dirty="0">
-                <a:solidFill>
-                  <a:schemeClr val="tx1"/>
-                </a:solidFill>
-                <a:latin typeface="+mj-lt"/>
-              </a:rPr>
-              <a:t>XIN CHÂN THÀNH CẢM ƠN THẦY VÀ CÁC BẠN ĐÃ CHÚ Ý LẮNG NGHE !!!</a:t>
-            </a:r>
-            <a:endParaRPr sz="3200" dirty="0">
-              <a:solidFill>
-                <a:schemeClr val="tx1"/>
-              </a:solidFill>
-              <a:latin typeface="+mj-lt"/>
-            </a:endParaRPr>
-          </a:p>
-        </p:txBody>
-      </p:sp>
-      <p:grpSp>
-        <p:nvGrpSpPr>
-          <p:cNvPr id="56" name="Google Shape;884;p49">
-            <a:extLst>
-              <a:ext uri="{FF2B5EF4-FFF2-40B4-BE49-F238E27FC236}">
-                <a16:creationId xmlns:a16="http://schemas.microsoft.com/office/drawing/2014/main" id="{2A7218F6-3445-47AB-8FD2-ED6E7EBF177E}"/>
-              </a:ext>
-            </a:extLst>
-          </p:cNvPr>
-          <p:cNvGrpSpPr/>
-          <p:nvPr/>
-        </p:nvGrpSpPr>
-        <p:grpSpPr>
-          <a:xfrm flipH="1">
-            <a:off x="114295" y="2779726"/>
-            <a:ext cx="2077982" cy="2686224"/>
-            <a:chOff x="5523175" y="536475"/>
-            <a:chExt cx="1855175" cy="2398200"/>
-          </a:xfrm>
-        </p:grpSpPr>
-        <p:sp>
-          <p:nvSpPr>
-            <p:cNvPr id="57" name="Google Shape;885;p49">
-              <a:extLst>
-                <a:ext uri="{FF2B5EF4-FFF2-40B4-BE49-F238E27FC236}">
-                  <a16:creationId xmlns:a16="http://schemas.microsoft.com/office/drawing/2014/main" id="{1ACF2471-F80A-4DC8-AB45-75B2EACB7B3E}"/>
-                </a:ext>
-              </a:extLst>
-            </p:cNvPr>
-            <p:cNvSpPr/>
-            <p:nvPr/>
-          </p:nvSpPr>
-          <p:spPr>
-            <a:xfrm>
-              <a:off x="5523175" y="686500"/>
-              <a:ext cx="1855175" cy="2248175"/>
-            </a:xfrm>
-            <a:custGeom>
-              <a:avLst/>
-              <a:gdLst/>
-              <a:ahLst/>
-              <a:cxnLst/>
-              <a:rect l="l" t="t" r="r" b="b"/>
-              <a:pathLst>
-                <a:path w="74207" h="89927" fill="none" extrusionOk="0">
-                  <a:moveTo>
-                    <a:pt x="71749" y="8995"/>
-                  </a:moveTo>
-                  <a:cubicBezTo>
-                    <a:pt x="70048" y="5924"/>
-                    <a:pt x="67244" y="3514"/>
-                    <a:pt x="64062" y="2080"/>
-                  </a:cubicBezTo>
-                  <a:cubicBezTo>
-                    <a:pt x="60802" y="599"/>
-                    <a:pt x="57147" y="174"/>
-                    <a:pt x="53635" y="867"/>
-                  </a:cubicBezTo>
-                  <a:cubicBezTo>
-                    <a:pt x="49965" y="1592"/>
-                    <a:pt x="46546" y="3435"/>
-                    <a:pt x="43821" y="5939"/>
-                  </a:cubicBezTo>
-                  <a:cubicBezTo>
-                    <a:pt x="42498" y="7152"/>
-                    <a:pt x="41333" y="8523"/>
-                    <a:pt x="40340" y="10035"/>
-                  </a:cubicBezTo>
-                  <a:cubicBezTo>
-                    <a:pt x="40183" y="10287"/>
-                    <a:pt x="40592" y="10539"/>
-                    <a:pt x="40766" y="10271"/>
-                  </a:cubicBezTo>
-                  <a:cubicBezTo>
-                    <a:pt x="44766" y="4175"/>
-                    <a:pt x="52233" y="1"/>
-                    <a:pt x="59620" y="1230"/>
-                  </a:cubicBezTo>
-                  <a:cubicBezTo>
-                    <a:pt x="63086" y="1797"/>
-                    <a:pt x="66283" y="3435"/>
-                    <a:pt x="68788" y="5892"/>
-                  </a:cubicBezTo>
-                  <a:cubicBezTo>
-                    <a:pt x="71465" y="8570"/>
-                    <a:pt x="73293" y="12382"/>
-                    <a:pt x="72930" y="16241"/>
-                  </a:cubicBezTo>
-                  <a:cubicBezTo>
-                    <a:pt x="72741" y="18352"/>
-                    <a:pt x="71733" y="20210"/>
-                    <a:pt x="70347" y="21770"/>
-                  </a:cubicBezTo>
-                  <a:cubicBezTo>
-                    <a:pt x="69607" y="22604"/>
-                    <a:pt x="68788" y="23361"/>
-                    <a:pt x="67921" y="24054"/>
-                  </a:cubicBezTo>
-                  <a:cubicBezTo>
-                    <a:pt x="67984" y="23124"/>
-                    <a:pt x="67937" y="22195"/>
-                    <a:pt x="67780" y="21281"/>
-                  </a:cubicBezTo>
-                  <a:cubicBezTo>
-                    <a:pt x="67181" y="17989"/>
-                    <a:pt x="65023" y="14823"/>
-                    <a:pt x="61747" y="13784"/>
-                  </a:cubicBezTo>
-                  <a:cubicBezTo>
-                    <a:pt x="58864" y="12854"/>
-                    <a:pt x="55289" y="13658"/>
-                    <a:pt x="53351" y="16083"/>
-                  </a:cubicBezTo>
-                  <a:cubicBezTo>
-                    <a:pt x="51335" y="18604"/>
-                    <a:pt x="51729" y="22211"/>
-                    <a:pt x="53587" y="24699"/>
-                  </a:cubicBezTo>
-                  <a:cubicBezTo>
-                    <a:pt x="55777" y="27598"/>
-                    <a:pt x="59494" y="28259"/>
-                    <a:pt x="62865" y="27283"/>
-                  </a:cubicBezTo>
-                  <a:cubicBezTo>
-                    <a:pt x="64456" y="26810"/>
-                    <a:pt x="65952" y="26070"/>
-                    <a:pt x="67307" y="25109"/>
-                  </a:cubicBezTo>
-                  <a:cubicBezTo>
-                    <a:pt x="66882" y="27661"/>
-                    <a:pt x="65574" y="30071"/>
-                    <a:pt x="63889" y="32024"/>
-                  </a:cubicBezTo>
-                  <a:cubicBezTo>
-                    <a:pt x="58675" y="38025"/>
-                    <a:pt x="50390" y="39915"/>
-                    <a:pt x="42829" y="40766"/>
-                  </a:cubicBezTo>
-                  <a:cubicBezTo>
-                    <a:pt x="34512" y="41695"/>
-                    <a:pt x="25770" y="41601"/>
-                    <a:pt x="18052" y="45303"/>
-                  </a:cubicBezTo>
-                  <a:cubicBezTo>
-                    <a:pt x="11720" y="48343"/>
-                    <a:pt x="6553" y="53761"/>
-                    <a:pt x="3718" y="60188"/>
-                  </a:cubicBezTo>
-                  <a:cubicBezTo>
-                    <a:pt x="756" y="66835"/>
-                    <a:pt x="0" y="75435"/>
-                    <a:pt x="4568" y="81563"/>
-                  </a:cubicBezTo>
-                  <a:cubicBezTo>
-                    <a:pt x="9436" y="88100"/>
-                    <a:pt x="18004" y="89785"/>
-                    <a:pt x="25676" y="89895"/>
-                  </a:cubicBezTo>
-                  <a:cubicBezTo>
-                    <a:pt x="27897" y="89927"/>
-                    <a:pt x="30117" y="89848"/>
-                    <a:pt x="32338" y="89769"/>
-                  </a:cubicBezTo>
-                  <a:cubicBezTo>
-                    <a:pt x="32653" y="89769"/>
-                    <a:pt x="32653" y="89281"/>
-                    <a:pt x="32338" y="89281"/>
-                  </a:cubicBezTo>
-                  <a:cubicBezTo>
-                    <a:pt x="23848" y="89580"/>
-                    <a:pt x="14271" y="89785"/>
-                    <a:pt x="7404" y="83894"/>
-                  </a:cubicBezTo>
-                  <a:cubicBezTo>
-                    <a:pt x="4316" y="81248"/>
-                    <a:pt x="2473" y="77578"/>
-                    <a:pt x="1969" y="73545"/>
-                  </a:cubicBezTo>
-                  <a:cubicBezTo>
-                    <a:pt x="1481" y="69592"/>
-                    <a:pt x="2158" y="65543"/>
-                    <a:pt x="3545" y="61842"/>
-                  </a:cubicBezTo>
-                  <a:cubicBezTo>
-                    <a:pt x="6207" y="54864"/>
-                    <a:pt x="11389" y="49162"/>
-                    <a:pt x="18052" y="45838"/>
-                  </a:cubicBezTo>
-                  <a:cubicBezTo>
-                    <a:pt x="26054" y="41900"/>
-                    <a:pt x="35205" y="42199"/>
-                    <a:pt x="43853" y="41128"/>
-                  </a:cubicBezTo>
-                  <a:cubicBezTo>
-                    <a:pt x="51524" y="40183"/>
-                    <a:pt x="59888" y="38010"/>
-                    <a:pt x="64866" y="31599"/>
-                  </a:cubicBezTo>
-                  <a:cubicBezTo>
-                    <a:pt x="66409" y="29598"/>
-                    <a:pt x="67528" y="27204"/>
-                    <a:pt x="67858" y="24715"/>
-                  </a:cubicBezTo>
-                  <a:lnTo>
-                    <a:pt x="68016" y="24589"/>
-                  </a:lnTo>
-                  <a:cubicBezTo>
-                    <a:pt x="69528" y="23439"/>
-                    <a:pt x="70930" y="22053"/>
-                    <a:pt x="71954" y="20447"/>
-                  </a:cubicBezTo>
-                  <a:cubicBezTo>
-                    <a:pt x="74206" y="16934"/>
-                    <a:pt x="73702" y="12523"/>
-                    <a:pt x="71749" y="8995"/>
-                  </a:cubicBezTo>
-                  <a:close/>
-                  <a:moveTo>
-                    <a:pt x="65889" y="25440"/>
-                  </a:moveTo>
-                  <a:cubicBezTo>
-                    <a:pt x="62802" y="27235"/>
-                    <a:pt x="58628" y="28165"/>
-                    <a:pt x="55493" y="25912"/>
-                  </a:cubicBezTo>
-                  <a:cubicBezTo>
-                    <a:pt x="52926" y="24054"/>
-                    <a:pt x="51603" y="20242"/>
-                    <a:pt x="53115" y="17312"/>
-                  </a:cubicBezTo>
-                  <a:cubicBezTo>
-                    <a:pt x="54595" y="14492"/>
-                    <a:pt x="58203" y="13374"/>
-                    <a:pt x="61195" y="14114"/>
-                  </a:cubicBezTo>
-                  <a:cubicBezTo>
-                    <a:pt x="64598" y="14965"/>
-                    <a:pt x="66787" y="18210"/>
-                    <a:pt x="67339" y="21533"/>
-                  </a:cubicBezTo>
-                  <a:cubicBezTo>
-                    <a:pt x="67496" y="22494"/>
-                    <a:pt x="67528" y="23471"/>
-                    <a:pt x="67417" y="24447"/>
-                  </a:cubicBezTo>
-                  <a:cubicBezTo>
-                    <a:pt x="66929" y="24794"/>
-                    <a:pt x="66409" y="25140"/>
-                    <a:pt x="65889" y="25440"/>
-                  </a:cubicBezTo>
-                  <a:close/>
-                </a:path>
-              </a:pathLst>
-            </a:custGeom>
-            <a:noFill/>
-            <a:ln w="39375" cap="flat" cmpd="sng">
-              <a:solidFill>
-                <a:schemeClr val="dk1"/>
-              </a:solidFill>
-              <a:prstDash val="solid"/>
-              <a:miter lim="15751"/>
-              <a:headEnd type="none" w="sm" len="sm"/>
-              <a:tailEnd type="none" w="sm" len="sm"/>
-            </a:ln>
-          </p:spPr>
-          <p:txBody>
-            <a:bodyPr spcFirstLastPara="1" wrap="square" lIns="91425" tIns="91425" rIns="91425" bIns="91425" anchor="ctr" anchorCtr="0">
-              <a:noAutofit/>
-            </a:bodyPr>
-            <a:lstStyle/>
-            <a:p>
-              <a:pPr marL="0" lvl="0" indent="0" algn="l" rtl="0">
-                <a:spcBef>
-                  <a:spcPts val="0"/>
-                </a:spcBef>
-                <a:spcAft>
-                  <a:spcPts val="0"/>
-                </a:spcAft>
-                <a:buNone/>
-              </a:pPr>
-              <a:endParaRPr/>
-            </a:p>
-          </p:txBody>
-        </p:sp>
-        <p:sp>
-          <p:nvSpPr>
-            <p:cNvPr id="58" name="Google Shape;886;p49">
-              <a:extLst>
-                <a:ext uri="{FF2B5EF4-FFF2-40B4-BE49-F238E27FC236}">
-                  <a16:creationId xmlns:a16="http://schemas.microsoft.com/office/drawing/2014/main" id="{CDD5599F-3A44-48ED-92C7-2092CD14502D}"/>
-                </a:ext>
-              </a:extLst>
-            </p:cNvPr>
-            <p:cNvSpPr/>
-            <p:nvPr/>
-          </p:nvSpPr>
-          <p:spPr>
-            <a:xfrm>
-              <a:off x="6472200" y="834425"/>
-              <a:ext cx="166600" cy="174625"/>
-            </a:xfrm>
-            <a:custGeom>
-              <a:avLst/>
-              <a:gdLst/>
-              <a:ahLst/>
-              <a:cxnLst/>
-              <a:rect l="l" t="t" r="r" b="b"/>
-              <a:pathLst>
-                <a:path w="6664" h="6985" extrusionOk="0">
-                  <a:moveTo>
-                    <a:pt x="1386" y="0"/>
-                  </a:moveTo>
-                  <a:cubicBezTo>
-                    <a:pt x="1261" y="0"/>
-                    <a:pt x="1137" y="44"/>
-                    <a:pt x="1040" y="133"/>
-                  </a:cubicBezTo>
-                  <a:lnTo>
-                    <a:pt x="1" y="1093"/>
-                  </a:lnTo>
-                  <a:lnTo>
-                    <a:pt x="5388" y="6984"/>
-                  </a:lnTo>
-                  <a:lnTo>
-                    <a:pt x="6443" y="6024"/>
-                  </a:lnTo>
-                  <a:cubicBezTo>
-                    <a:pt x="6648" y="5835"/>
-                    <a:pt x="6664" y="5504"/>
-                    <a:pt x="6475" y="5283"/>
-                  </a:cubicBezTo>
-                  <a:lnTo>
-                    <a:pt x="1781" y="164"/>
-                  </a:lnTo>
-                  <a:cubicBezTo>
-                    <a:pt x="1672" y="56"/>
-                    <a:pt x="1528" y="0"/>
-                    <a:pt x="1386" y="0"/>
-                  </a:cubicBezTo>
-                  <a:close/>
-                </a:path>
-              </a:pathLst>
-            </a:custGeom>
-            <a:solidFill>
-              <a:schemeClr val="dk1"/>
-            </a:solidFill>
-            <a:ln>
-              <a:noFill/>
-            </a:ln>
-          </p:spPr>
-          <p:txBody>
-            <a:bodyPr spcFirstLastPara="1" wrap="square" lIns="91425" tIns="91425" rIns="91425" bIns="91425" anchor="ctr" anchorCtr="0">
-              <a:noAutofit/>
-            </a:bodyPr>
-            <a:lstStyle/>
-            <a:p>
-              <a:pPr marL="0" lvl="0" indent="0" algn="l" rtl="0">
-                <a:spcBef>
-                  <a:spcPts val="0"/>
-                </a:spcBef>
-                <a:spcAft>
-                  <a:spcPts val="0"/>
-                </a:spcAft>
-                <a:buNone/>
-              </a:pPr>
-              <a:endParaRPr/>
-            </a:p>
-          </p:txBody>
-        </p:sp>
-        <p:sp>
-          <p:nvSpPr>
-            <p:cNvPr id="59" name="Google Shape;887;p49">
-              <a:extLst>
-                <a:ext uri="{FF2B5EF4-FFF2-40B4-BE49-F238E27FC236}">
-                  <a16:creationId xmlns:a16="http://schemas.microsoft.com/office/drawing/2014/main" id="{A8F8AD2A-3234-498A-A67D-AC2FACAB2947}"/>
-                </a:ext>
-              </a:extLst>
-            </p:cNvPr>
-            <p:cNvSpPr/>
-            <p:nvPr/>
-          </p:nvSpPr>
-          <p:spPr>
-            <a:xfrm>
-              <a:off x="5781100" y="536475"/>
-              <a:ext cx="1068775" cy="1147125"/>
-            </a:xfrm>
-            <a:custGeom>
-              <a:avLst/>
-              <a:gdLst/>
-              <a:ahLst/>
-              <a:cxnLst/>
-              <a:rect l="l" t="t" r="r" b="b"/>
-              <a:pathLst>
-                <a:path w="42751" h="45885" fill="none" extrusionOk="0">
-                  <a:moveTo>
-                    <a:pt x="39143" y="25565"/>
-                  </a:moveTo>
-                  <a:lnTo>
-                    <a:pt x="21454" y="6285"/>
-                  </a:lnTo>
-                  <a:cubicBezTo>
-                    <a:pt x="15705" y="1"/>
-                    <a:pt x="5325" y="2237"/>
-                    <a:pt x="2663" y="10334"/>
-                  </a:cubicBezTo>
-                  <a:cubicBezTo>
-                    <a:pt x="1" y="18430"/>
-                    <a:pt x="7042" y="26385"/>
-                    <a:pt x="15390" y="24746"/>
-                  </a:cubicBezTo>
-                  <a:lnTo>
-                    <a:pt x="20226" y="30023"/>
-                  </a:lnTo>
-                  <a:cubicBezTo>
-                    <a:pt x="17879" y="38198"/>
-                    <a:pt x="25203" y="45885"/>
-                    <a:pt x="33489" y="43932"/>
-                  </a:cubicBezTo>
-                  <a:cubicBezTo>
-                    <a:pt x="37332" y="43034"/>
-                    <a:pt x="40419" y="40151"/>
-                    <a:pt x="41585" y="36371"/>
-                  </a:cubicBezTo>
-                  <a:cubicBezTo>
-                    <a:pt x="42751" y="32591"/>
-                    <a:pt x="41821" y="28479"/>
-                    <a:pt x="39143" y="25565"/>
-                  </a:cubicBezTo>
-                  <a:close/>
-                </a:path>
-              </a:pathLst>
-            </a:custGeom>
-            <a:noFill/>
-            <a:ln w="49225" cap="flat" cmpd="sng">
-              <a:solidFill>
-                <a:schemeClr val="dk1"/>
-              </a:solidFill>
-              <a:prstDash val="solid"/>
-              <a:miter lim="15751"/>
-              <a:headEnd type="none" w="sm" len="sm"/>
-              <a:tailEnd type="none" w="sm" len="sm"/>
-            </a:ln>
-          </p:spPr>
-          <p:txBody>
-            <a:bodyPr spcFirstLastPara="1" wrap="square" lIns="91425" tIns="91425" rIns="91425" bIns="91425" anchor="ctr" anchorCtr="0">
-              <a:noAutofit/>
-            </a:bodyPr>
-            <a:lstStyle/>
-            <a:p>
-              <a:pPr marL="0" lvl="0" indent="0" algn="l" rtl="0">
-                <a:spcBef>
-                  <a:spcPts val="0"/>
-                </a:spcBef>
-                <a:spcAft>
-                  <a:spcPts val="0"/>
-                </a:spcAft>
-                <a:buNone/>
-              </a:pPr>
-              <a:endParaRPr/>
-            </a:p>
-          </p:txBody>
-        </p:sp>
-        <p:sp>
-          <p:nvSpPr>
-            <p:cNvPr id="60" name="Google Shape;888;p49">
-              <a:extLst>
-                <a:ext uri="{FF2B5EF4-FFF2-40B4-BE49-F238E27FC236}">
-                  <a16:creationId xmlns:a16="http://schemas.microsoft.com/office/drawing/2014/main" id="{219B7A67-6337-4190-9553-B3403A53B281}"/>
-                </a:ext>
-              </a:extLst>
-            </p:cNvPr>
-            <p:cNvSpPr/>
-            <p:nvPr/>
-          </p:nvSpPr>
-          <p:spPr>
-            <a:xfrm>
-              <a:off x="6588575" y="1249725"/>
-              <a:ext cx="97100" cy="91000"/>
-            </a:xfrm>
-            <a:custGeom>
-              <a:avLst/>
-              <a:gdLst/>
-              <a:ahLst/>
-              <a:cxnLst/>
-              <a:rect l="l" t="t" r="r" b="b"/>
-              <a:pathLst>
-                <a:path w="3884" h="3640" extrusionOk="0">
-                  <a:moveTo>
-                    <a:pt x="1881" y="0"/>
-                  </a:moveTo>
-                  <a:cubicBezTo>
-                    <a:pt x="975" y="0"/>
-                    <a:pt x="97" y="679"/>
-                    <a:pt x="56" y="1745"/>
-                  </a:cubicBezTo>
-                  <a:cubicBezTo>
-                    <a:pt x="1" y="2864"/>
-                    <a:pt x="917" y="3640"/>
-                    <a:pt x="1882" y="3640"/>
-                  </a:cubicBezTo>
-                  <a:cubicBezTo>
-                    <a:pt x="2302" y="3640"/>
-                    <a:pt x="2732" y="3493"/>
-                    <a:pt x="3096" y="3163"/>
-                  </a:cubicBezTo>
-                  <a:cubicBezTo>
-                    <a:pt x="3836" y="2485"/>
-                    <a:pt x="3883" y="1336"/>
-                    <a:pt x="3206" y="595"/>
-                  </a:cubicBezTo>
-                  <a:cubicBezTo>
-                    <a:pt x="2833" y="185"/>
-                    <a:pt x="2353" y="0"/>
-                    <a:pt x="1881" y="0"/>
-                  </a:cubicBezTo>
-                  <a:close/>
-                </a:path>
-              </a:pathLst>
-            </a:custGeom>
-            <a:solidFill>
-              <a:schemeClr val="dk1"/>
-            </a:solidFill>
-            <a:ln>
-              <a:noFill/>
-            </a:ln>
-          </p:spPr>
-          <p:txBody>
-            <a:bodyPr spcFirstLastPara="1" wrap="square" lIns="91425" tIns="91425" rIns="91425" bIns="91425" anchor="ctr" anchorCtr="0">
-              <a:noAutofit/>
-            </a:bodyPr>
-            <a:lstStyle/>
-            <a:p>
-              <a:pPr marL="0" lvl="0" indent="0" algn="l" rtl="0">
-                <a:spcBef>
-                  <a:spcPts val="0"/>
-                </a:spcBef>
-                <a:spcAft>
-                  <a:spcPts val="0"/>
-                </a:spcAft>
-                <a:buNone/>
-              </a:pPr>
-              <a:endParaRPr/>
-            </a:p>
-          </p:txBody>
-        </p:sp>
-        <p:sp>
-          <p:nvSpPr>
-            <p:cNvPr id="61" name="Google Shape;889;p49">
-              <a:extLst>
-                <a:ext uri="{FF2B5EF4-FFF2-40B4-BE49-F238E27FC236}">
-                  <a16:creationId xmlns:a16="http://schemas.microsoft.com/office/drawing/2014/main" id="{7AC7A008-528E-4C23-A74C-7C7208AA8BFB}"/>
-                </a:ext>
-              </a:extLst>
-            </p:cNvPr>
-            <p:cNvSpPr/>
-            <p:nvPr/>
-          </p:nvSpPr>
-          <p:spPr>
-            <a:xfrm>
-              <a:off x="6436850" y="1388850"/>
-              <a:ext cx="96825" cy="91125"/>
-            </a:xfrm>
-            <a:custGeom>
-              <a:avLst/>
-              <a:gdLst/>
-              <a:ahLst/>
-              <a:cxnLst/>
-              <a:rect l="l" t="t" r="r" b="b"/>
-              <a:pathLst>
-                <a:path w="3873" h="3645" extrusionOk="0">
-                  <a:moveTo>
-                    <a:pt x="1865" y="0"/>
-                  </a:moveTo>
-                  <a:cubicBezTo>
-                    <a:pt x="958" y="0"/>
-                    <a:pt x="86" y="678"/>
-                    <a:pt x="44" y="1740"/>
-                  </a:cubicBezTo>
-                  <a:cubicBezTo>
-                    <a:pt x="1" y="2868"/>
-                    <a:pt x="915" y="3645"/>
-                    <a:pt x="1878" y="3645"/>
-                  </a:cubicBezTo>
-                  <a:cubicBezTo>
-                    <a:pt x="2302" y="3645"/>
-                    <a:pt x="2735" y="3495"/>
-                    <a:pt x="3100" y="3158"/>
-                  </a:cubicBezTo>
-                  <a:cubicBezTo>
-                    <a:pt x="3825" y="2481"/>
-                    <a:pt x="3872" y="1331"/>
-                    <a:pt x="3210" y="606"/>
-                  </a:cubicBezTo>
-                  <a:cubicBezTo>
-                    <a:pt x="2830" y="188"/>
-                    <a:pt x="2343" y="0"/>
-                    <a:pt x="1865" y="0"/>
-                  </a:cubicBezTo>
-                  <a:close/>
-                </a:path>
-              </a:pathLst>
-            </a:custGeom>
-            <a:solidFill>
-              <a:schemeClr val="dk1"/>
-            </a:solidFill>
-            <a:ln>
-              <a:noFill/>
-            </a:ln>
-          </p:spPr>
-          <p:txBody>
-            <a:bodyPr spcFirstLastPara="1" wrap="square" lIns="91425" tIns="91425" rIns="91425" bIns="91425" anchor="ctr" anchorCtr="0">
-              <a:noAutofit/>
-            </a:bodyPr>
-            <a:lstStyle/>
-            <a:p>
-              <a:pPr marL="0" lvl="0" indent="0" algn="l" rtl="0">
-                <a:spcBef>
-                  <a:spcPts val="0"/>
-                </a:spcBef>
-                <a:spcAft>
-                  <a:spcPts val="0"/>
-                </a:spcAft>
-                <a:buNone/>
-              </a:pPr>
-              <a:endParaRPr/>
-            </a:p>
-          </p:txBody>
-        </p:sp>
-        <p:sp>
-          <p:nvSpPr>
-            <p:cNvPr id="62" name="Google Shape;890;p49">
-              <a:extLst>
-                <a:ext uri="{FF2B5EF4-FFF2-40B4-BE49-F238E27FC236}">
-                  <a16:creationId xmlns:a16="http://schemas.microsoft.com/office/drawing/2014/main" id="{2EB8F557-DB30-4AAB-92D2-82DB3ABBEF20}"/>
-                </a:ext>
-              </a:extLst>
-            </p:cNvPr>
-            <p:cNvSpPr/>
-            <p:nvPr/>
-          </p:nvSpPr>
-          <p:spPr>
-            <a:xfrm>
-              <a:off x="6568350" y="1394900"/>
-              <a:ext cx="121250" cy="91025"/>
-            </a:xfrm>
-            <a:custGeom>
-              <a:avLst/>
-              <a:gdLst/>
-              <a:ahLst/>
-              <a:cxnLst/>
-              <a:rect l="l" t="t" r="r" b="b"/>
-              <a:pathLst>
-                <a:path w="4850" h="3641" extrusionOk="0">
-                  <a:moveTo>
-                    <a:pt x="2425" y="1"/>
-                  </a:moveTo>
-                  <a:cubicBezTo>
-                    <a:pt x="852" y="1"/>
-                    <a:pt x="0" y="1880"/>
-                    <a:pt x="1085" y="3058"/>
-                  </a:cubicBezTo>
-                  <a:cubicBezTo>
-                    <a:pt x="1445" y="3443"/>
-                    <a:pt x="1937" y="3641"/>
-                    <a:pt x="2431" y="3641"/>
-                  </a:cubicBezTo>
-                  <a:cubicBezTo>
-                    <a:pt x="2868" y="3641"/>
-                    <a:pt x="3305" y="3486"/>
-                    <a:pt x="3653" y="3168"/>
-                  </a:cubicBezTo>
-                  <a:cubicBezTo>
-                    <a:pt x="4850" y="2081"/>
-                    <a:pt x="4125" y="81"/>
-                    <a:pt x="2503" y="2"/>
-                  </a:cubicBezTo>
-                  <a:cubicBezTo>
-                    <a:pt x="2477" y="1"/>
-                    <a:pt x="2451" y="1"/>
-                    <a:pt x="2425" y="1"/>
-                  </a:cubicBezTo>
-                  <a:close/>
-                </a:path>
-              </a:pathLst>
-            </a:custGeom>
-            <a:solidFill>
-              <a:schemeClr val="dk1"/>
-            </a:solidFill>
-            <a:ln>
-              <a:noFill/>
-            </a:ln>
-          </p:spPr>
-          <p:txBody>
-            <a:bodyPr spcFirstLastPara="1" wrap="square" lIns="91425" tIns="91425" rIns="91425" bIns="91425" anchor="ctr" anchorCtr="0">
-              <a:noAutofit/>
-            </a:bodyPr>
-            <a:lstStyle/>
-            <a:p>
-              <a:pPr marL="0" lvl="0" indent="0" algn="l" rtl="0">
-                <a:spcBef>
-                  <a:spcPts val="0"/>
-                </a:spcBef>
-                <a:spcAft>
-                  <a:spcPts val="0"/>
-                </a:spcAft>
-                <a:buNone/>
-              </a:pPr>
-              <a:endParaRPr/>
-            </a:p>
-          </p:txBody>
-        </p:sp>
-        <p:sp>
-          <p:nvSpPr>
-            <p:cNvPr id="63" name="Google Shape;891;p49">
-              <a:extLst>
-                <a:ext uri="{FF2B5EF4-FFF2-40B4-BE49-F238E27FC236}">
-                  <a16:creationId xmlns:a16="http://schemas.microsoft.com/office/drawing/2014/main" id="{7DA0AD2E-7EA2-4109-B045-938B9EAD8644}"/>
-                </a:ext>
-              </a:extLst>
-            </p:cNvPr>
-            <p:cNvSpPr/>
-            <p:nvPr/>
-          </p:nvSpPr>
-          <p:spPr>
-            <a:xfrm>
-              <a:off x="6429325" y="1243300"/>
-              <a:ext cx="120875" cy="90875"/>
-            </a:xfrm>
-            <a:custGeom>
-              <a:avLst/>
-              <a:gdLst/>
-              <a:ahLst/>
-              <a:cxnLst/>
-              <a:rect l="l" t="t" r="r" b="b"/>
-              <a:pathLst>
-                <a:path w="4835" h="3635" extrusionOk="0">
-                  <a:moveTo>
-                    <a:pt x="2426" y="0"/>
-                  </a:moveTo>
-                  <a:cubicBezTo>
-                    <a:pt x="853" y="0"/>
-                    <a:pt x="1" y="1880"/>
-                    <a:pt x="1086" y="3058"/>
-                  </a:cubicBezTo>
-                  <a:cubicBezTo>
-                    <a:pt x="1444" y="3440"/>
-                    <a:pt x="1929" y="3634"/>
-                    <a:pt x="2417" y="3634"/>
-                  </a:cubicBezTo>
-                  <a:cubicBezTo>
-                    <a:pt x="2852" y="3634"/>
-                    <a:pt x="3288" y="3480"/>
-                    <a:pt x="3637" y="3168"/>
-                  </a:cubicBezTo>
-                  <a:cubicBezTo>
-                    <a:pt x="4835" y="2065"/>
-                    <a:pt x="4110" y="80"/>
-                    <a:pt x="2503" y="2"/>
-                  </a:cubicBezTo>
-                  <a:cubicBezTo>
-                    <a:pt x="2477" y="1"/>
-                    <a:pt x="2451" y="0"/>
-                    <a:pt x="2426" y="0"/>
-                  </a:cubicBezTo>
-                  <a:close/>
-                </a:path>
-              </a:pathLst>
-            </a:custGeom>
-            <a:solidFill>
-              <a:schemeClr val="dk1"/>
-            </a:solidFill>
-            <a:ln>
-              <a:noFill/>
-            </a:ln>
-          </p:spPr>
-          <p:txBody>
-            <a:bodyPr spcFirstLastPara="1" wrap="square" lIns="91425" tIns="91425" rIns="91425" bIns="91425" anchor="ctr" anchorCtr="0">
-              <a:noAutofit/>
-            </a:bodyPr>
-            <a:lstStyle/>
-            <a:p>
-              <a:pPr marL="0" lvl="0" indent="0" algn="l" rtl="0">
-                <a:spcBef>
-                  <a:spcPts val="0"/>
-                </a:spcBef>
-                <a:spcAft>
-                  <a:spcPts val="0"/>
-                </a:spcAft>
-                <a:buNone/>
-              </a:pPr>
-              <a:endParaRPr/>
-            </a:p>
-          </p:txBody>
-        </p:sp>
-        <p:sp>
-          <p:nvSpPr>
-            <p:cNvPr id="64" name="Google Shape;892;p49">
-              <a:extLst>
-                <a:ext uri="{FF2B5EF4-FFF2-40B4-BE49-F238E27FC236}">
-                  <a16:creationId xmlns:a16="http://schemas.microsoft.com/office/drawing/2014/main" id="{BCDEC3D9-628D-4EDB-AA88-1367E5BAF85B}"/>
-                </a:ext>
-              </a:extLst>
-            </p:cNvPr>
-            <p:cNvSpPr/>
-            <p:nvPr/>
-          </p:nvSpPr>
-          <p:spPr>
-            <a:xfrm>
-              <a:off x="5988250" y="757275"/>
-              <a:ext cx="235900" cy="232200"/>
-            </a:xfrm>
-            <a:custGeom>
-              <a:avLst/>
-              <a:gdLst/>
-              <a:ahLst/>
-              <a:cxnLst/>
-              <a:rect l="l" t="t" r="r" b="b"/>
-              <a:pathLst>
-                <a:path w="9436" h="9288" extrusionOk="0">
-                  <a:moveTo>
-                    <a:pt x="2800" y="1"/>
-                  </a:moveTo>
-                  <a:cubicBezTo>
-                    <a:pt x="2633" y="1"/>
-                    <a:pt x="2465" y="60"/>
-                    <a:pt x="2331" y="178"/>
-                  </a:cubicBezTo>
-                  <a:lnTo>
-                    <a:pt x="473" y="1880"/>
-                  </a:lnTo>
-                  <a:cubicBezTo>
-                    <a:pt x="189" y="2147"/>
-                    <a:pt x="173" y="2588"/>
-                    <a:pt x="425" y="2872"/>
-                  </a:cubicBezTo>
-                  <a:lnTo>
-                    <a:pt x="1937" y="4526"/>
-                  </a:lnTo>
-                  <a:lnTo>
-                    <a:pt x="299" y="6038"/>
-                  </a:lnTo>
-                  <a:cubicBezTo>
-                    <a:pt x="16" y="6306"/>
-                    <a:pt x="0" y="6731"/>
-                    <a:pt x="252" y="7015"/>
-                  </a:cubicBezTo>
-                  <a:lnTo>
-                    <a:pt x="1953" y="8889"/>
-                  </a:lnTo>
-                  <a:cubicBezTo>
-                    <a:pt x="2093" y="9037"/>
-                    <a:pt x="2280" y="9112"/>
-                    <a:pt x="2467" y="9112"/>
-                  </a:cubicBezTo>
-                  <a:cubicBezTo>
-                    <a:pt x="2638" y="9112"/>
-                    <a:pt x="2810" y="9049"/>
-                    <a:pt x="2946" y="8921"/>
-                  </a:cubicBezTo>
-                  <a:lnTo>
-                    <a:pt x="4600" y="7408"/>
-                  </a:lnTo>
-                  <a:lnTo>
-                    <a:pt x="6112" y="9062"/>
-                  </a:lnTo>
-                  <a:cubicBezTo>
-                    <a:pt x="6253" y="9213"/>
-                    <a:pt x="6439" y="9288"/>
-                    <a:pt x="6625" y="9288"/>
-                  </a:cubicBezTo>
-                  <a:cubicBezTo>
-                    <a:pt x="6790" y="9288"/>
-                    <a:pt x="6955" y="9228"/>
-                    <a:pt x="7088" y="9110"/>
-                  </a:cubicBezTo>
-                  <a:lnTo>
-                    <a:pt x="8947" y="7393"/>
-                  </a:lnTo>
-                  <a:cubicBezTo>
-                    <a:pt x="9230" y="7141"/>
-                    <a:pt x="9262" y="6700"/>
-                    <a:pt x="8994" y="6416"/>
-                  </a:cubicBezTo>
-                  <a:lnTo>
-                    <a:pt x="7482" y="4762"/>
-                  </a:lnTo>
-                  <a:lnTo>
-                    <a:pt x="9136" y="3250"/>
-                  </a:lnTo>
-                  <a:cubicBezTo>
-                    <a:pt x="9420" y="2982"/>
-                    <a:pt x="9435" y="2541"/>
-                    <a:pt x="9167" y="2258"/>
-                  </a:cubicBezTo>
-                  <a:lnTo>
-                    <a:pt x="7466" y="399"/>
-                  </a:lnTo>
-                  <a:cubicBezTo>
-                    <a:pt x="7333" y="249"/>
-                    <a:pt x="7146" y="174"/>
-                    <a:pt x="6959" y="174"/>
-                  </a:cubicBezTo>
-                  <a:cubicBezTo>
-                    <a:pt x="6791" y="174"/>
-                    <a:pt x="6623" y="233"/>
-                    <a:pt x="6490" y="352"/>
-                  </a:cubicBezTo>
-                  <a:lnTo>
-                    <a:pt x="4836" y="1880"/>
-                  </a:lnTo>
-                  <a:lnTo>
-                    <a:pt x="3308" y="226"/>
-                  </a:lnTo>
-                  <a:cubicBezTo>
-                    <a:pt x="3174" y="76"/>
-                    <a:pt x="2988" y="1"/>
-                    <a:pt x="2800" y="1"/>
-                  </a:cubicBezTo>
-                  <a:close/>
-                </a:path>
-              </a:pathLst>
-            </a:custGeom>
-            <a:solidFill>
-              <a:schemeClr val="dk1"/>
-            </a:solidFill>
-            <a:ln>
-              <a:noFill/>
-            </a:ln>
-          </p:spPr>
-          <p:txBody>
-            <a:bodyPr spcFirstLastPara="1" wrap="square" lIns="91425" tIns="91425" rIns="91425" bIns="91425" anchor="ctr" anchorCtr="0">
-              <a:noAutofit/>
-            </a:bodyPr>
-            <a:lstStyle/>
-            <a:p>
-              <a:pPr marL="0" lvl="0" indent="0" algn="l" rtl="0">
-                <a:spcBef>
-                  <a:spcPts val="0"/>
-                </a:spcBef>
-                <a:spcAft>
-                  <a:spcPts val="0"/>
-                </a:spcAft>
-                <a:buNone/>
-              </a:pPr>
-              <a:endParaRPr/>
-            </a:p>
-          </p:txBody>
-        </p:sp>
-      </p:grpSp>
-      <p:grpSp>
-        <p:nvGrpSpPr>
-          <p:cNvPr id="65" name="Google Shape;893;p49">
-            <a:extLst>
-              <a:ext uri="{FF2B5EF4-FFF2-40B4-BE49-F238E27FC236}">
-                <a16:creationId xmlns:a16="http://schemas.microsoft.com/office/drawing/2014/main" id="{80CAA165-2C9E-4827-952D-0CE52890233F}"/>
-              </a:ext>
-            </a:extLst>
-          </p:cNvPr>
-          <p:cNvGrpSpPr/>
-          <p:nvPr/>
-        </p:nvGrpSpPr>
-        <p:grpSpPr>
-          <a:xfrm rot="-9987451" flipH="1">
-            <a:off x="2032423" y="-438909"/>
-            <a:ext cx="2078063" cy="2686329"/>
-            <a:chOff x="5523175" y="536475"/>
-            <a:chExt cx="1855175" cy="2398200"/>
-          </a:xfrm>
-        </p:grpSpPr>
-        <p:sp>
-          <p:nvSpPr>
-            <p:cNvPr id="66" name="Google Shape;894;p49">
-              <a:extLst>
-                <a:ext uri="{FF2B5EF4-FFF2-40B4-BE49-F238E27FC236}">
-                  <a16:creationId xmlns:a16="http://schemas.microsoft.com/office/drawing/2014/main" id="{85948F89-D1C4-4420-85C7-6014E44438CA}"/>
-                </a:ext>
-              </a:extLst>
-            </p:cNvPr>
-            <p:cNvSpPr/>
-            <p:nvPr/>
-          </p:nvSpPr>
-          <p:spPr>
-            <a:xfrm>
-              <a:off x="5523175" y="686500"/>
-              <a:ext cx="1855175" cy="2248175"/>
-            </a:xfrm>
-            <a:custGeom>
-              <a:avLst/>
-              <a:gdLst/>
-              <a:ahLst/>
-              <a:cxnLst/>
-              <a:rect l="l" t="t" r="r" b="b"/>
-              <a:pathLst>
-                <a:path w="74207" h="89927" fill="none" extrusionOk="0">
-                  <a:moveTo>
-                    <a:pt x="71749" y="8995"/>
-                  </a:moveTo>
-                  <a:cubicBezTo>
-                    <a:pt x="70048" y="5924"/>
-                    <a:pt x="67244" y="3514"/>
-                    <a:pt x="64062" y="2080"/>
-                  </a:cubicBezTo>
-                  <a:cubicBezTo>
-                    <a:pt x="60802" y="599"/>
-                    <a:pt x="57147" y="174"/>
-                    <a:pt x="53635" y="867"/>
-                  </a:cubicBezTo>
-                  <a:cubicBezTo>
-                    <a:pt x="49965" y="1592"/>
-                    <a:pt x="46546" y="3435"/>
-                    <a:pt x="43821" y="5939"/>
-                  </a:cubicBezTo>
-                  <a:cubicBezTo>
-                    <a:pt x="42498" y="7152"/>
-                    <a:pt x="41333" y="8523"/>
-                    <a:pt x="40340" y="10035"/>
-                  </a:cubicBezTo>
-                  <a:cubicBezTo>
-                    <a:pt x="40183" y="10287"/>
-                    <a:pt x="40592" y="10539"/>
-                    <a:pt x="40766" y="10271"/>
-                  </a:cubicBezTo>
-                  <a:cubicBezTo>
-                    <a:pt x="44766" y="4175"/>
-                    <a:pt x="52233" y="1"/>
-                    <a:pt x="59620" y="1230"/>
-                  </a:cubicBezTo>
-                  <a:cubicBezTo>
-                    <a:pt x="63086" y="1797"/>
-                    <a:pt x="66283" y="3435"/>
-                    <a:pt x="68788" y="5892"/>
-                  </a:cubicBezTo>
-                  <a:cubicBezTo>
-                    <a:pt x="71465" y="8570"/>
-                    <a:pt x="73293" y="12382"/>
-                    <a:pt x="72930" y="16241"/>
-                  </a:cubicBezTo>
-                  <a:cubicBezTo>
-                    <a:pt x="72741" y="18352"/>
-                    <a:pt x="71733" y="20210"/>
-                    <a:pt x="70347" y="21770"/>
-                  </a:cubicBezTo>
-                  <a:cubicBezTo>
-                    <a:pt x="69607" y="22604"/>
-                    <a:pt x="68788" y="23361"/>
-                    <a:pt x="67921" y="24054"/>
-                  </a:cubicBezTo>
-                  <a:cubicBezTo>
-                    <a:pt x="67984" y="23124"/>
-                    <a:pt x="67937" y="22195"/>
-                    <a:pt x="67780" y="21281"/>
-                  </a:cubicBezTo>
-                  <a:cubicBezTo>
-                    <a:pt x="67181" y="17989"/>
-                    <a:pt x="65023" y="14823"/>
-                    <a:pt x="61747" y="13784"/>
-                  </a:cubicBezTo>
-                  <a:cubicBezTo>
-                    <a:pt x="58864" y="12854"/>
-                    <a:pt x="55289" y="13658"/>
-                    <a:pt x="53351" y="16083"/>
-                  </a:cubicBezTo>
-                  <a:cubicBezTo>
-                    <a:pt x="51335" y="18604"/>
-                    <a:pt x="51729" y="22211"/>
-                    <a:pt x="53587" y="24699"/>
-                  </a:cubicBezTo>
-                  <a:cubicBezTo>
-                    <a:pt x="55777" y="27598"/>
-                    <a:pt x="59494" y="28259"/>
-                    <a:pt x="62865" y="27283"/>
-                  </a:cubicBezTo>
-                  <a:cubicBezTo>
-                    <a:pt x="64456" y="26810"/>
-                    <a:pt x="65952" y="26070"/>
-                    <a:pt x="67307" y="25109"/>
-                  </a:cubicBezTo>
-                  <a:cubicBezTo>
-                    <a:pt x="66882" y="27661"/>
-                    <a:pt x="65574" y="30071"/>
-                    <a:pt x="63889" y="32024"/>
-                  </a:cubicBezTo>
-                  <a:cubicBezTo>
-                    <a:pt x="58675" y="38025"/>
-                    <a:pt x="50390" y="39915"/>
-                    <a:pt x="42829" y="40766"/>
-                  </a:cubicBezTo>
-                  <a:cubicBezTo>
-                    <a:pt x="34512" y="41695"/>
-                    <a:pt x="25770" y="41601"/>
-                    <a:pt x="18052" y="45303"/>
-                  </a:cubicBezTo>
-                  <a:cubicBezTo>
-                    <a:pt x="11720" y="48343"/>
-                    <a:pt x="6553" y="53761"/>
-                    <a:pt x="3718" y="60188"/>
-                  </a:cubicBezTo>
-                  <a:cubicBezTo>
-                    <a:pt x="756" y="66835"/>
-                    <a:pt x="0" y="75435"/>
-                    <a:pt x="4568" y="81563"/>
-                  </a:cubicBezTo>
-                  <a:cubicBezTo>
-                    <a:pt x="9436" y="88100"/>
-                    <a:pt x="18004" y="89785"/>
-                    <a:pt x="25676" y="89895"/>
-                  </a:cubicBezTo>
-                  <a:cubicBezTo>
-                    <a:pt x="27897" y="89927"/>
-                    <a:pt x="30117" y="89848"/>
-                    <a:pt x="32338" y="89769"/>
-                  </a:cubicBezTo>
-                  <a:cubicBezTo>
-                    <a:pt x="32653" y="89769"/>
-                    <a:pt x="32653" y="89281"/>
-                    <a:pt x="32338" y="89281"/>
-                  </a:cubicBezTo>
-                  <a:cubicBezTo>
-                    <a:pt x="23848" y="89580"/>
-                    <a:pt x="14271" y="89785"/>
-                    <a:pt x="7404" y="83894"/>
-                  </a:cubicBezTo>
-                  <a:cubicBezTo>
-                    <a:pt x="4316" y="81248"/>
-                    <a:pt x="2473" y="77578"/>
-                    <a:pt x="1969" y="73545"/>
-                  </a:cubicBezTo>
-                  <a:cubicBezTo>
-                    <a:pt x="1481" y="69592"/>
-                    <a:pt x="2158" y="65543"/>
-                    <a:pt x="3545" y="61842"/>
-                  </a:cubicBezTo>
-                  <a:cubicBezTo>
-                    <a:pt x="6207" y="54864"/>
-                    <a:pt x="11389" y="49162"/>
-                    <a:pt x="18052" y="45838"/>
-                  </a:cubicBezTo>
-                  <a:cubicBezTo>
-                    <a:pt x="26054" y="41900"/>
-                    <a:pt x="35205" y="42199"/>
-                    <a:pt x="43853" y="41128"/>
-                  </a:cubicBezTo>
-                  <a:cubicBezTo>
-                    <a:pt x="51524" y="40183"/>
-                    <a:pt x="59888" y="38010"/>
-                    <a:pt x="64866" y="31599"/>
-                  </a:cubicBezTo>
-                  <a:cubicBezTo>
-                    <a:pt x="66409" y="29598"/>
-                    <a:pt x="67528" y="27204"/>
-                    <a:pt x="67858" y="24715"/>
-                  </a:cubicBezTo>
-                  <a:lnTo>
-                    <a:pt x="68016" y="24589"/>
-                  </a:lnTo>
-                  <a:cubicBezTo>
-                    <a:pt x="69528" y="23439"/>
-                    <a:pt x="70930" y="22053"/>
-                    <a:pt x="71954" y="20447"/>
-                  </a:cubicBezTo>
-                  <a:cubicBezTo>
-                    <a:pt x="74206" y="16934"/>
-                    <a:pt x="73702" y="12523"/>
-                    <a:pt x="71749" y="8995"/>
-                  </a:cubicBezTo>
-                  <a:close/>
-                  <a:moveTo>
-                    <a:pt x="65889" y="25440"/>
-                  </a:moveTo>
-                  <a:cubicBezTo>
-                    <a:pt x="62802" y="27235"/>
-                    <a:pt x="58628" y="28165"/>
-                    <a:pt x="55493" y="25912"/>
-                  </a:cubicBezTo>
-                  <a:cubicBezTo>
-                    <a:pt x="52926" y="24054"/>
-                    <a:pt x="51603" y="20242"/>
-                    <a:pt x="53115" y="17312"/>
-                  </a:cubicBezTo>
-                  <a:cubicBezTo>
-                    <a:pt x="54595" y="14492"/>
-                    <a:pt x="58203" y="13374"/>
-                    <a:pt x="61195" y="14114"/>
-                  </a:cubicBezTo>
-                  <a:cubicBezTo>
-                    <a:pt x="64598" y="14965"/>
-                    <a:pt x="66787" y="18210"/>
-                    <a:pt x="67339" y="21533"/>
-                  </a:cubicBezTo>
-                  <a:cubicBezTo>
-                    <a:pt x="67496" y="22494"/>
-                    <a:pt x="67528" y="23471"/>
-                    <a:pt x="67417" y="24447"/>
-                  </a:cubicBezTo>
-                  <a:cubicBezTo>
-                    <a:pt x="66929" y="24794"/>
-                    <a:pt x="66409" y="25140"/>
-                    <a:pt x="65889" y="25440"/>
-                  </a:cubicBezTo>
-                  <a:close/>
-                </a:path>
-              </a:pathLst>
-            </a:custGeom>
-            <a:noFill/>
-            <a:ln w="39375" cap="flat" cmpd="sng">
-              <a:solidFill>
-                <a:schemeClr val="dk1"/>
-              </a:solidFill>
-              <a:prstDash val="solid"/>
-              <a:miter lim="15751"/>
-              <a:headEnd type="none" w="sm" len="sm"/>
-              <a:tailEnd type="none" w="sm" len="sm"/>
-            </a:ln>
-          </p:spPr>
-          <p:txBody>
-            <a:bodyPr spcFirstLastPara="1" wrap="square" lIns="91425" tIns="91425" rIns="91425" bIns="91425" anchor="ctr" anchorCtr="0">
-              <a:noAutofit/>
-            </a:bodyPr>
-            <a:lstStyle/>
-            <a:p>
-              <a:pPr marL="0" lvl="0" indent="0" algn="l" rtl="0">
-                <a:spcBef>
-                  <a:spcPts val="0"/>
-                </a:spcBef>
-                <a:spcAft>
-                  <a:spcPts val="0"/>
-                </a:spcAft>
-                <a:buNone/>
-              </a:pPr>
-              <a:endParaRPr/>
-            </a:p>
-          </p:txBody>
-        </p:sp>
-        <p:sp>
-          <p:nvSpPr>
-            <p:cNvPr id="67" name="Google Shape;895;p49">
-              <a:extLst>
-                <a:ext uri="{FF2B5EF4-FFF2-40B4-BE49-F238E27FC236}">
-                  <a16:creationId xmlns:a16="http://schemas.microsoft.com/office/drawing/2014/main" id="{503F708F-A9E5-4C0B-BC3F-D236B324531E}"/>
-                </a:ext>
-              </a:extLst>
-            </p:cNvPr>
-            <p:cNvSpPr/>
-            <p:nvPr/>
-          </p:nvSpPr>
-          <p:spPr>
-            <a:xfrm>
-              <a:off x="6472200" y="834425"/>
-              <a:ext cx="166600" cy="174625"/>
-            </a:xfrm>
-            <a:custGeom>
-              <a:avLst/>
-              <a:gdLst/>
-              <a:ahLst/>
-              <a:cxnLst/>
-              <a:rect l="l" t="t" r="r" b="b"/>
-              <a:pathLst>
-                <a:path w="6664" h="6985" extrusionOk="0">
-                  <a:moveTo>
-                    <a:pt x="1386" y="0"/>
-                  </a:moveTo>
-                  <a:cubicBezTo>
-                    <a:pt x="1261" y="0"/>
-                    <a:pt x="1137" y="44"/>
-                    <a:pt x="1040" y="133"/>
-                  </a:cubicBezTo>
-                  <a:lnTo>
-                    <a:pt x="1" y="1093"/>
-                  </a:lnTo>
-                  <a:lnTo>
-                    <a:pt x="5388" y="6984"/>
-                  </a:lnTo>
-                  <a:lnTo>
-                    <a:pt x="6443" y="6024"/>
-                  </a:lnTo>
-                  <a:cubicBezTo>
-                    <a:pt x="6648" y="5835"/>
-                    <a:pt x="6664" y="5504"/>
-                    <a:pt x="6475" y="5283"/>
-                  </a:cubicBezTo>
-                  <a:lnTo>
-                    <a:pt x="1781" y="164"/>
-                  </a:lnTo>
-                  <a:cubicBezTo>
-                    <a:pt x="1672" y="56"/>
-                    <a:pt x="1528" y="0"/>
-                    <a:pt x="1386" y="0"/>
-                  </a:cubicBezTo>
-                  <a:close/>
-                </a:path>
-              </a:pathLst>
-            </a:custGeom>
-            <a:solidFill>
-              <a:schemeClr val="dk1"/>
-            </a:solidFill>
-            <a:ln>
-              <a:noFill/>
-            </a:ln>
-          </p:spPr>
-          <p:txBody>
-            <a:bodyPr spcFirstLastPara="1" wrap="square" lIns="91425" tIns="91425" rIns="91425" bIns="91425" anchor="ctr" anchorCtr="0">
-              <a:noAutofit/>
-            </a:bodyPr>
-            <a:lstStyle/>
-            <a:p>
-              <a:pPr marL="0" lvl="0" indent="0" algn="l" rtl="0">
-                <a:spcBef>
-                  <a:spcPts val="0"/>
-                </a:spcBef>
-                <a:spcAft>
-                  <a:spcPts val="0"/>
-                </a:spcAft>
-                <a:buNone/>
-              </a:pPr>
-              <a:endParaRPr/>
-            </a:p>
-          </p:txBody>
-        </p:sp>
-        <p:sp>
-          <p:nvSpPr>
-            <p:cNvPr id="68" name="Google Shape;896;p49">
-              <a:extLst>
-                <a:ext uri="{FF2B5EF4-FFF2-40B4-BE49-F238E27FC236}">
-                  <a16:creationId xmlns:a16="http://schemas.microsoft.com/office/drawing/2014/main" id="{1B8C45A5-142A-4663-A88E-B648C395BA32}"/>
-                </a:ext>
-              </a:extLst>
-            </p:cNvPr>
-            <p:cNvSpPr/>
-            <p:nvPr/>
-          </p:nvSpPr>
-          <p:spPr>
-            <a:xfrm>
-              <a:off x="5781100" y="536475"/>
-              <a:ext cx="1068775" cy="1147125"/>
-            </a:xfrm>
-            <a:custGeom>
-              <a:avLst/>
-              <a:gdLst/>
-              <a:ahLst/>
-              <a:cxnLst/>
-              <a:rect l="l" t="t" r="r" b="b"/>
-              <a:pathLst>
-                <a:path w="42751" h="45885" fill="none" extrusionOk="0">
-                  <a:moveTo>
-                    <a:pt x="39143" y="25565"/>
-                  </a:moveTo>
-                  <a:lnTo>
-                    <a:pt x="21454" y="6285"/>
-                  </a:lnTo>
-                  <a:cubicBezTo>
-                    <a:pt x="15705" y="1"/>
-                    <a:pt x="5325" y="2237"/>
-                    <a:pt x="2663" y="10334"/>
-                  </a:cubicBezTo>
-                  <a:cubicBezTo>
-                    <a:pt x="1" y="18430"/>
-                    <a:pt x="7042" y="26385"/>
-                    <a:pt x="15390" y="24746"/>
-                  </a:cubicBezTo>
-                  <a:lnTo>
-                    <a:pt x="20226" y="30023"/>
-                  </a:lnTo>
-                  <a:cubicBezTo>
-                    <a:pt x="17879" y="38198"/>
-                    <a:pt x="25203" y="45885"/>
-                    <a:pt x="33489" y="43932"/>
-                  </a:cubicBezTo>
-                  <a:cubicBezTo>
-                    <a:pt x="37332" y="43034"/>
-                    <a:pt x="40419" y="40151"/>
-                    <a:pt x="41585" y="36371"/>
-                  </a:cubicBezTo>
-                  <a:cubicBezTo>
-                    <a:pt x="42751" y="32591"/>
-                    <a:pt x="41821" y="28479"/>
-                    <a:pt x="39143" y="25565"/>
-                  </a:cubicBezTo>
-                  <a:close/>
-                </a:path>
-              </a:pathLst>
-            </a:custGeom>
-            <a:noFill/>
-            <a:ln w="49225" cap="flat" cmpd="sng">
-              <a:solidFill>
-                <a:schemeClr val="dk1"/>
-              </a:solidFill>
-              <a:prstDash val="solid"/>
-              <a:miter lim="15751"/>
-              <a:headEnd type="none" w="sm" len="sm"/>
-              <a:tailEnd type="none" w="sm" len="sm"/>
-            </a:ln>
-          </p:spPr>
-          <p:txBody>
-            <a:bodyPr spcFirstLastPara="1" wrap="square" lIns="91425" tIns="91425" rIns="91425" bIns="91425" anchor="ctr" anchorCtr="0">
-              <a:noAutofit/>
-            </a:bodyPr>
-            <a:lstStyle/>
-            <a:p>
-              <a:pPr marL="0" lvl="0" indent="0" algn="l" rtl="0">
-                <a:spcBef>
-                  <a:spcPts val="0"/>
-                </a:spcBef>
-                <a:spcAft>
-                  <a:spcPts val="0"/>
-                </a:spcAft>
-                <a:buNone/>
-              </a:pPr>
-              <a:endParaRPr/>
-            </a:p>
-          </p:txBody>
-        </p:sp>
-        <p:sp>
-          <p:nvSpPr>
-            <p:cNvPr id="69" name="Google Shape;897;p49">
-              <a:extLst>
-                <a:ext uri="{FF2B5EF4-FFF2-40B4-BE49-F238E27FC236}">
-                  <a16:creationId xmlns:a16="http://schemas.microsoft.com/office/drawing/2014/main" id="{183688E5-53DF-4773-8D81-CC545276BF6E}"/>
-                </a:ext>
-              </a:extLst>
-            </p:cNvPr>
-            <p:cNvSpPr/>
-            <p:nvPr/>
-          </p:nvSpPr>
-          <p:spPr>
-            <a:xfrm>
-              <a:off x="6588575" y="1249725"/>
-              <a:ext cx="97100" cy="91000"/>
-            </a:xfrm>
-            <a:custGeom>
-              <a:avLst/>
-              <a:gdLst/>
-              <a:ahLst/>
-              <a:cxnLst/>
-              <a:rect l="l" t="t" r="r" b="b"/>
-              <a:pathLst>
-                <a:path w="3884" h="3640" extrusionOk="0">
-                  <a:moveTo>
-                    <a:pt x="1881" y="0"/>
-                  </a:moveTo>
-                  <a:cubicBezTo>
-                    <a:pt x="975" y="0"/>
-                    <a:pt x="97" y="679"/>
-                    <a:pt x="56" y="1745"/>
-                  </a:cubicBezTo>
-                  <a:cubicBezTo>
-                    <a:pt x="1" y="2864"/>
-                    <a:pt x="917" y="3640"/>
-                    <a:pt x="1882" y="3640"/>
-                  </a:cubicBezTo>
-                  <a:cubicBezTo>
-                    <a:pt x="2302" y="3640"/>
-                    <a:pt x="2732" y="3493"/>
-                    <a:pt x="3096" y="3163"/>
-                  </a:cubicBezTo>
-                  <a:cubicBezTo>
-                    <a:pt x="3836" y="2485"/>
-                    <a:pt x="3883" y="1336"/>
-                    <a:pt x="3206" y="595"/>
-                  </a:cubicBezTo>
-                  <a:cubicBezTo>
-                    <a:pt x="2833" y="185"/>
-                    <a:pt x="2353" y="0"/>
-                    <a:pt x="1881" y="0"/>
-                  </a:cubicBezTo>
-                  <a:close/>
-                </a:path>
-              </a:pathLst>
-            </a:custGeom>
-            <a:solidFill>
-              <a:schemeClr val="dk1"/>
-            </a:solidFill>
-            <a:ln>
-              <a:noFill/>
-            </a:ln>
-          </p:spPr>
-          <p:txBody>
-            <a:bodyPr spcFirstLastPara="1" wrap="square" lIns="91425" tIns="91425" rIns="91425" bIns="91425" anchor="ctr" anchorCtr="0">
-              <a:noAutofit/>
-            </a:bodyPr>
-            <a:lstStyle/>
-            <a:p>
-              <a:pPr marL="0" lvl="0" indent="0" algn="l" rtl="0">
-                <a:spcBef>
-                  <a:spcPts val="0"/>
-                </a:spcBef>
-                <a:spcAft>
-                  <a:spcPts val="0"/>
-                </a:spcAft>
-                <a:buNone/>
-              </a:pPr>
-              <a:endParaRPr/>
-            </a:p>
-          </p:txBody>
-        </p:sp>
-        <p:sp>
-          <p:nvSpPr>
-            <p:cNvPr id="70" name="Google Shape;898;p49">
-              <a:extLst>
-                <a:ext uri="{FF2B5EF4-FFF2-40B4-BE49-F238E27FC236}">
-                  <a16:creationId xmlns:a16="http://schemas.microsoft.com/office/drawing/2014/main" id="{7E512391-3720-4F84-BE7E-59BC6524DD8D}"/>
-                </a:ext>
-              </a:extLst>
-            </p:cNvPr>
-            <p:cNvSpPr/>
-            <p:nvPr/>
-          </p:nvSpPr>
-          <p:spPr>
-            <a:xfrm>
-              <a:off x="6436850" y="1388850"/>
-              <a:ext cx="96825" cy="91125"/>
-            </a:xfrm>
-            <a:custGeom>
-              <a:avLst/>
-              <a:gdLst/>
-              <a:ahLst/>
-              <a:cxnLst/>
-              <a:rect l="l" t="t" r="r" b="b"/>
-              <a:pathLst>
-                <a:path w="3873" h="3645" extrusionOk="0">
-                  <a:moveTo>
-                    <a:pt x="1865" y="0"/>
-                  </a:moveTo>
-                  <a:cubicBezTo>
-                    <a:pt x="958" y="0"/>
-                    <a:pt x="86" y="678"/>
-                    <a:pt x="44" y="1740"/>
-                  </a:cubicBezTo>
-                  <a:cubicBezTo>
-                    <a:pt x="1" y="2868"/>
-                    <a:pt x="915" y="3645"/>
-                    <a:pt x="1878" y="3645"/>
-                  </a:cubicBezTo>
-                  <a:cubicBezTo>
-                    <a:pt x="2302" y="3645"/>
-                    <a:pt x="2735" y="3495"/>
-                    <a:pt x="3100" y="3158"/>
-                  </a:cubicBezTo>
-                  <a:cubicBezTo>
-                    <a:pt x="3825" y="2481"/>
-                    <a:pt x="3872" y="1331"/>
-                    <a:pt x="3210" y="606"/>
-                  </a:cubicBezTo>
-                  <a:cubicBezTo>
-                    <a:pt x="2830" y="188"/>
-                    <a:pt x="2343" y="0"/>
-                    <a:pt x="1865" y="0"/>
-                  </a:cubicBezTo>
-                  <a:close/>
-                </a:path>
-              </a:pathLst>
-            </a:custGeom>
-            <a:solidFill>
-              <a:schemeClr val="dk1"/>
-            </a:solidFill>
-            <a:ln>
-              <a:noFill/>
-            </a:ln>
-          </p:spPr>
-          <p:txBody>
-            <a:bodyPr spcFirstLastPara="1" wrap="square" lIns="91425" tIns="91425" rIns="91425" bIns="91425" anchor="ctr" anchorCtr="0">
-              <a:noAutofit/>
-            </a:bodyPr>
-            <a:lstStyle/>
-            <a:p>
-              <a:pPr marL="0" lvl="0" indent="0" algn="l" rtl="0">
-                <a:spcBef>
-                  <a:spcPts val="0"/>
-                </a:spcBef>
-                <a:spcAft>
-                  <a:spcPts val="0"/>
-                </a:spcAft>
-                <a:buNone/>
-              </a:pPr>
-              <a:endParaRPr/>
-            </a:p>
-          </p:txBody>
-        </p:sp>
-        <p:sp>
-          <p:nvSpPr>
-            <p:cNvPr id="71" name="Google Shape;899;p49">
-              <a:extLst>
-                <a:ext uri="{FF2B5EF4-FFF2-40B4-BE49-F238E27FC236}">
-                  <a16:creationId xmlns:a16="http://schemas.microsoft.com/office/drawing/2014/main" id="{D51A7220-9EBD-4ACD-BE3A-F22752ACA8A5}"/>
-                </a:ext>
-              </a:extLst>
-            </p:cNvPr>
-            <p:cNvSpPr/>
-            <p:nvPr/>
-          </p:nvSpPr>
-          <p:spPr>
-            <a:xfrm>
-              <a:off x="6568350" y="1394900"/>
-              <a:ext cx="121250" cy="91025"/>
-            </a:xfrm>
-            <a:custGeom>
-              <a:avLst/>
-              <a:gdLst/>
-              <a:ahLst/>
-              <a:cxnLst/>
-              <a:rect l="l" t="t" r="r" b="b"/>
-              <a:pathLst>
-                <a:path w="4850" h="3641" extrusionOk="0">
-                  <a:moveTo>
-                    <a:pt x="2425" y="1"/>
-                  </a:moveTo>
-                  <a:cubicBezTo>
-                    <a:pt x="852" y="1"/>
-                    <a:pt x="0" y="1880"/>
-                    <a:pt x="1085" y="3058"/>
-                  </a:cubicBezTo>
-                  <a:cubicBezTo>
-                    <a:pt x="1445" y="3443"/>
-                    <a:pt x="1937" y="3641"/>
-                    <a:pt x="2431" y="3641"/>
-                  </a:cubicBezTo>
-                  <a:cubicBezTo>
-                    <a:pt x="2868" y="3641"/>
-                    <a:pt x="3305" y="3486"/>
-                    <a:pt x="3653" y="3168"/>
-                  </a:cubicBezTo>
-                  <a:cubicBezTo>
-                    <a:pt x="4850" y="2081"/>
-                    <a:pt x="4125" y="81"/>
-                    <a:pt x="2503" y="2"/>
-                  </a:cubicBezTo>
-                  <a:cubicBezTo>
-                    <a:pt x="2477" y="1"/>
-                    <a:pt x="2451" y="1"/>
-                    <a:pt x="2425" y="1"/>
-                  </a:cubicBezTo>
-                  <a:close/>
-                </a:path>
-              </a:pathLst>
-            </a:custGeom>
-            <a:solidFill>
-              <a:schemeClr val="dk1"/>
-            </a:solidFill>
-            <a:ln>
-              <a:noFill/>
-            </a:ln>
-          </p:spPr>
-          <p:txBody>
-            <a:bodyPr spcFirstLastPara="1" wrap="square" lIns="91425" tIns="91425" rIns="91425" bIns="91425" anchor="ctr" anchorCtr="0">
-              <a:noAutofit/>
-            </a:bodyPr>
-            <a:lstStyle/>
-            <a:p>
-              <a:pPr marL="0" lvl="0" indent="0" algn="l" rtl="0">
-                <a:spcBef>
-                  <a:spcPts val="0"/>
-                </a:spcBef>
-                <a:spcAft>
-                  <a:spcPts val="0"/>
-                </a:spcAft>
-                <a:buNone/>
-              </a:pPr>
-              <a:endParaRPr/>
-            </a:p>
-          </p:txBody>
-        </p:sp>
-        <p:sp>
-          <p:nvSpPr>
-            <p:cNvPr id="72" name="Google Shape;900;p49">
-              <a:extLst>
-                <a:ext uri="{FF2B5EF4-FFF2-40B4-BE49-F238E27FC236}">
-                  <a16:creationId xmlns:a16="http://schemas.microsoft.com/office/drawing/2014/main" id="{02AB4F64-C6A8-480E-AD3A-B8334BE6486D}"/>
-                </a:ext>
-              </a:extLst>
-            </p:cNvPr>
-            <p:cNvSpPr/>
-            <p:nvPr/>
-          </p:nvSpPr>
-          <p:spPr>
-            <a:xfrm>
-              <a:off x="6429325" y="1243300"/>
-              <a:ext cx="120875" cy="90875"/>
-            </a:xfrm>
-            <a:custGeom>
-              <a:avLst/>
-              <a:gdLst/>
-              <a:ahLst/>
-              <a:cxnLst/>
-              <a:rect l="l" t="t" r="r" b="b"/>
-              <a:pathLst>
-                <a:path w="4835" h="3635" extrusionOk="0">
-                  <a:moveTo>
-                    <a:pt x="2426" y="0"/>
-                  </a:moveTo>
-                  <a:cubicBezTo>
-                    <a:pt x="853" y="0"/>
-                    <a:pt x="1" y="1880"/>
-                    <a:pt x="1086" y="3058"/>
-                  </a:cubicBezTo>
-                  <a:cubicBezTo>
-                    <a:pt x="1444" y="3440"/>
-                    <a:pt x="1929" y="3634"/>
-                    <a:pt x="2417" y="3634"/>
-                  </a:cubicBezTo>
-                  <a:cubicBezTo>
-                    <a:pt x="2852" y="3634"/>
-                    <a:pt x="3288" y="3480"/>
-                    <a:pt x="3637" y="3168"/>
-                  </a:cubicBezTo>
-                  <a:cubicBezTo>
-                    <a:pt x="4835" y="2065"/>
-                    <a:pt x="4110" y="80"/>
-                    <a:pt x="2503" y="2"/>
-                  </a:cubicBezTo>
-                  <a:cubicBezTo>
-                    <a:pt x="2477" y="1"/>
-                    <a:pt x="2451" y="0"/>
-                    <a:pt x="2426" y="0"/>
-                  </a:cubicBezTo>
-                  <a:close/>
-                </a:path>
-              </a:pathLst>
-            </a:custGeom>
-            <a:solidFill>
-              <a:schemeClr val="dk1"/>
-            </a:solidFill>
-            <a:ln>
-              <a:noFill/>
-            </a:ln>
-          </p:spPr>
-          <p:txBody>
-            <a:bodyPr spcFirstLastPara="1" wrap="square" lIns="91425" tIns="91425" rIns="91425" bIns="91425" anchor="ctr" anchorCtr="0">
-              <a:noAutofit/>
-            </a:bodyPr>
-            <a:lstStyle/>
-            <a:p>
-              <a:pPr marL="0" lvl="0" indent="0" algn="l" rtl="0">
-                <a:spcBef>
-                  <a:spcPts val="0"/>
-                </a:spcBef>
-                <a:spcAft>
-                  <a:spcPts val="0"/>
-                </a:spcAft>
-                <a:buNone/>
-              </a:pPr>
-              <a:endParaRPr/>
-            </a:p>
-          </p:txBody>
-        </p:sp>
-        <p:sp>
-          <p:nvSpPr>
-            <p:cNvPr id="73" name="Google Shape;901;p49">
-              <a:extLst>
-                <a:ext uri="{FF2B5EF4-FFF2-40B4-BE49-F238E27FC236}">
-                  <a16:creationId xmlns:a16="http://schemas.microsoft.com/office/drawing/2014/main" id="{41428FFE-0A93-4D67-98E2-B97B78F4279A}"/>
-                </a:ext>
-              </a:extLst>
-            </p:cNvPr>
-            <p:cNvSpPr/>
-            <p:nvPr/>
-          </p:nvSpPr>
-          <p:spPr>
-            <a:xfrm>
-              <a:off x="5988250" y="757275"/>
-              <a:ext cx="235900" cy="232200"/>
-            </a:xfrm>
-            <a:custGeom>
-              <a:avLst/>
-              <a:gdLst/>
-              <a:ahLst/>
-              <a:cxnLst/>
-              <a:rect l="l" t="t" r="r" b="b"/>
-              <a:pathLst>
-                <a:path w="9436" h="9288" extrusionOk="0">
-                  <a:moveTo>
-                    <a:pt x="2800" y="1"/>
-                  </a:moveTo>
-                  <a:cubicBezTo>
-                    <a:pt x="2633" y="1"/>
-                    <a:pt x="2465" y="60"/>
-                    <a:pt x="2331" y="178"/>
-                  </a:cubicBezTo>
-                  <a:lnTo>
-                    <a:pt x="473" y="1880"/>
-                  </a:lnTo>
-                  <a:cubicBezTo>
-                    <a:pt x="189" y="2147"/>
-                    <a:pt x="173" y="2588"/>
-                    <a:pt x="425" y="2872"/>
-                  </a:cubicBezTo>
-                  <a:lnTo>
-                    <a:pt x="1937" y="4526"/>
-                  </a:lnTo>
-                  <a:lnTo>
-                    <a:pt x="299" y="6038"/>
-                  </a:lnTo>
-                  <a:cubicBezTo>
-                    <a:pt x="16" y="6306"/>
-                    <a:pt x="0" y="6731"/>
-                    <a:pt x="252" y="7015"/>
-                  </a:cubicBezTo>
-                  <a:lnTo>
-                    <a:pt x="1953" y="8889"/>
-                  </a:lnTo>
-                  <a:cubicBezTo>
-                    <a:pt x="2093" y="9037"/>
-                    <a:pt x="2280" y="9112"/>
-                    <a:pt x="2467" y="9112"/>
-                  </a:cubicBezTo>
-                  <a:cubicBezTo>
-                    <a:pt x="2638" y="9112"/>
-                    <a:pt x="2810" y="9049"/>
-                    <a:pt x="2946" y="8921"/>
-                  </a:cubicBezTo>
-                  <a:lnTo>
-                    <a:pt x="4600" y="7408"/>
-                  </a:lnTo>
-                  <a:lnTo>
-                    <a:pt x="6112" y="9062"/>
-                  </a:lnTo>
-                  <a:cubicBezTo>
-                    <a:pt x="6253" y="9213"/>
-                    <a:pt x="6439" y="9288"/>
-                    <a:pt x="6625" y="9288"/>
-                  </a:cubicBezTo>
-                  <a:cubicBezTo>
-                    <a:pt x="6790" y="9288"/>
-                    <a:pt x="6955" y="9228"/>
-                    <a:pt x="7088" y="9110"/>
-                  </a:cubicBezTo>
-                  <a:lnTo>
-                    <a:pt x="8947" y="7393"/>
-                  </a:lnTo>
-                  <a:cubicBezTo>
-                    <a:pt x="9230" y="7141"/>
-                    <a:pt x="9262" y="6700"/>
-                    <a:pt x="8994" y="6416"/>
-                  </a:cubicBezTo>
-                  <a:lnTo>
-                    <a:pt x="7482" y="4762"/>
-                  </a:lnTo>
-                  <a:lnTo>
-                    <a:pt x="9136" y="3250"/>
-                  </a:lnTo>
-                  <a:cubicBezTo>
-                    <a:pt x="9420" y="2982"/>
-                    <a:pt x="9435" y="2541"/>
-                    <a:pt x="9167" y="2258"/>
-                  </a:cubicBezTo>
-                  <a:lnTo>
-                    <a:pt x="7466" y="399"/>
-                  </a:lnTo>
-                  <a:cubicBezTo>
-                    <a:pt x="7333" y="249"/>
-                    <a:pt x="7146" y="174"/>
-                    <a:pt x="6959" y="174"/>
-                  </a:cubicBezTo>
-                  <a:cubicBezTo>
-                    <a:pt x="6791" y="174"/>
-                    <a:pt x="6623" y="233"/>
-                    <a:pt x="6490" y="352"/>
-                  </a:cubicBezTo>
-                  <a:lnTo>
-                    <a:pt x="4836" y="1880"/>
-                  </a:lnTo>
-                  <a:lnTo>
-                    <a:pt x="3308" y="226"/>
-                  </a:lnTo>
-                  <a:cubicBezTo>
-                    <a:pt x="3174" y="76"/>
-                    <a:pt x="2988" y="1"/>
-                    <a:pt x="2800" y="1"/>
-                  </a:cubicBezTo>
-                  <a:close/>
-                </a:path>
-              </a:pathLst>
-            </a:custGeom>
-            <a:solidFill>
-              <a:schemeClr val="dk1"/>
-            </a:solidFill>
-            <a:ln>
-              <a:noFill/>
-            </a:ln>
-          </p:spPr>
-          <p:txBody>
-            <a:bodyPr spcFirstLastPara="1" wrap="square" lIns="91425" tIns="91425" rIns="91425" bIns="91425" anchor="ctr" anchorCtr="0">
-              <a:noAutofit/>
-            </a:bodyPr>
-            <a:lstStyle/>
-            <a:p>
-              <a:pPr marL="0" lvl="0" indent="0" algn="l" rtl="0">
-                <a:spcBef>
-                  <a:spcPts val="0"/>
-                </a:spcBef>
-                <a:spcAft>
-                  <a:spcPts val="0"/>
-                </a:spcAft>
-                <a:buNone/>
-              </a:pPr>
-              <a:endParaRPr/>
-            </a:p>
-          </p:txBody>
-        </p:sp>
-      </p:grpSp>
-      <p:grpSp>
-        <p:nvGrpSpPr>
-          <p:cNvPr id="74" name="Google Shape;902;p49">
-            <a:extLst>
-              <a:ext uri="{FF2B5EF4-FFF2-40B4-BE49-F238E27FC236}">
-                <a16:creationId xmlns:a16="http://schemas.microsoft.com/office/drawing/2014/main" id="{B56287D9-00DD-4DD9-86E8-5C7BB1E7F3C1}"/>
-              </a:ext>
-            </a:extLst>
-          </p:cNvPr>
-          <p:cNvGrpSpPr/>
-          <p:nvPr/>
-        </p:nvGrpSpPr>
-        <p:grpSpPr>
-          <a:xfrm rot="-1568536" flipH="1">
-            <a:off x="402321" y="1091642"/>
-            <a:ext cx="925447" cy="598598"/>
-            <a:chOff x="3765675" y="2533375"/>
-            <a:chExt cx="925450" cy="598600"/>
-          </a:xfrm>
-        </p:grpSpPr>
-        <p:sp>
-          <p:nvSpPr>
-            <p:cNvPr id="75" name="Google Shape;903;p49">
-              <a:extLst>
-                <a:ext uri="{FF2B5EF4-FFF2-40B4-BE49-F238E27FC236}">
-                  <a16:creationId xmlns:a16="http://schemas.microsoft.com/office/drawing/2014/main" id="{C2B17730-2A8E-4858-A687-C330D03E675E}"/>
-                </a:ext>
-              </a:extLst>
-            </p:cNvPr>
-            <p:cNvSpPr/>
-            <p:nvPr/>
-          </p:nvSpPr>
-          <p:spPr>
-            <a:xfrm>
-              <a:off x="4085050" y="2533375"/>
-              <a:ext cx="284350" cy="284350"/>
-            </a:xfrm>
-            <a:custGeom>
-              <a:avLst/>
-              <a:gdLst/>
-              <a:ahLst/>
-              <a:cxnLst/>
-              <a:rect l="l" t="t" r="r" b="b"/>
-              <a:pathLst>
-                <a:path w="11374" h="11374" extrusionOk="0">
-                  <a:moveTo>
-                    <a:pt x="9404" y="1970"/>
-                  </a:moveTo>
-                  <a:lnTo>
-                    <a:pt x="9404" y="9405"/>
-                  </a:lnTo>
-                  <a:lnTo>
-                    <a:pt x="1969" y="9405"/>
-                  </a:lnTo>
-                  <a:lnTo>
-                    <a:pt x="1969" y="1970"/>
-                  </a:lnTo>
-                  <a:close/>
-                  <a:moveTo>
-                    <a:pt x="1497" y="1"/>
-                  </a:moveTo>
-                  <a:cubicBezTo>
-                    <a:pt x="678" y="1"/>
-                    <a:pt x="1" y="678"/>
-                    <a:pt x="1" y="1497"/>
-                  </a:cubicBezTo>
-                  <a:lnTo>
-                    <a:pt x="1" y="9877"/>
-                  </a:lnTo>
-                  <a:cubicBezTo>
-                    <a:pt x="1" y="10712"/>
-                    <a:pt x="678" y="11374"/>
-                    <a:pt x="1497" y="11374"/>
-                  </a:cubicBezTo>
-                  <a:lnTo>
-                    <a:pt x="9877" y="11374"/>
-                  </a:lnTo>
-                  <a:cubicBezTo>
-                    <a:pt x="10696" y="11374"/>
-                    <a:pt x="11373" y="10712"/>
-                    <a:pt x="11373" y="9877"/>
-                  </a:cubicBezTo>
-                  <a:lnTo>
-                    <a:pt x="11373" y="1497"/>
-                  </a:lnTo>
-                  <a:cubicBezTo>
-                    <a:pt x="11373" y="678"/>
-                    <a:pt x="10696" y="1"/>
-                    <a:pt x="9877" y="1"/>
-                  </a:cubicBezTo>
-                  <a:close/>
-                </a:path>
-              </a:pathLst>
-            </a:custGeom>
-            <a:solidFill>
-              <a:schemeClr val="dk1"/>
-            </a:solidFill>
-            <a:ln>
-              <a:noFill/>
-            </a:ln>
-          </p:spPr>
-          <p:txBody>
-            <a:bodyPr spcFirstLastPara="1" wrap="square" lIns="91425" tIns="91425" rIns="91425" bIns="91425" anchor="ctr" anchorCtr="0">
-              <a:noAutofit/>
-            </a:bodyPr>
-            <a:lstStyle/>
-            <a:p>
-              <a:pPr marL="0" lvl="0" indent="0" algn="l" rtl="0">
-                <a:spcBef>
-                  <a:spcPts val="0"/>
-                </a:spcBef>
-                <a:spcAft>
-                  <a:spcPts val="0"/>
-                </a:spcAft>
-                <a:buNone/>
-              </a:pPr>
-              <a:endParaRPr/>
-            </a:p>
-          </p:txBody>
-        </p:sp>
-        <p:sp>
-          <p:nvSpPr>
-            <p:cNvPr id="76" name="Google Shape;904;p49">
-              <a:extLst>
-                <a:ext uri="{FF2B5EF4-FFF2-40B4-BE49-F238E27FC236}">
-                  <a16:creationId xmlns:a16="http://schemas.microsoft.com/office/drawing/2014/main" id="{623AB444-F2A4-402B-8ABC-BB872495D49B}"/>
-                </a:ext>
-              </a:extLst>
-            </p:cNvPr>
-            <p:cNvSpPr/>
-            <p:nvPr/>
-          </p:nvSpPr>
-          <p:spPr>
-            <a:xfrm>
-              <a:off x="4085050" y="2847625"/>
-              <a:ext cx="284350" cy="284350"/>
-            </a:xfrm>
-            <a:custGeom>
-              <a:avLst/>
-              <a:gdLst/>
-              <a:ahLst/>
-              <a:cxnLst/>
-              <a:rect l="l" t="t" r="r" b="b"/>
-              <a:pathLst>
-                <a:path w="11374" h="11374" extrusionOk="0">
-                  <a:moveTo>
-                    <a:pt x="9404" y="1985"/>
-                  </a:moveTo>
-                  <a:lnTo>
-                    <a:pt x="9404" y="9404"/>
-                  </a:lnTo>
-                  <a:lnTo>
-                    <a:pt x="1969" y="9404"/>
-                  </a:lnTo>
-                  <a:lnTo>
-                    <a:pt x="1969" y="1985"/>
-                  </a:lnTo>
-                  <a:close/>
-                  <a:moveTo>
-                    <a:pt x="1497" y="1"/>
-                  </a:moveTo>
-                  <a:cubicBezTo>
-                    <a:pt x="678" y="1"/>
-                    <a:pt x="1" y="678"/>
-                    <a:pt x="1" y="1497"/>
-                  </a:cubicBezTo>
-                  <a:lnTo>
-                    <a:pt x="1" y="9877"/>
-                  </a:lnTo>
-                  <a:cubicBezTo>
-                    <a:pt x="1" y="10712"/>
-                    <a:pt x="678" y="11373"/>
-                    <a:pt x="1497" y="11373"/>
-                  </a:cubicBezTo>
-                  <a:lnTo>
-                    <a:pt x="9877" y="11373"/>
-                  </a:lnTo>
-                  <a:cubicBezTo>
-                    <a:pt x="10696" y="11373"/>
-                    <a:pt x="11373" y="10712"/>
-                    <a:pt x="11373" y="9893"/>
-                  </a:cubicBezTo>
-                  <a:lnTo>
-                    <a:pt x="11373" y="1513"/>
-                  </a:lnTo>
-                  <a:cubicBezTo>
-                    <a:pt x="11373" y="678"/>
-                    <a:pt x="10696" y="16"/>
-                    <a:pt x="9877" y="16"/>
-                  </a:cubicBezTo>
-                  <a:lnTo>
-                    <a:pt x="1497" y="16"/>
-                  </a:lnTo>
-                  <a:lnTo>
-                    <a:pt x="1497" y="1"/>
-                  </a:lnTo>
-                  <a:close/>
-                </a:path>
-              </a:pathLst>
-            </a:custGeom>
-            <a:solidFill>
-              <a:schemeClr val="dk1"/>
-            </a:solidFill>
-            <a:ln>
-              <a:noFill/>
-            </a:ln>
-          </p:spPr>
-          <p:txBody>
-            <a:bodyPr spcFirstLastPara="1" wrap="square" lIns="91425" tIns="91425" rIns="91425" bIns="91425" anchor="ctr" anchorCtr="0">
-              <a:noAutofit/>
-            </a:bodyPr>
-            <a:lstStyle/>
-            <a:p>
-              <a:pPr marL="0" lvl="0" indent="0" algn="l" rtl="0">
-                <a:spcBef>
-                  <a:spcPts val="0"/>
-                </a:spcBef>
-                <a:spcAft>
-                  <a:spcPts val="0"/>
-                </a:spcAft>
-                <a:buNone/>
-              </a:pPr>
-              <a:endParaRPr/>
-            </a:p>
-          </p:txBody>
-        </p:sp>
-        <p:sp>
-          <p:nvSpPr>
-            <p:cNvPr id="77" name="Google Shape;905;p49">
-              <a:extLst>
-                <a:ext uri="{FF2B5EF4-FFF2-40B4-BE49-F238E27FC236}">
-                  <a16:creationId xmlns:a16="http://schemas.microsoft.com/office/drawing/2014/main" id="{A4D00EB5-FF41-4FB2-B9AA-8982EA651269}"/>
-                </a:ext>
-              </a:extLst>
-            </p:cNvPr>
-            <p:cNvSpPr/>
-            <p:nvPr/>
-          </p:nvSpPr>
-          <p:spPr>
-            <a:xfrm>
-              <a:off x="4406775" y="2847625"/>
-              <a:ext cx="284350" cy="284350"/>
-            </a:xfrm>
-            <a:custGeom>
-              <a:avLst/>
-              <a:gdLst/>
-              <a:ahLst/>
-              <a:cxnLst/>
-              <a:rect l="l" t="t" r="r" b="b"/>
-              <a:pathLst>
-                <a:path w="11374" h="11374" extrusionOk="0">
-                  <a:moveTo>
-                    <a:pt x="9404" y="1985"/>
-                  </a:moveTo>
-                  <a:lnTo>
-                    <a:pt x="9404" y="9404"/>
-                  </a:lnTo>
-                  <a:lnTo>
-                    <a:pt x="1970" y="9404"/>
-                  </a:lnTo>
-                  <a:lnTo>
-                    <a:pt x="1970" y="1985"/>
-                  </a:lnTo>
-                  <a:close/>
-                  <a:moveTo>
-                    <a:pt x="1497" y="1"/>
-                  </a:moveTo>
-                  <a:cubicBezTo>
-                    <a:pt x="662" y="1"/>
-                    <a:pt x="1" y="678"/>
-                    <a:pt x="1" y="1497"/>
-                  </a:cubicBezTo>
-                  <a:lnTo>
-                    <a:pt x="1" y="9877"/>
-                  </a:lnTo>
-                  <a:cubicBezTo>
-                    <a:pt x="1" y="10712"/>
-                    <a:pt x="662" y="11373"/>
-                    <a:pt x="1497" y="11373"/>
-                  </a:cubicBezTo>
-                  <a:lnTo>
-                    <a:pt x="9877" y="11373"/>
-                  </a:lnTo>
-                  <a:cubicBezTo>
-                    <a:pt x="10696" y="11373"/>
-                    <a:pt x="11373" y="10712"/>
-                    <a:pt x="11373" y="9893"/>
-                  </a:cubicBezTo>
-                  <a:lnTo>
-                    <a:pt x="11373" y="1513"/>
-                  </a:lnTo>
-                  <a:cubicBezTo>
-                    <a:pt x="11373" y="688"/>
-                    <a:pt x="10711" y="16"/>
-                    <a:pt x="9905" y="16"/>
-                  </a:cubicBezTo>
-                  <a:cubicBezTo>
-                    <a:pt x="9896" y="16"/>
-                    <a:pt x="9886" y="16"/>
-                    <a:pt x="9877" y="16"/>
-                  </a:cubicBezTo>
-                  <a:lnTo>
-                    <a:pt x="1497" y="16"/>
-                  </a:lnTo>
-                  <a:lnTo>
-                    <a:pt x="1497" y="1"/>
-                  </a:lnTo>
-                  <a:close/>
-                </a:path>
-              </a:pathLst>
-            </a:custGeom>
-            <a:solidFill>
-              <a:schemeClr val="dk1"/>
-            </a:solidFill>
-            <a:ln>
-              <a:noFill/>
-            </a:ln>
-          </p:spPr>
-          <p:txBody>
-            <a:bodyPr spcFirstLastPara="1" wrap="square" lIns="91425" tIns="91425" rIns="91425" bIns="91425" anchor="ctr" anchorCtr="0">
-              <a:noAutofit/>
-            </a:bodyPr>
-            <a:lstStyle/>
-            <a:p>
-              <a:pPr marL="0" lvl="0" indent="0" algn="l" rtl="0">
-                <a:spcBef>
-                  <a:spcPts val="0"/>
-                </a:spcBef>
-                <a:spcAft>
-                  <a:spcPts val="0"/>
-                </a:spcAft>
-                <a:buNone/>
-              </a:pPr>
-              <a:endParaRPr/>
-            </a:p>
-          </p:txBody>
-        </p:sp>
-        <p:sp>
-          <p:nvSpPr>
-            <p:cNvPr id="78" name="Google Shape;906;p49">
-              <a:extLst>
-                <a:ext uri="{FF2B5EF4-FFF2-40B4-BE49-F238E27FC236}">
-                  <a16:creationId xmlns:a16="http://schemas.microsoft.com/office/drawing/2014/main" id="{A6B1169B-4CFD-4340-8CC5-769A82D783AA}"/>
-                </a:ext>
-              </a:extLst>
-            </p:cNvPr>
-            <p:cNvSpPr/>
-            <p:nvPr/>
-          </p:nvSpPr>
-          <p:spPr>
-            <a:xfrm>
-              <a:off x="3765675" y="2847625"/>
-              <a:ext cx="284350" cy="284350"/>
-            </a:xfrm>
-            <a:custGeom>
-              <a:avLst/>
-              <a:gdLst/>
-              <a:ahLst/>
-              <a:cxnLst/>
-              <a:rect l="l" t="t" r="r" b="b"/>
-              <a:pathLst>
-                <a:path w="11374" h="11374" extrusionOk="0">
-                  <a:moveTo>
-                    <a:pt x="9405" y="1985"/>
-                  </a:moveTo>
-                  <a:lnTo>
-                    <a:pt x="9405" y="9404"/>
-                  </a:lnTo>
-                  <a:lnTo>
-                    <a:pt x="1970" y="9404"/>
-                  </a:lnTo>
-                  <a:lnTo>
-                    <a:pt x="1970" y="1985"/>
-                  </a:lnTo>
-                  <a:close/>
-                  <a:moveTo>
-                    <a:pt x="1497" y="1"/>
-                  </a:moveTo>
-                  <a:cubicBezTo>
-                    <a:pt x="663" y="1"/>
-                    <a:pt x="1" y="678"/>
-                    <a:pt x="1" y="1497"/>
-                  </a:cubicBezTo>
-                  <a:lnTo>
-                    <a:pt x="1" y="9877"/>
-                  </a:lnTo>
-                  <a:cubicBezTo>
-                    <a:pt x="1" y="10712"/>
-                    <a:pt x="663" y="11373"/>
-                    <a:pt x="1497" y="11373"/>
-                  </a:cubicBezTo>
-                  <a:lnTo>
-                    <a:pt x="9877" y="11373"/>
-                  </a:lnTo>
-                  <a:cubicBezTo>
-                    <a:pt x="10696" y="11373"/>
-                    <a:pt x="11358" y="10712"/>
-                    <a:pt x="11374" y="9893"/>
-                  </a:cubicBezTo>
-                  <a:lnTo>
-                    <a:pt x="11374" y="1513"/>
-                  </a:lnTo>
-                  <a:cubicBezTo>
-                    <a:pt x="11374" y="678"/>
-                    <a:pt x="10696" y="16"/>
-                    <a:pt x="9877" y="16"/>
-                  </a:cubicBezTo>
-                  <a:lnTo>
-                    <a:pt x="1497" y="16"/>
-                  </a:lnTo>
-                  <a:lnTo>
-                    <a:pt x="1497" y="1"/>
-                  </a:lnTo>
-                  <a:close/>
-                </a:path>
-              </a:pathLst>
-            </a:custGeom>
-            <a:solidFill>
-              <a:schemeClr val="dk1"/>
-            </a:solidFill>
-            <a:ln>
-              <a:noFill/>
-            </a:ln>
-          </p:spPr>
-          <p:txBody>
-            <a:bodyPr spcFirstLastPara="1" wrap="square" lIns="91425" tIns="91425" rIns="91425" bIns="91425" anchor="ctr" anchorCtr="0">
-              <a:noAutofit/>
-            </a:bodyPr>
-            <a:lstStyle/>
-            <a:p>
-              <a:pPr marL="0" lvl="0" indent="0" algn="l" rtl="0">
-                <a:spcBef>
-                  <a:spcPts val="0"/>
-                </a:spcBef>
-                <a:spcAft>
-                  <a:spcPts val="0"/>
-                </a:spcAft>
-                <a:buNone/>
-              </a:pPr>
-              <a:endParaRPr/>
-            </a:p>
-          </p:txBody>
-        </p:sp>
-      </p:grpSp>
-      <p:grpSp>
-        <p:nvGrpSpPr>
-          <p:cNvPr id="79" name="Google Shape;907;p49">
-            <a:extLst>
-              <a:ext uri="{FF2B5EF4-FFF2-40B4-BE49-F238E27FC236}">
-                <a16:creationId xmlns:a16="http://schemas.microsoft.com/office/drawing/2014/main" id="{ADA57CF9-A278-43DE-9E23-07F97B8F9246}"/>
-              </a:ext>
-            </a:extLst>
-          </p:cNvPr>
-          <p:cNvGrpSpPr/>
-          <p:nvPr/>
-        </p:nvGrpSpPr>
-        <p:grpSpPr>
-          <a:xfrm rot="1466267" flipH="1">
-            <a:off x="5640255" y="380313"/>
-            <a:ext cx="606443" cy="912814"/>
-            <a:chOff x="4865150" y="3459975"/>
-            <a:chExt cx="606450" cy="912825"/>
-          </a:xfrm>
-        </p:grpSpPr>
-        <p:sp>
-          <p:nvSpPr>
-            <p:cNvPr id="80" name="Google Shape;908;p49">
-              <a:extLst>
-                <a:ext uri="{FF2B5EF4-FFF2-40B4-BE49-F238E27FC236}">
-                  <a16:creationId xmlns:a16="http://schemas.microsoft.com/office/drawing/2014/main" id="{B0528B70-B114-4128-964C-9B826E4C25B9}"/>
-                </a:ext>
-              </a:extLst>
-            </p:cNvPr>
-            <p:cNvSpPr/>
-            <p:nvPr/>
-          </p:nvSpPr>
-          <p:spPr>
-            <a:xfrm>
-              <a:off x="4865550" y="3774225"/>
-              <a:ext cx="284325" cy="284325"/>
-            </a:xfrm>
-            <a:custGeom>
-              <a:avLst/>
-              <a:gdLst/>
-              <a:ahLst/>
-              <a:cxnLst/>
-              <a:rect l="l" t="t" r="r" b="b"/>
-              <a:pathLst>
-                <a:path w="11373" h="11373" extrusionOk="0">
-                  <a:moveTo>
-                    <a:pt x="9404" y="1969"/>
-                  </a:moveTo>
-                  <a:lnTo>
-                    <a:pt x="9404" y="9404"/>
-                  </a:lnTo>
-                  <a:lnTo>
-                    <a:pt x="1969" y="9404"/>
-                  </a:lnTo>
-                  <a:lnTo>
-                    <a:pt x="1969" y="1969"/>
-                  </a:lnTo>
-                  <a:close/>
-                  <a:moveTo>
-                    <a:pt x="1497" y="0"/>
-                  </a:moveTo>
-                  <a:cubicBezTo>
-                    <a:pt x="678" y="0"/>
-                    <a:pt x="0" y="662"/>
-                    <a:pt x="0" y="1497"/>
-                  </a:cubicBezTo>
-                  <a:lnTo>
-                    <a:pt x="0" y="9876"/>
-                  </a:lnTo>
-                  <a:cubicBezTo>
-                    <a:pt x="0" y="10696"/>
-                    <a:pt x="662" y="11357"/>
-                    <a:pt x="1497" y="11373"/>
-                  </a:cubicBezTo>
-                  <a:lnTo>
-                    <a:pt x="9876" y="11373"/>
-                  </a:lnTo>
-                  <a:cubicBezTo>
-                    <a:pt x="10696" y="11373"/>
-                    <a:pt x="11373" y="10696"/>
-                    <a:pt x="11373" y="9876"/>
-                  </a:cubicBezTo>
-                  <a:lnTo>
-                    <a:pt x="11373" y="1497"/>
-                  </a:lnTo>
-                  <a:cubicBezTo>
-                    <a:pt x="11373" y="662"/>
-                    <a:pt x="10696" y="0"/>
-                    <a:pt x="9876" y="0"/>
-                  </a:cubicBezTo>
-                  <a:close/>
-                </a:path>
-              </a:pathLst>
-            </a:custGeom>
-            <a:solidFill>
-              <a:schemeClr val="dk1"/>
-            </a:solidFill>
-            <a:ln>
-              <a:noFill/>
-            </a:ln>
-          </p:spPr>
-          <p:txBody>
-            <a:bodyPr spcFirstLastPara="1" wrap="square" lIns="91425" tIns="91425" rIns="91425" bIns="91425" anchor="ctr" anchorCtr="0">
-              <a:noAutofit/>
-            </a:bodyPr>
-            <a:lstStyle/>
-            <a:p>
-              <a:pPr marL="0" lvl="0" indent="0" algn="l" rtl="0">
-                <a:spcBef>
-                  <a:spcPts val="0"/>
-                </a:spcBef>
-                <a:spcAft>
-                  <a:spcPts val="0"/>
-                </a:spcAft>
-                <a:buNone/>
-              </a:pPr>
-              <a:endParaRPr/>
-            </a:p>
-          </p:txBody>
-        </p:sp>
-        <p:sp>
-          <p:nvSpPr>
-            <p:cNvPr id="81" name="Google Shape;909;p49">
-              <a:extLst>
-                <a:ext uri="{FF2B5EF4-FFF2-40B4-BE49-F238E27FC236}">
-                  <a16:creationId xmlns:a16="http://schemas.microsoft.com/office/drawing/2014/main" id="{11A845A0-E95F-46A9-903C-6442C09D7848}"/>
-                </a:ext>
-              </a:extLst>
-            </p:cNvPr>
-            <p:cNvSpPr/>
-            <p:nvPr/>
-          </p:nvSpPr>
-          <p:spPr>
-            <a:xfrm>
-              <a:off x="4865150" y="3459975"/>
-              <a:ext cx="284350" cy="284350"/>
-            </a:xfrm>
-            <a:custGeom>
-              <a:avLst/>
-              <a:gdLst/>
-              <a:ahLst/>
-              <a:cxnLst/>
-              <a:rect l="l" t="t" r="r" b="b"/>
-              <a:pathLst>
-                <a:path w="11374" h="11374" extrusionOk="0">
-                  <a:moveTo>
-                    <a:pt x="9420" y="1969"/>
-                  </a:moveTo>
-                  <a:lnTo>
-                    <a:pt x="9420" y="9404"/>
-                  </a:lnTo>
-                  <a:lnTo>
-                    <a:pt x="1969" y="9404"/>
-                  </a:lnTo>
-                  <a:lnTo>
-                    <a:pt x="1969" y="1969"/>
-                  </a:lnTo>
-                  <a:close/>
-                  <a:moveTo>
-                    <a:pt x="1497" y="0"/>
-                  </a:moveTo>
-                  <a:cubicBezTo>
-                    <a:pt x="678" y="0"/>
-                    <a:pt x="0" y="662"/>
-                    <a:pt x="0" y="1497"/>
-                  </a:cubicBezTo>
-                  <a:lnTo>
-                    <a:pt x="0" y="9877"/>
-                  </a:lnTo>
-                  <a:cubicBezTo>
-                    <a:pt x="0" y="10696"/>
-                    <a:pt x="678" y="11373"/>
-                    <a:pt x="1497" y="11373"/>
-                  </a:cubicBezTo>
-                  <a:lnTo>
-                    <a:pt x="9877" y="11373"/>
-                  </a:lnTo>
-                  <a:cubicBezTo>
-                    <a:pt x="10696" y="11373"/>
-                    <a:pt x="11373" y="10696"/>
-                    <a:pt x="11373" y="9877"/>
-                  </a:cubicBezTo>
-                  <a:lnTo>
-                    <a:pt x="11373" y="1513"/>
-                  </a:lnTo>
-                  <a:cubicBezTo>
-                    <a:pt x="11373" y="678"/>
-                    <a:pt x="10696" y="0"/>
-                    <a:pt x="9877" y="0"/>
-                  </a:cubicBezTo>
-                  <a:close/>
-                </a:path>
-              </a:pathLst>
-            </a:custGeom>
-            <a:solidFill>
-              <a:schemeClr val="dk1"/>
-            </a:solidFill>
-            <a:ln>
-              <a:noFill/>
-            </a:ln>
-          </p:spPr>
-          <p:txBody>
-            <a:bodyPr spcFirstLastPara="1" wrap="square" lIns="91425" tIns="91425" rIns="91425" bIns="91425" anchor="ctr" anchorCtr="0">
-              <a:noAutofit/>
-            </a:bodyPr>
-            <a:lstStyle/>
-            <a:p>
-              <a:pPr marL="0" lvl="0" indent="0" algn="l" rtl="0">
-                <a:spcBef>
-                  <a:spcPts val="0"/>
-                </a:spcBef>
-                <a:spcAft>
-                  <a:spcPts val="0"/>
-                </a:spcAft>
-                <a:buNone/>
-              </a:pPr>
-              <a:endParaRPr/>
-            </a:p>
-          </p:txBody>
-        </p:sp>
-        <p:sp>
-          <p:nvSpPr>
-            <p:cNvPr id="82" name="Google Shape;910;p49">
-              <a:extLst>
-                <a:ext uri="{FF2B5EF4-FFF2-40B4-BE49-F238E27FC236}">
-                  <a16:creationId xmlns:a16="http://schemas.microsoft.com/office/drawing/2014/main" id="{B1DD068A-BF17-438D-8E42-AA2FE3A7EEFA}"/>
-                </a:ext>
-              </a:extLst>
-            </p:cNvPr>
-            <p:cNvSpPr/>
-            <p:nvPr/>
-          </p:nvSpPr>
-          <p:spPr>
-            <a:xfrm>
-              <a:off x="4865550" y="4088475"/>
-              <a:ext cx="284325" cy="284325"/>
-            </a:xfrm>
-            <a:custGeom>
-              <a:avLst/>
-              <a:gdLst/>
-              <a:ahLst/>
-              <a:cxnLst/>
-              <a:rect l="l" t="t" r="r" b="b"/>
-              <a:pathLst>
-                <a:path w="11373" h="11373" extrusionOk="0">
-                  <a:moveTo>
-                    <a:pt x="9420" y="1969"/>
-                  </a:moveTo>
-                  <a:lnTo>
-                    <a:pt x="9420" y="9388"/>
-                  </a:lnTo>
-                  <a:lnTo>
-                    <a:pt x="1969" y="9388"/>
-                  </a:lnTo>
-                  <a:lnTo>
-                    <a:pt x="1969" y="1969"/>
-                  </a:lnTo>
-                  <a:close/>
-                  <a:moveTo>
-                    <a:pt x="1497" y="0"/>
-                  </a:moveTo>
-                  <a:cubicBezTo>
-                    <a:pt x="678" y="0"/>
-                    <a:pt x="0" y="662"/>
-                    <a:pt x="0" y="1496"/>
-                  </a:cubicBezTo>
-                  <a:lnTo>
-                    <a:pt x="0" y="9876"/>
-                  </a:lnTo>
-                  <a:cubicBezTo>
-                    <a:pt x="0" y="10695"/>
-                    <a:pt x="678" y="11357"/>
-                    <a:pt x="1497" y="11373"/>
-                  </a:cubicBezTo>
-                  <a:lnTo>
-                    <a:pt x="9876" y="11373"/>
-                  </a:lnTo>
-                  <a:cubicBezTo>
-                    <a:pt x="10711" y="11357"/>
-                    <a:pt x="11373" y="10695"/>
-                    <a:pt x="11373" y="9876"/>
-                  </a:cubicBezTo>
-                  <a:lnTo>
-                    <a:pt x="11373" y="1496"/>
-                  </a:lnTo>
-                  <a:cubicBezTo>
-                    <a:pt x="11373" y="662"/>
-                    <a:pt x="10711" y="0"/>
-                    <a:pt x="9876" y="0"/>
-                  </a:cubicBezTo>
-                  <a:close/>
-                </a:path>
-              </a:pathLst>
-            </a:custGeom>
-            <a:solidFill>
-              <a:schemeClr val="dk1"/>
-            </a:solidFill>
-            <a:ln>
-              <a:noFill/>
-            </a:ln>
-          </p:spPr>
-          <p:txBody>
-            <a:bodyPr spcFirstLastPara="1" wrap="square" lIns="91425" tIns="91425" rIns="91425" bIns="91425" anchor="ctr" anchorCtr="0">
-              <a:noAutofit/>
-            </a:bodyPr>
-            <a:lstStyle/>
-            <a:p>
-              <a:pPr marL="0" lvl="0" indent="0" algn="l" rtl="0">
-                <a:spcBef>
-                  <a:spcPts val="0"/>
-                </a:spcBef>
-                <a:spcAft>
-                  <a:spcPts val="0"/>
-                </a:spcAft>
-                <a:buNone/>
-              </a:pPr>
-              <a:endParaRPr/>
-            </a:p>
-          </p:txBody>
-        </p:sp>
-        <p:sp>
-          <p:nvSpPr>
-            <p:cNvPr id="83" name="Google Shape;911;p49">
-              <a:extLst>
-                <a:ext uri="{FF2B5EF4-FFF2-40B4-BE49-F238E27FC236}">
-                  <a16:creationId xmlns:a16="http://schemas.microsoft.com/office/drawing/2014/main" id="{921A1545-82BB-436A-BFE5-67B9A343DE2A}"/>
-                </a:ext>
-              </a:extLst>
-            </p:cNvPr>
-            <p:cNvSpPr/>
-            <p:nvPr/>
-          </p:nvSpPr>
-          <p:spPr>
-            <a:xfrm>
-              <a:off x="5187275" y="4088075"/>
-              <a:ext cx="284325" cy="284325"/>
-            </a:xfrm>
-            <a:custGeom>
-              <a:avLst/>
-              <a:gdLst/>
-              <a:ahLst/>
-              <a:cxnLst/>
-              <a:rect l="l" t="t" r="r" b="b"/>
-              <a:pathLst>
-                <a:path w="11373" h="11373" extrusionOk="0">
-                  <a:moveTo>
-                    <a:pt x="9404" y="1985"/>
-                  </a:moveTo>
-                  <a:lnTo>
-                    <a:pt x="9404" y="9404"/>
-                  </a:lnTo>
-                  <a:lnTo>
-                    <a:pt x="1969" y="9404"/>
-                  </a:lnTo>
-                  <a:lnTo>
-                    <a:pt x="1969" y="1985"/>
-                  </a:lnTo>
-                  <a:close/>
-                  <a:moveTo>
-                    <a:pt x="9877" y="0"/>
-                  </a:moveTo>
-                  <a:lnTo>
-                    <a:pt x="1497" y="16"/>
-                  </a:lnTo>
-                  <a:cubicBezTo>
-                    <a:pt x="1487" y="16"/>
-                    <a:pt x="1478" y="16"/>
-                    <a:pt x="1469" y="16"/>
-                  </a:cubicBezTo>
-                  <a:cubicBezTo>
-                    <a:pt x="662" y="16"/>
-                    <a:pt x="0" y="687"/>
-                    <a:pt x="0" y="1512"/>
-                  </a:cubicBezTo>
-                  <a:lnTo>
-                    <a:pt x="0" y="9877"/>
-                  </a:lnTo>
-                  <a:cubicBezTo>
-                    <a:pt x="0" y="10711"/>
-                    <a:pt x="678" y="11373"/>
-                    <a:pt x="1497" y="11373"/>
-                  </a:cubicBezTo>
-                  <a:lnTo>
-                    <a:pt x="9877" y="11373"/>
-                  </a:lnTo>
-                  <a:cubicBezTo>
-                    <a:pt x="10711" y="11373"/>
-                    <a:pt x="11373" y="10711"/>
-                    <a:pt x="11373" y="9877"/>
-                  </a:cubicBezTo>
-                  <a:lnTo>
-                    <a:pt x="11373" y="1497"/>
-                  </a:lnTo>
-                  <a:cubicBezTo>
-                    <a:pt x="11373" y="678"/>
-                    <a:pt x="10711" y="0"/>
-                    <a:pt x="9877" y="0"/>
-                  </a:cubicBezTo>
-                  <a:close/>
-                </a:path>
-              </a:pathLst>
-            </a:custGeom>
-            <a:solidFill>
-              <a:schemeClr val="dk1"/>
-            </a:solidFill>
-            <a:ln>
-              <a:noFill/>
-            </a:ln>
-          </p:spPr>
-          <p:txBody>
-            <a:bodyPr spcFirstLastPara="1" wrap="square" lIns="91425" tIns="91425" rIns="91425" bIns="91425" anchor="ctr" anchorCtr="0">
-              <a:noAutofit/>
-            </a:bodyPr>
-            <a:lstStyle/>
-            <a:p>
-              <a:pPr marL="0" lvl="0" indent="0" algn="l" rtl="0">
-                <a:spcBef>
-                  <a:spcPts val="0"/>
-                </a:spcBef>
-                <a:spcAft>
-                  <a:spcPts val="0"/>
-                </a:spcAft>
-                <a:buNone/>
-              </a:pPr>
-              <a:endParaRPr/>
-            </a:p>
-          </p:txBody>
-        </p:sp>
-      </p:grpSp>
-    </p:spTree>
-    <p:extLst>
-      <p:ext uri="{BB962C8B-B14F-4D97-AF65-F5344CB8AC3E}">
-        <p14:creationId xmlns:p14="http://schemas.microsoft.com/office/powerpoint/2010/main" val="1241192235"/>
-      </p:ext>
-    </p:extLst>
-  </p:cSld>
-  <p:clrMapOvr>
-    <a:masterClrMapping/>
-  </p:clrMapOvr>
-  <mc:AlternateContent xmlns:mc="http://schemas.openxmlformats.org/markup-compatibility/2006" xmlns:p14="http://schemas.microsoft.com/office/powerpoint/2010/main">
-    <mc:Choice Requires="p14">
-      <p:transition spd="slow" p14:dur="3400">
-        <p14:reveal/>
-      </p:transition>
-    </mc:Choice>
-    <mc:Fallback xmlns="">
-      <p:transition spd="slow">
-        <p:fade/>
-      </p:transition>
-    </mc:Fallback>
-  </mc:AlternateContent>
 </p:sld>
 </file>
 
